--- a/Diaporama/diaporama.pptx
+++ b/Diaporama/diaporama.pptx
@@ -255,7 +255,7 @@
           <a:p>
             <a:fld id="{781248F0-92D3-44B8-A941-3F7889BEA284}" type="datetimeFigureOut">
               <a:rPr lang="fr-FR" smtClean="0"/>
-              <a:t>04/06/2021</a:t>
+              <a:t>05/06/2021</a:t>
             </a:fld>
             <a:endParaRPr lang="fr-FR"/>
           </a:p>
@@ -710,7 +710,7 @@
           <a:p>
             <a:fld id="{89FFA7D1-071F-4D89-AA59-3EA0DDD2F705}" type="datetime1">
               <a:rPr lang="fr-FR" smtClean="0"/>
-              <a:t>04/06/2021</a:t>
+              <a:t>05/06/2021</a:t>
             </a:fld>
             <a:endParaRPr lang="fr-FR"/>
           </a:p>
@@ -875,7 +875,7 @@
           <a:p>
             <a:fld id="{36F503A2-2F46-4B3B-9A48-62A2D380A6FB}" type="datetime1">
               <a:rPr lang="fr-FR" smtClean="0"/>
-              <a:t>04/06/2021</a:t>
+              <a:t>05/06/2021</a:t>
             </a:fld>
             <a:endParaRPr lang="fr-FR"/>
           </a:p>
@@ -1050,7 +1050,7 @@
           <a:p>
             <a:fld id="{8CCBC686-DF3B-4BB6-9496-30464B02D800}" type="datetime1">
               <a:rPr lang="fr-FR" smtClean="0"/>
-              <a:t>04/06/2021</a:t>
+              <a:t>05/06/2021</a:t>
             </a:fld>
             <a:endParaRPr lang="fr-FR"/>
           </a:p>
@@ -1215,7 +1215,7 @@
           <a:p>
             <a:fld id="{F6A6C7BF-5982-43CA-9A14-B7DAD1F95BA3}" type="datetime1">
               <a:rPr lang="fr-FR" smtClean="0"/>
-              <a:t>04/06/2021</a:t>
+              <a:t>05/06/2021</a:t>
             </a:fld>
             <a:endParaRPr lang="fr-FR"/>
           </a:p>
@@ -1454,7 +1454,7 @@
           <a:p>
             <a:fld id="{0B5D2129-7C47-4CF6-877D-FA09C3F64CDA}" type="datetime1">
               <a:rPr lang="fr-FR" smtClean="0"/>
-              <a:t>04/06/2021</a:t>
+              <a:t>05/06/2021</a:t>
             </a:fld>
             <a:endParaRPr lang="fr-FR"/>
           </a:p>
@@ -1544,7 +1544,7 @@
           <a:p>
             <a:fld id="{304F83C5-8F57-445E-BC20-B8458288444A}" type="datetime1">
               <a:rPr lang="fr-FR" smtClean="0"/>
-              <a:t>04/06/2021</a:t>
+              <a:t>05/06/2021</a:t>
             </a:fld>
             <a:endParaRPr lang="fr-FR"/>
           </a:p>
@@ -1918,7 +1918,7 @@
           <a:p>
             <a:fld id="{DC1A622E-B78A-4CDC-8700-9CF99250DAC9}" type="datetime1">
               <a:rPr lang="fr-FR" smtClean="0"/>
-              <a:t>04/06/2021</a:t>
+              <a:t>05/06/2021</a:t>
             </a:fld>
             <a:endParaRPr lang="fr-FR"/>
           </a:p>
@@ -2173,7 +2173,7 @@
           <a:p>
             <a:fld id="{A832D48E-3AFD-4131-8308-9F277B9D005E}" type="datetime1">
               <a:rPr lang="fr-FR" smtClean="0"/>
-              <a:t>04/06/2021</a:t>
+              <a:t>05/06/2021</a:t>
             </a:fld>
             <a:endParaRPr lang="fr-FR"/>
           </a:p>
@@ -2263,7 +2263,7 @@
           <a:p>
             <a:fld id="{75720ED2-AC41-40AA-8E6A-15385B1E8A24}" type="datetime1">
               <a:rPr lang="fr-FR" smtClean="0"/>
-              <a:t>04/06/2021</a:t>
+              <a:t>05/06/2021</a:t>
             </a:fld>
             <a:endParaRPr lang="fr-FR"/>
           </a:p>
@@ -2537,7 +2537,7 @@
           <a:p>
             <a:fld id="{E94AF03A-E309-4A7D-9871-FCE781444D2C}" type="datetime1">
               <a:rPr lang="fr-FR" smtClean="0"/>
-              <a:t>04/06/2021</a:t>
+              <a:t>05/06/2021</a:t>
             </a:fld>
             <a:endParaRPr lang="fr-FR"/>
           </a:p>
@@ -2809,7 +2809,7 @@
           <a:p>
             <a:fld id="{8E07A3D4-9E33-4C46-955C-BCA43B4327AE}" type="datetime1">
               <a:rPr lang="fr-FR" smtClean="0"/>
-              <a:t>04/06/2021</a:t>
+              <a:t>05/06/2021</a:t>
             </a:fld>
             <a:endParaRPr lang="fr-FR"/>
           </a:p>
@@ -3109,7 +3109,7 @@
           <a:p>
             <a:fld id="{3436EB21-DFC2-4CAA-BA39-89726757DE4C}" type="datetime1">
               <a:rPr lang="fr-FR" smtClean="0"/>
-              <a:t>04/06/2021</a:t>
+              <a:t>05/06/2021</a:t>
             </a:fld>
             <a:endParaRPr lang="fr-FR"/>
           </a:p>
@@ -9541,7 +9541,1678 @@
   <p:timing>
     <p:tnLst>
       <p:par>
-        <p:cTn id="1" dur="indefinite" restart="never" nodeType="tmRoot"/>
+        <p:cTn id="1" dur="indefinite" restart="never" nodeType="tmRoot">
+          <p:childTnLst>
+            <p:seq concurrent="1" nextAc="seek">
+              <p:cTn id="2" dur="indefinite" nodeType="mainSeq">
+                <p:childTnLst>
+                  <p:par>
+                    <p:cTn id="3" fill="hold">
+                      <p:stCondLst>
+                        <p:cond delay="indefinite"/>
+                      </p:stCondLst>
+                      <p:childTnLst>
+                        <p:par>
+                          <p:cTn id="4" fill="hold">
+                            <p:stCondLst>
+                              <p:cond delay="0"/>
+                            </p:stCondLst>
+                            <p:childTnLst>
+                              <p:par>
+                                <p:cTn id="5" presetID="16" presetClass="emph" presetSubtype="0" fill="hold" nodeType="clickEffect">
+                                  <p:stCondLst>
+                                    <p:cond delay="0"/>
+                                  </p:stCondLst>
+                                  <p:iterate type="lt">
+                                    <p:tmPct val="4000"/>
+                                  </p:iterate>
+                                  <p:childTnLst>
+                                    <p:set>
+                                      <p:cBhvr override="childStyle">
+                                        <p:cTn id="6" dur="500" fill="hold"/>
+                                        <p:tgtEl>
+                                          <p:spTgt spid="3">
+                                            <p:txEl>
+                                              <p:pRg st="0" end="0"/>
+                                            </p:txEl>
+                                          </p:spTgt>
+                                        </p:tgtEl>
+                                        <p:attrNameLst>
+                                          <p:attrName>style.color</p:attrName>
+                                        </p:attrNameLst>
+                                      </p:cBhvr>
+                                      <p:to>
+                                        <p:clrVal>
+                                          <a:schemeClr val="accent2"/>
+                                        </p:clrVal>
+                                      </p:to>
+                                    </p:set>
+                                    <p:set>
+                                      <p:cBhvr>
+                                        <p:cTn id="7" dur="500" fill="hold"/>
+                                        <p:tgtEl>
+                                          <p:spTgt spid="3">
+                                            <p:txEl>
+                                              <p:pRg st="0" end="0"/>
+                                            </p:txEl>
+                                          </p:spTgt>
+                                        </p:tgtEl>
+                                        <p:attrNameLst>
+                                          <p:attrName>fillcolor</p:attrName>
+                                        </p:attrNameLst>
+                                      </p:cBhvr>
+                                      <p:to>
+                                        <p:clrVal>
+                                          <a:schemeClr val="accent2"/>
+                                        </p:clrVal>
+                                      </p:to>
+                                    </p:set>
+                                    <p:set>
+                                      <p:cBhvr>
+                                        <p:cTn id="8" dur="500" fill="hold"/>
+                                        <p:tgtEl>
+                                          <p:spTgt spid="3">
+                                            <p:txEl>
+                                              <p:pRg st="0" end="0"/>
+                                            </p:txEl>
+                                          </p:spTgt>
+                                        </p:tgtEl>
+                                        <p:attrNameLst>
+                                          <p:attrName>fill.type</p:attrName>
+                                        </p:attrNameLst>
+                                      </p:cBhvr>
+                                      <p:to>
+                                        <p:strVal val="solid"/>
+                                      </p:to>
+                                    </p:set>
+                                  </p:childTnLst>
+                                </p:cTn>
+                              </p:par>
+                              <p:par>
+                                <p:cTn id="9" presetID="16" presetClass="emph" presetSubtype="0" fill="hold" nodeType="withEffect">
+                                  <p:stCondLst>
+                                    <p:cond delay="0"/>
+                                  </p:stCondLst>
+                                  <p:iterate type="lt">
+                                    <p:tmPct val="4000"/>
+                                  </p:iterate>
+                                  <p:childTnLst>
+                                    <p:set>
+                                      <p:cBhvr override="childStyle">
+                                        <p:cTn id="10" dur="500" fill="hold"/>
+                                        <p:tgtEl>
+                                          <p:spTgt spid="3">
+                                            <p:txEl>
+                                              <p:pRg st="1" end="1"/>
+                                            </p:txEl>
+                                          </p:spTgt>
+                                        </p:tgtEl>
+                                        <p:attrNameLst>
+                                          <p:attrName>style.color</p:attrName>
+                                        </p:attrNameLst>
+                                      </p:cBhvr>
+                                      <p:to>
+                                        <p:clrVal>
+                                          <a:schemeClr val="accent2"/>
+                                        </p:clrVal>
+                                      </p:to>
+                                    </p:set>
+                                    <p:set>
+                                      <p:cBhvr>
+                                        <p:cTn id="11" dur="500" fill="hold"/>
+                                        <p:tgtEl>
+                                          <p:spTgt spid="3">
+                                            <p:txEl>
+                                              <p:pRg st="1" end="1"/>
+                                            </p:txEl>
+                                          </p:spTgt>
+                                        </p:tgtEl>
+                                        <p:attrNameLst>
+                                          <p:attrName>fillcolor</p:attrName>
+                                        </p:attrNameLst>
+                                      </p:cBhvr>
+                                      <p:to>
+                                        <p:clrVal>
+                                          <a:schemeClr val="accent2"/>
+                                        </p:clrVal>
+                                      </p:to>
+                                    </p:set>
+                                    <p:set>
+                                      <p:cBhvr>
+                                        <p:cTn id="12" dur="500" fill="hold"/>
+                                        <p:tgtEl>
+                                          <p:spTgt spid="3">
+                                            <p:txEl>
+                                              <p:pRg st="1" end="1"/>
+                                            </p:txEl>
+                                          </p:spTgt>
+                                        </p:tgtEl>
+                                        <p:attrNameLst>
+                                          <p:attrName>fill.type</p:attrName>
+                                        </p:attrNameLst>
+                                      </p:cBhvr>
+                                      <p:to>
+                                        <p:strVal val="solid"/>
+                                      </p:to>
+                                    </p:set>
+                                  </p:childTnLst>
+                                </p:cTn>
+                              </p:par>
+                            </p:childTnLst>
+                          </p:cTn>
+                        </p:par>
+                      </p:childTnLst>
+                    </p:cTn>
+                  </p:par>
+                  <p:par>
+                    <p:cTn id="13" fill="hold">
+                      <p:stCondLst>
+                        <p:cond delay="indefinite"/>
+                      </p:stCondLst>
+                      <p:childTnLst>
+                        <p:par>
+                          <p:cTn id="14" fill="hold">
+                            <p:stCondLst>
+                              <p:cond delay="0"/>
+                            </p:stCondLst>
+                            <p:childTnLst>
+                              <p:par>
+                                <p:cTn id="15" presetID="16" presetClass="emph" presetSubtype="0" fill="hold" nodeType="clickEffect">
+                                  <p:stCondLst>
+                                    <p:cond delay="0"/>
+                                  </p:stCondLst>
+                                  <p:iterate type="lt">
+                                    <p:tmPct val="4000"/>
+                                  </p:iterate>
+                                  <p:childTnLst>
+                                    <p:set>
+                                      <p:cBhvr override="childStyle">
+                                        <p:cTn id="16" dur="500" fill="hold"/>
+                                        <p:tgtEl>
+                                          <p:spTgt spid="3">
+                                            <p:txEl>
+                                              <p:pRg st="0" end="0"/>
+                                            </p:txEl>
+                                          </p:spTgt>
+                                        </p:tgtEl>
+                                        <p:attrNameLst>
+                                          <p:attrName>style.color</p:attrName>
+                                        </p:attrNameLst>
+                                      </p:cBhvr>
+                                      <p:to>
+                                        <p:clrVal>
+                                          <a:srgbClr val="FFFFFF"/>
+                                        </p:clrVal>
+                                      </p:to>
+                                    </p:set>
+                                    <p:set>
+                                      <p:cBhvr>
+                                        <p:cTn id="17" dur="500" fill="hold"/>
+                                        <p:tgtEl>
+                                          <p:spTgt spid="3">
+                                            <p:txEl>
+                                              <p:pRg st="0" end="0"/>
+                                            </p:txEl>
+                                          </p:spTgt>
+                                        </p:tgtEl>
+                                        <p:attrNameLst>
+                                          <p:attrName>fillcolor</p:attrName>
+                                        </p:attrNameLst>
+                                      </p:cBhvr>
+                                      <p:to>
+                                        <p:clrVal>
+                                          <a:srgbClr val="FFFFFF"/>
+                                        </p:clrVal>
+                                      </p:to>
+                                    </p:set>
+                                    <p:set>
+                                      <p:cBhvr>
+                                        <p:cTn id="18" dur="500" fill="hold"/>
+                                        <p:tgtEl>
+                                          <p:spTgt spid="3">
+                                            <p:txEl>
+                                              <p:pRg st="0" end="0"/>
+                                            </p:txEl>
+                                          </p:spTgt>
+                                        </p:tgtEl>
+                                        <p:attrNameLst>
+                                          <p:attrName>fill.type</p:attrName>
+                                        </p:attrNameLst>
+                                      </p:cBhvr>
+                                      <p:to>
+                                        <p:strVal val="solid"/>
+                                      </p:to>
+                                    </p:set>
+                                  </p:childTnLst>
+                                </p:cTn>
+                              </p:par>
+                              <p:par>
+                                <p:cTn id="19" presetID="16" presetClass="emph" presetSubtype="0" fill="hold" nodeType="withEffect">
+                                  <p:stCondLst>
+                                    <p:cond delay="0"/>
+                                  </p:stCondLst>
+                                  <p:iterate type="lt">
+                                    <p:tmPct val="4000"/>
+                                  </p:iterate>
+                                  <p:childTnLst>
+                                    <p:set>
+                                      <p:cBhvr override="childStyle">
+                                        <p:cTn id="20" dur="500" fill="hold"/>
+                                        <p:tgtEl>
+                                          <p:spTgt spid="3">
+                                            <p:txEl>
+                                              <p:pRg st="1" end="1"/>
+                                            </p:txEl>
+                                          </p:spTgt>
+                                        </p:tgtEl>
+                                        <p:attrNameLst>
+                                          <p:attrName>style.color</p:attrName>
+                                        </p:attrNameLst>
+                                      </p:cBhvr>
+                                      <p:to>
+                                        <p:clrVal>
+                                          <a:srgbClr val="FFFFFF"/>
+                                        </p:clrVal>
+                                      </p:to>
+                                    </p:set>
+                                    <p:set>
+                                      <p:cBhvr>
+                                        <p:cTn id="21" dur="500" fill="hold"/>
+                                        <p:tgtEl>
+                                          <p:spTgt spid="3">
+                                            <p:txEl>
+                                              <p:pRg st="1" end="1"/>
+                                            </p:txEl>
+                                          </p:spTgt>
+                                        </p:tgtEl>
+                                        <p:attrNameLst>
+                                          <p:attrName>fillcolor</p:attrName>
+                                        </p:attrNameLst>
+                                      </p:cBhvr>
+                                      <p:to>
+                                        <p:clrVal>
+                                          <a:srgbClr val="FFFFFF"/>
+                                        </p:clrVal>
+                                      </p:to>
+                                    </p:set>
+                                    <p:set>
+                                      <p:cBhvr>
+                                        <p:cTn id="22" dur="500" fill="hold"/>
+                                        <p:tgtEl>
+                                          <p:spTgt spid="3">
+                                            <p:txEl>
+                                              <p:pRg st="1" end="1"/>
+                                            </p:txEl>
+                                          </p:spTgt>
+                                        </p:tgtEl>
+                                        <p:attrNameLst>
+                                          <p:attrName>fill.type</p:attrName>
+                                        </p:attrNameLst>
+                                      </p:cBhvr>
+                                      <p:to>
+                                        <p:strVal val="solid"/>
+                                      </p:to>
+                                    </p:set>
+                                  </p:childTnLst>
+                                </p:cTn>
+                              </p:par>
+                              <p:par>
+                                <p:cTn id="23" presetID="16" presetClass="emph" presetSubtype="0" fill="hold" nodeType="withEffect">
+                                  <p:stCondLst>
+                                    <p:cond delay="0"/>
+                                  </p:stCondLst>
+                                  <p:iterate type="lt">
+                                    <p:tmPct val="4000"/>
+                                  </p:iterate>
+                                  <p:childTnLst>
+                                    <p:set>
+                                      <p:cBhvr override="childStyle">
+                                        <p:cTn id="24" dur="500" fill="hold"/>
+                                        <p:tgtEl>
+                                          <p:spTgt spid="3">
+                                            <p:txEl>
+                                              <p:pRg st="2" end="2"/>
+                                            </p:txEl>
+                                          </p:spTgt>
+                                        </p:tgtEl>
+                                        <p:attrNameLst>
+                                          <p:attrName>style.color</p:attrName>
+                                        </p:attrNameLst>
+                                      </p:cBhvr>
+                                      <p:to>
+                                        <p:clrVal>
+                                          <a:schemeClr val="accent2"/>
+                                        </p:clrVal>
+                                      </p:to>
+                                    </p:set>
+                                    <p:set>
+                                      <p:cBhvr>
+                                        <p:cTn id="25" dur="500" fill="hold"/>
+                                        <p:tgtEl>
+                                          <p:spTgt spid="3">
+                                            <p:txEl>
+                                              <p:pRg st="2" end="2"/>
+                                            </p:txEl>
+                                          </p:spTgt>
+                                        </p:tgtEl>
+                                        <p:attrNameLst>
+                                          <p:attrName>fillcolor</p:attrName>
+                                        </p:attrNameLst>
+                                      </p:cBhvr>
+                                      <p:to>
+                                        <p:clrVal>
+                                          <a:schemeClr val="accent2"/>
+                                        </p:clrVal>
+                                      </p:to>
+                                    </p:set>
+                                    <p:set>
+                                      <p:cBhvr>
+                                        <p:cTn id="26" dur="500" fill="hold"/>
+                                        <p:tgtEl>
+                                          <p:spTgt spid="3">
+                                            <p:txEl>
+                                              <p:pRg st="2" end="2"/>
+                                            </p:txEl>
+                                          </p:spTgt>
+                                        </p:tgtEl>
+                                        <p:attrNameLst>
+                                          <p:attrName>fill.type</p:attrName>
+                                        </p:attrNameLst>
+                                      </p:cBhvr>
+                                      <p:to>
+                                        <p:strVal val="solid"/>
+                                      </p:to>
+                                    </p:set>
+                                  </p:childTnLst>
+                                </p:cTn>
+                              </p:par>
+                              <p:par>
+                                <p:cTn id="27" presetID="16" presetClass="emph" presetSubtype="0" fill="hold" nodeType="withEffect">
+                                  <p:stCondLst>
+                                    <p:cond delay="0"/>
+                                  </p:stCondLst>
+                                  <p:iterate type="lt">
+                                    <p:tmPct val="4000"/>
+                                  </p:iterate>
+                                  <p:childTnLst>
+                                    <p:set>
+                                      <p:cBhvr override="childStyle">
+                                        <p:cTn id="28" dur="500" fill="hold"/>
+                                        <p:tgtEl>
+                                          <p:spTgt spid="3">
+                                            <p:txEl>
+                                              <p:pRg st="3" end="3"/>
+                                            </p:txEl>
+                                          </p:spTgt>
+                                        </p:tgtEl>
+                                        <p:attrNameLst>
+                                          <p:attrName>style.color</p:attrName>
+                                        </p:attrNameLst>
+                                      </p:cBhvr>
+                                      <p:to>
+                                        <p:clrVal>
+                                          <a:schemeClr val="accent2"/>
+                                        </p:clrVal>
+                                      </p:to>
+                                    </p:set>
+                                    <p:set>
+                                      <p:cBhvr>
+                                        <p:cTn id="29" dur="500" fill="hold"/>
+                                        <p:tgtEl>
+                                          <p:spTgt spid="3">
+                                            <p:txEl>
+                                              <p:pRg st="3" end="3"/>
+                                            </p:txEl>
+                                          </p:spTgt>
+                                        </p:tgtEl>
+                                        <p:attrNameLst>
+                                          <p:attrName>fillcolor</p:attrName>
+                                        </p:attrNameLst>
+                                      </p:cBhvr>
+                                      <p:to>
+                                        <p:clrVal>
+                                          <a:schemeClr val="accent2"/>
+                                        </p:clrVal>
+                                      </p:to>
+                                    </p:set>
+                                    <p:set>
+                                      <p:cBhvr>
+                                        <p:cTn id="30" dur="500" fill="hold"/>
+                                        <p:tgtEl>
+                                          <p:spTgt spid="3">
+                                            <p:txEl>
+                                              <p:pRg st="3" end="3"/>
+                                            </p:txEl>
+                                          </p:spTgt>
+                                        </p:tgtEl>
+                                        <p:attrNameLst>
+                                          <p:attrName>fill.type</p:attrName>
+                                        </p:attrNameLst>
+                                      </p:cBhvr>
+                                      <p:to>
+                                        <p:strVal val="solid"/>
+                                      </p:to>
+                                    </p:set>
+                                  </p:childTnLst>
+                                </p:cTn>
+                              </p:par>
+                            </p:childTnLst>
+                          </p:cTn>
+                        </p:par>
+                      </p:childTnLst>
+                    </p:cTn>
+                  </p:par>
+                  <p:par>
+                    <p:cTn id="31" fill="hold">
+                      <p:stCondLst>
+                        <p:cond delay="indefinite"/>
+                      </p:stCondLst>
+                      <p:childTnLst>
+                        <p:par>
+                          <p:cTn id="32" fill="hold">
+                            <p:stCondLst>
+                              <p:cond delay="0"/>
+                            </p:stCondLst>
+                            <p:childTnLst>
+                              <p:par>
+                                <p:cTn id="33" presetID="16" presetClass="emph" presetSubtype="0" fill="hold" nodeType="clickEffect">
+                                  <p:stCondLst>
+                                    <p:cond delay="0"/>
+                                  </p:stCondLst>
+                                  <p:iterate type="lt">
+                                    <p:tmPct val="4000"/>
+                                  </p:iterate>
+                                  <p:childTnLst>
+                                    <p:set>
+                                      <p:cBhvr override="childStyle">
+                                        <p:cTn id="34" dur="500" fill="hold"/>
+                                        <p:tgtEl>
+                                          <p:spTgt spid="3">
+                                            <p:txEl>
+                                              <p:pRg st="2" end="2"/>
+                                            </p:txEl>
+                                          </p:spTgt>
+                                        </p:tgtEl>
+                                        <p:attrNameLst>
+                                          <p:attrName>style.color</p:attrName>
+                                        </p:attrNameLst>
+                                      </p:cBhvr>
+                                      <p:to>
+                                        <p:clrVal>
+                                          <a:srgbClr val="FFFFFF"/>
+                                        </p:clrVal>
+                                      </p:to>
+                                    </p:set>
+                                    <p:set>
+                                      <p:cBhvr>
+                                        <p:cTn id="35" dur="500" fill="hold"/>
+                                        <p:tgtEl>
+                                          <p:spTgt spid="3">
+                                            <p:txEl>
+                                              <p:pRg st="2" end="2"/>
+                                            </p:txEl>
+                                          </p:spTgt>
+                                        </p:tgtEl>
+                                        <p:attrNameLst>
+                                          <p:attrName>fillcolor</p:attrName>
+                                        </p:attrNameLst>
+                                      </p:cBhvr>
+                                      <p:to>
+                                        <p:clrVal>
+                                          <a:srgbClr val="FFFFFF"/>
+                                        </p:clrVal>
+                                      </p:to>
+                                    </p:set>
+                                    <p:set>
+                                      <p:cBhvr>
+                                        <p:cTn id="36" dur="500" fill="hold"/>
+                                        <p:tgtEl>
+                                          <p:spTgt spid="3">
+                                            <p:txEl>
+                                              <p:pRg st="2" end="2"/>
+                                            </p:txEl>
+                                          </p:spTgt>
+                                        </p:tgtEl>
+                                        <p:attrNameLst>
+                                          <p:attrName>fill.type</p:attrName>
+                                        </p:attrNameLst>
+                                      </p:cBhvr>
+                                      <p:to>
+                                        <p:strVal val="solid"/>
+                                      </p:to>
+                                    </p:set>
+                                  </p:childTnLst>
+                                </p:cTn>
+                              </p:par>
+                              <p:par>
+                                <p:cTn id="37" presetID="16" presetClass="emph" presetSubtype="0" fill="hold" nodeType="withEffect">
+                                  <p:stCondLst>
+                                    <p:cond delay="0"/>
+                                  </p:stCondLst>
+                                  <p:iterate type="lt">
+                                    <p:tmPct val="4000"/>
+                                  </p:iterate>
+                                  <p:childTnLst>
+                                    <p:set>
+                                      <p:cBhvr override="childStyle">
+                                        <p:cTn id="38" dur="500" fill="hold"/>
+                                        <p:tgtEl>
+                                          <p:spTgt spid="3">
+                                            <p:txEl>
+                                              <p:pRg st="3" end="3"/>
+                                            </p:txEl>
+                                          </p:spTgt>
+                                        </p:tgtEl>
+                                        <p:attrNameLst>
+                                          <p:attrName>style.color</p:attrName>
+                                        </p:attrNameLst>
+                                      </p:cBhvr>
+                                      <p:to>
+                                        <p:clrVal>
+                                          <a:srgbClr val="FFFFFF"/>
+                                        </p:clrVal>
+                                      </p:to>
+                                    </p:set>
+                                    <p:set>
+                                      <p:cBhvr>
+                                        <p:cTn id="39" dur="500" fill="hold"/>
+                                        <p:tgtEl>
+                                          <p:spTgt spid="3">
+                                            <p:txEl>
+                                              <p:pRg st="3" end="3"/>
+                                            </p:txEl>
+                                          </p:spTgt>
+                                        </p:tgtEl>
+                                        <p:attrNameLst>
+                                          <p:attrName>fillcolor</p:attrName>
+                                        </p:attrNameLst>
+                                      </p:cBhvr>
+                                      <p:to>
+                                        <p:clrVal>
+                                          <a:srgbClr val="FFFFFF"/>
+                                        </p:clrVal>
+                                      </p:to>
+                                    </p:set>
+                                    <p:set>
+                                      <p:cBhvr>
+                                        <p:cTn id="40" dur="500" fill="hold"/>
+                                        <p:tgtEl>
+                                          <p:spTgt spid="3">
+                                            <p:txEl>
+                                              <p:pRg st="3" end="3"/>
+                                            </p:txEl>
+                                          </p:spTgt>
+                                        </p:tgtEl>
+                                        <p:attrNameLst>
+                                          <p:attrName>fill.type</p:attrName>
+                                        </p:attrNameLst>
+                                      </p:cBhvr>
+                                      <p:to>
+                                        <p:strVal val="solid"/>
+                                      </p:to>
+                                    </p:set>
+                                  </p:childTnLst>
+                                </p:cTn>
+                              </p:par>
+                              <p:par>
+                                <p:cTn id="41" presetID="16" presetClass="emph" presetSubtype="0" fill="hold" nodeType="withEffect">
+                                  <p:stCondLst>
+                                    <p:cond delay="0"/>
+                                  </p:stCondLst>
+                                  <p:iterate type="lt">
+                                    <p:tmPct val="4000"/>
+                                  </p:iterate>
+                                  <p:childTnLst>
+                                    <p:set>
+                                      <p:cBhvr override="childStyle">
+                                        <p:cTn id="42" dur="500" fill="hold"/>
+                                        <p:tgtEl>
+                                          <p:spTgt spid="3">
+                                            <p:txEl>
+                                              <p:pRg st="4" end="4"/>
+                                            </p:txEl>
+                                          </p:spTgt>
+                                        </p:tgtEl>
+                                        <p:attrNameLst>
+                                          <p:attrName>style.color</p:attrName>
+                                        </p:attrNameLst>
+                                      </p:cBhvr>
+                                      <p:to>
+                                        <p:clrVal>
+                                          <a:schemeClr val="accent2"/>
+                                        </p:clrVal>
+                                      </p:to>
+                                    </p:set>
+                                    <p:set>
+                                      <p:cBhvr>
+                                        <p:cTn id="43" dur="500" fill="hold"/>
+                                        <p:tgtEl>
+                                          <p:spTgt spid="3">
+                                            <p:txEl>
+                                              <p:pRg st="4" end="4"/>
+                                            </p:txEl>
+                                          </p:spTgt>
+                                        </p:tgtEl>
+                                        <p:attrNameLst>
+                                          <p:attrName>fillcolor</p:attrName>
+                                        </p:attrNameLst>
+                                      </p:cBhvr>
+                                      <p:to>
+                                        <p:clrVal>
+                                          <a:schemeClr val="accent2"/>
+                                        </p:clrVal>
+                                      </p:to>
+                                    </p:set>
+                                    <p:set>
+                                      <p:cBhvr>
+                                        <p:cTn id="44" dur="500" fill="hold"/>
+                                        <p:tgtEl>
+                                          <p:spTgt spid="3">
+                                            <p:txEl>
+                                              <p:pRg st="4" end="4"/>
+                                            </p:txEl>
+                                          </p:spTgt>
+                                        </p:tgtEl>
+                                        <p:attrNameLst>
+                                          <p:attrName>fill.type</p:attrName>
+                                        </p:attrNameLst>
+                                      </p:cBhvr>
+                                      <p:to>
+                                        <p:strVal val="solid"/>
+                                      </p:to>
+                                    </p:set>
+                                  </p:childTnLst>
+                                </p:cTn>
+                              </p:par>
+                            </p:childTnLst>
+                          </p:cTn>
+                        </p:par>
+                      </p:childTnLst>
+                    </p:cTn>
+                  </p:par>
+                  <p:par>
+                    <p:cTn id="45" fill="hold">
+                      <p:stCondLst>
+                        <p:cond delay="indefinite"/>
+                      </p:stCondLst>
+                      <p:childTnLst>
+                        <p:par>
+                          <p:cTn id="46" fill="hold">
+                            <p:stCondLst>
+                              <p:cond delay="0"/>
+                            </p:stCondLst>
+                            <p:childTnLst>
+                              <p:par>
+                                <p:cTn id="47" presetID="16" presetClass="emph" presetSubtype="0" fill="hold" nodeType="clickEffect">
+                                  <p:stCondLst>
+                                    <p:cond delay="0"/>
+                                  </p:stCondLst>
+                                  <p:iterate type="lt">
+                                    <p:tmPct val="4000"/>
+                                  </p:iterate>
+                                  <p:childTnLst>
+                                    <p:set>
+                                      <p:cBhvr override="childStyle">
+                                        <p:cTn id="48" dur="500" fill="hold"/>
+                                        <p:tgtEl>
+                                          <p:spTgt spid="3">
+                                            <p:txEl>
+                                              <p:pRg st="4" end="4"/>
+                                            </p:txEl>
+                                          </p:spTgt>
+                                        </p:tgtEl>
+                                        <p:attrNameLst>
+                                          <p:attrName>style.color</p:attrName>
+                                        </p:attrNameLst>
+                                      </p:cBhvr>
+                                      <p:to>
+                                        <p:clrVal>
+                                          <a:srgbClr val="FFFFFF"/>
+                                        </p:clrVal>
+                                      </p:to>
+                                    </p:set>
+                                    <p:set>
+                                      <p:cBhvr>
+                                        <p:cTn id="49" dur="500" fill="hold"/>
+                                        <p:tgtEl>
+                                          <p:spTgt spid="3">
+                                            <p:txEl>
+                                              <p:pRg st="4" end="4"/>
+                                            </p:txEl>
+                                          </p:spTgt>
+                                        </p:tgtEl>
+                                        <p:attrNameLst>
+                                          <p:attrName>fillcolor</p:attrName>
+                                        </p:attrNameLst>
+                                      </p:cBhvr>
+                                      <p:to>
+                                        <p:clrVal>
+                                          <a:srgbClr val="FFFFFF"/>
+                                        </p:clrVal>
+                                      </p:to>
+                                    </p:set>
+                                    <p:set>
+                                      <p:cBhvr>
+                                        <p:cTn id="50" dur="500" fill="hold"/>
+                                        <p:tgtEl>
+                                          <p:spTgt spid="3">
+                                            <p:txEl>
+                                              <p:pRg st="4" end="4"/>
+                                            </p:txEl>
+                                          </p:spTgt>
+                                        </p:tgtEl>
+                                        <p:attrNameLst>
+                                          <p:attrName>fill.type</p:attrName>
+                                        </p:attrNameLst>
+                                      </p:cBhvr>
+                                      <p:to>
+                                        <p:strVal val="solid"/>
+                                      </p:to>
+                                    </p:set>
+                                  </p:childTnLst>
+                                </p:cTn>
+                              </p:par>
+                              <p:par>
+                                <p:cTn id="51" presetID="16" presetClass="emph" presetSubtype="0" fill="hold" nodeType="withEffect">
+                                  <p:stCondLst>
+                                    <p:cond delay="0"/>
+                                  </p:stCondLst>
+                                  <p:iterate type="lt">
+                                    <p:tmPct val="4000"/>
+                                  </p:iterate>
+                                  <p:childTnLst>
+                                    <p:set>
+                                      <p:cBhvr override="childStyle">
+                                        <p:cTn id="52" dur="500" fill="hold"/>
+                                        <p:tgtEl>
+                                          <p:spTgt spid="3">
+                                            <p:txEl>
+                                              <p:pRg st="5" end="5"/>
+                                            </p:txEl>
+                                          </p:spTgt>
+                                        </p:tgtEl>
+                                        <p:attrNameLst>
+                                          <p:attrName>style.color</p:attrName>
+                                        </p:attrNameLst>
+                                      </p:cBhvr>
+                                      <p:to>
+                                        <p:clrVal>
+                                          <a:schemeClr val="accent2"/>
+                                        </p:clrVal>
+                                      </p:to>
+                                    </p:set>
+                                    <p:set>
+                                      <p:cBhvr>
+                                        <p:cTn id="53" dur="500" fill="hold"/>
+                                        <p:tgtEl>
+                                          <p:spTgt spid="3">
+                                            <p:txEl>
+                                              <p:pRg st="5" end="5"/>
+                                            </p:txEl>
+                                          </p:spTgt>
+                                        </p:tgtEl>
+                                        <p:attrNameLst>
+                                          <p:attrName>fillcolor</p:attrName>
+                                        </p:attrNameLst>
+                                      </p:cBhvr>
+                                      <p:to>
+                                        <p:clrVal>
+                                          <a:schemeClr val="accent2"/>
+                                        </p:clrVal>
+                                      </p:to>
+                                    </p:set>
+                                    <p:set>
+                                      <p:cBhvr>
+                                        <p:cTn id="54" dur="500" fill="hold"/>
+                                        <p:tgtEl>
+                                          <p:spTgt spid="3">
+                                            <p:txEl>
+                                              <p:pRg st="5" end="5"/>
+                                            </p:txEl>
+                                          </p:spTgt>
+                                        </p:tgtEl>
+                                        <p:attrNameLst>
+                                          <p:attrName>fill.type</p:attrName>
+                                        </p:attrNameLst>
+                                      </p:cBhvr>
+                                      <p:to>
+                                        <p:strVal val="solid"/>
+                                      </p:to>
+                                    </p:set>
+                                  </p:childTnLst>
+                                </p:cTn>
+                              </p:par>
+                              <p:par>
+                                <p:cTn id="55" presetID="16" presetClass="emph" presetSubtype="0" fill="hold" nodeType="withEffect">
+                                  <p:stCondLst>
+                                    <p:cond delay="0"/>
+                                  </p:stCondLst>
+                                  <p:iterate type="lt">
+                                    <p:tmPct val="4000"/>
+                                  </p:iterate>
+                                  <p:childTnLst>
+                                    <p:set>
+                                      <p:cBhvr override="childStyle">
+                                        <p:cTn id="56" dur="500" fill="hold"/>
+                                        <p:tgtEl>
+                                          <p:spTgt spid="3">
+                                            <p:txEl>
+                                              <p:pRg st="6" end="6"/>
+                                            </p:txEl>
+                                          </p:spTgt>
+                                        </p:tgtEl>
+                                        <p:attrNameLst>
+                                          <p:attrName>style.color</p:attrName>
+                                        </p:attrNameLst>
+                                      </p:cBhvr>
+                                      <p:to>
+                                        <p:clrVal>
+                                          <a:schemeClr val="accent2"/>
+                                        </p:clrVal>
+                                      </p:to>
+                                    </p:set>
+                                    <p:set>
+                                      <p:cBhvr>
+                                        <p:cTn id="57" dur="500" fill="hold"/>
+                                        <p:tgtEl>
+                                          <p:spTgt spid="3">
+                                            <p:txEl>
+                                              <p:pRg st="6" end="6"/>
+                                            </p:txEl>
+                                          </p:spTgt>
+                                        </p:tgtEl>
+                                        <p:attrNameLst>
+                                          <p:attrName>fillcolor</p:attrName>
+                                        </p:attrNameLst>
+                                      </p:cBhvr>
+                                      <p:to>
+                                        <p:clrVal>
+                                          <a:schemeClr val="accent2"/>
+                                        </p:clrVal>
+                                      </p:to>
+                                    </p:set>
+                                    <p:set>
+                                      <p:cBhvr>
+                                        <p:cTn id="58" dur="500" fill="hold"/>
+                                        <p:tgtEl>
+                                          <p:spTgt spid="3">
+                                            <p:txEl>
+                                              <p:pRg st="6" end="6"/>
+                                            </p:txEl>
+                                          </p:spTgt>
+                                        </p:tgtEl>
+                                        <p:attrNameLst>
+                                          <p:attrName>fill.type</p:attrName>
+                                        </p:attrNameLst>
+                                      </p:cBhvr>
+                                      <p:to>
+                                        <p:strVal val="solid"/>
+                                      </p:to>
+                                    </p:set>
+                                  </p:childTnLst>
+                                </p:cTn>
+                              </p:par>
+                            </p:childTnLst>
+                          </p:cTn>
+                        </p:par>
+                      </p:childTnLst>
+                    </p:cTn>
+                  </p:par>
+                  <p:par>
+                    <p:cTn id="59" fill="hold">
+                      <p:stCondLst>
+                        <p:cond delay="indefinite"/>
+                      </p:stCondLst>
+                      <p:childTnLst>
+                        <p:par>
+                          <p:cTn id="60" fill="hold">
+                            <p:stCondLst>
+                              <p:cond delay="0"/>
+                            </p:stCondLst>
+                            <p:childTnLst>
+                              <p:par>
+                                <p:cTn id="61" presetID="16" presetClass="emph" presetSubtype="0" fill="hold" nodeType="clickEffect">
+                                  <p:stCondLst>
+                                    <p:cond delay="0"/>
+                                  </p:stCondLst>
+                                  <p:iterate type="lt">
+                                    <p:tmPct val="4000"/>
+                                  </p:iterate>
+                                  <p:childTnLst>
+                                    <p:set>
+                                      <p:cBhvr override="childStyle">
+                                        <p:cTn id="62" dur="500" fill="hold"/>
+                                        <p:tgtEl>
+                                          <p:spTgt spid="3">
+                                            <p:txEl>
+                                              <p:pRg st="5" end="5"/>
+                                            </p:txEl>
+                                          </p:spTgt>
+                                        </p:tgtEl>
+                                        <p:attrNameLst>
+                                          <p:attrName>style.color</p:attrName>
+                                        </p:attrNameLst>
+                                      </p:cBhvr>
+                                      <p:to>
+                                        <p:clrVal>
+                                          <a:srgbClr val="FFFFFF"/>
+                                        </p:clrVal>
+                                      </p:to>
+                                    </p:set>
+                                    <p:set>
+                                      <p:cBhvr>
+                                        <p:cTn id="63" dur="500" fill="hold"/>
+                                        <p:tgtEl>
+                                          <p:spTgt spid="3">
+                                            <p:txEl>
+                                              <p:pRg st="5" end="5"/>
+                                            </p:txEl>
+                                          </p:spTgt>
+                                        </p:tgtEl>
+                                        <p:attrNameLst>
+                                          <p:attrName>fillcolor</p:attrName>
+                                        </p:attrNameLst>
+                                      </p:cBhvr>
+                                      <p:to>
+                                        <p:clrVal>
+                                          <a:srgbClr val="FFFFFF"/>
+                                        </p:clrVal>
+                                      </p:to>
+                                    </p:set>
+                                    <p:set>
+                                      <p:cBhvr>
+                                        <p:cTn id="64" dur="500" fill="hold"/>
+                                        <p:tgtEl>
+                                          <p:spTgt spid="3">
+                                            <p:txEl>
+                                              <p:pRg st="5" end="5"/>
+                                            </p:txEl>
+                                          </p:spTgt>
+                                        </p:tgtEl>
+                                        <p:attrNameLst>
+                                          <p:attrName>fill.type</p:attrName>
+                                        </p:attrNameLst>
+                                      </p:cBhvr>
+                                      <p:to>
+                                        <p:strVal val="solid"/>
+                                      </p:to>
+                                    </p:set>
+                                  </p:childTnLst>
+                                </p:cTn>
+                              </p:par>
+                              <p:par>
+                                <p:cTn id="65" presetID="16" presetClass="emph" presetSubtype="0" fill="hold" nodeType="withEffect">
+                                  <p:stCondLst>
+                                    <p:cond delay="0"/>
+                                  </p:stCondLst>
+                                  <p:iterate type="lt">
+                                    <p:tmPct val="4000"/>
+                                  </p:iterate>
+                                  <p:childTnLst>
+                                    <p:set>
+                                      <p:cBhvr override="childStyle">
+                                        <p:cTn id="66" dur="500" fill="hold"/>
+                                        <p:tgtEl>
+                                          <p:spTgt spid="3">
+                                            <p:txEl>
+                                              <p:pRg st="6" end="6"/>
+                                            </p:txEl>
+                                          </p:spTgt>
+                                        </p:tgtEl>
+                                        <p:attrNameLst>
+                                          <p:attrName>style.color</p:attrName>
+                                        </p:attrNameLst>
+                                      </p:cBhvr>
+                                      <p:to>
+                                        <p:clrVal>
+                                          <a:srgbClr val="FFFFFF"/>
+                                        </p:clrVal>
+                                      </p:to>
+                                    </p:set>
+                                    <p:set>
+                                      <p:cBhvr>
+                                        <p:cTn id="67" dur="500" fill="hold"/>
+                                        <p:tgtEl>
+                                          <p:spTgt spid="3">
+                                            <p:txEl>
+                                              <p:pRg st="6" end="6"/>
+                                            </p:txEl>
+                                          </p:spTgt>
+                                        </p:tgtEl>
+                                        <p:attrNameLst>
+                                          <p:attrName>fillcolor</p:attrName>
+                                        </p:attrNameLst>
+                                      </p:cBhvr>
+                                      <p:to>
+                                        <p:clrVal>
+                                          <a:srgbClr val="FFFFFF"/>
+                                        </p:clrVal>
+                                      </p:to>
+                                    </p:set>
+                                    <p:set>
+                                      <p:cBhvr>
+                                        <p:cTn id="68" dur="500" fill="hold"/>
+                                        <p:tgtEl>
+                                          <p:spTgt spid="3">
+                                            <p:txEl>
+                                              <p:pRg st="6" end="6"/>
+                                            </p:txEl>
+                                          </p:spTgt>
+                                        </p:tgtEl>
+                                        <p:attrNameLst>
+                                          <p:attrName>fill.type</p:attrName>
+                                        </p:attrNameLst>
+                                      </p:cBhvr>
+                                      <p:to>
+                                        <p:strVal val="solid"/>
+                                      </p:to>
+                                    </p:set>
+                                  </p:childTnLst>
+                                </p:cTn>
+                              </p:par>
+                              <p:par>
+                                <p:cTn id="69" presetID="16" presetClass="emph" presetSubtype="0" fill="hold" nodeType="withEffect">
+                                  <p:stCondLst>
+                                    <p:cond delay="0"/>
+                                  </p:stCondLst>
+                                  <p:iterate type="lt">
+                                    <p:tmPct val="4000"/>
+                                  </p:iterate>
+                                  <p:childTnLst>
+                                    <p:set>
+                                      <p:cBhvr override="childStyle">
+                                        <p:cTn id="70" dur="500" fill="hold"/>
+                                        <p:tgtEl>
+                                          <p:spTgt spid="3">
+                                            <p:txEl>
+                                              <p:pRg st="7" end="7"/>
+                                            </p:txEl>
+                                          </p:spTgt>
+                                        </p:tgtEl>
+                                        <p:attrNameLst>
+                                          <p:attrName>style.color</p:attrName>
+                                        </p:attrNameLst>
+                                      </p:cBhvr>
+                                      <p:to>
+                                        <p:clrVal>
+                                          <a:schemeClr val="accent2"/>
+                                        </p:clrVal>
+                                      </p:to>
+                                    </p:set>
+                                    <p:set>
+                                      <p:cBhvr>
+                                        <p:cTn id="71" dur="500" fill="hold"/>
+                                        <p:tgtEl>
+                                          <p:spTgt spid="3">
+                                            <p:txEl>
+                                              <p:pRg st="7" end="7"/>
+                                            </p:txEl>
+                                          </p:spTgt>
+                                        </p:tgtEl>
+                                        <p:attrNameLst>
+                                          <p:attrName>fillcolor</p:attrName>
+                                        </p:attrNameLst>
+                                      </p:cBhvr>
+                                      <p:to>
+                                        <p:clrVal>
+                                          <a:schemeClr val="accent2"/>
+                                        </p:clrVal>
+                                      </p:to>
+                                    </p:set>
+                                    <p:set>
+                                      <p:cBhvr>
+                                        <p:cTn id="72" dur="500" fill="hold"/>
+                                        <p:tgtEl>
+                                          <p:spTgt spid="3">
+                                            <p:txEl>
+                                              <p:pRg st="7" end="7"/>
+                                            </p:txEl>
+                                          </p:spTgt>
+                                        </p:tgtEl>
+                                        <p:attrNameLst>
+                                          <p:attrName>fill.type</p:attrName>
+                                        </p:attrNameLst>
+                                      </p:cBhvr>
+                                      <p:to>
+                                        <p:strVal val="solid"/>
+                                      </p:to>
+                                    </p:set>
+                                  </p:childTnLst>
+                                </p:cTn>
+                              </p:par>
+                              <p:par>
+                                <p:cTn id="73" presetID="16" presetClass="emph" presetSubtype="0" fill="hold" nodeType="withEffect">
+                                  <p:stCondLst>
+                                    <p:cond delay="0"/>
+                                  </p:stCondLst>
+                                  <p:iterate type="lt">
+                                    <p:tmPct val="4000"/>
+                                  </p:iterate>
+                                  <p:childTnLst>
+                                    <p:set>
+                                      <p:cBhvr override="childStyle">
+                                        <p:cTn id="74" dur="500" fill="hold"/>
+                                        <p:tgtEl>
+                                          <p:spTgt spid="3">
+                                            <p:txEl>
+                                              <p:pRg st="8" end="8"/>
+                                            </p:txEl>
+                                          </p:spTgt>
+                                        </p:tgtEl>
+                                        <p:attrNameLst>
+                                          <p:attrName>style.color</p:attrName>
+                                        </p:attrNameLst>
+                                      </p:cBhvr>
+                                      <p:to>
+                                        <p:clrVal>
+                                          <a:schemeClr val="accent2"/>
+                                        </p:clrVal>
+                                      </p:to>
+                                    </p:set>
+                                    <p:set>
+                                      <p:cBhvr>
+                                        <p:cTn id="75" dur="500" fill="hold"/>
+                                        <p:tgtEl>
+                                          <p:spTgt spid="3">
+                                            <p:txEl>
+                                              <p:pRg st="8" end="8"/>
+                                            </p:txEl>
+                                          </p:spTgt>
+                                        </p:tgtEl>
+                                        <p:attrNameLst>
+                                          <p:attrName>fillcolor</p:attrName>
+                                        </p:attrNameLst>
+                                      </p:cBhvr>
+                                      <p:to>
+                                        <p:clrVal>
+                                          <a:schemeClr val="accent2"/>
+                                        </p:clrVal>
+                                      </p:to>
+                                    </p:set>
+                                    <p:set>
+                                      <p:cBhvr>
+                                        <p:cTn id="76" dur="500" fill="hold"/>
+                                        <p:tgtEl>
+                                          <p:spTgt spid="3">
+                                            <p:txEl>
+                                              <p:pRg st="8" end="8"/>
+                                            </p:txEl>
+                                          </p:spTgt>
+                                        </p:tgtEl>
+                                        <p:attrNameLst>
+                                          <p:attrName>fill.type</p:attrName>
+                                        </p:attrNameLst>
+                                      </p:cBhvr>
+                                      <p:to>
+                                        <p:strVal val="solid"/>
+                                      </p:to>
+                                    </p:set>
+                                  </p:childTnLst>
+                                </p:cTn>
+                              </p:par>
+                              <p:par>
+                                <p:cTn id="77" presetID="16" presetClass="emph" presetSubtype="0" fill="hold" nodeType="withEffect">
+                                  <p:stCondLst>
+                                    <p:cond delay="0"/>
+                                  </p:stCondLst>
+                                  <p:iterate type="lt">
+                                    <p:tmPct val="4000"/>
+                                  </p:iterate>
+                                  <p:childTnLst>
+                                    <p:set>
+                                      <p:cBhvr override="childStyle">
+                                        <p:cTn id="78" dur="500" fill="hold"/>
+                                        <p:tgtEl>
+                                          <p:spTgt spid="3">
+                                            <p:txEl>
+                                              <p:pRg st="9" end="9"/>
+                                            </p:txEl>
+                                          </p:spTgt>
+                                        </p:tgtEl>
+                                        <p:attrNameLst>
+                                          <p:attrName>style.color</p:attrName>
+                                        </p:attrNameLst>
+                                      </p:cBhvr>
+                                      <p:to>
+                                        <p:clrVal>
+                                          <a:schemeClr val="accent2"/>
+                                        </p:clrVal>
+                                      </p:to>
+                                    </p:set>
+                                    <p:set>
+                                      <p:cBhvr>
+                                        <p:cTn id="79" dur="500" fill="hold"/>
+                                        <p:tgtEl>
+                                          <p:spTgt spid="3">
+                                            <p:txEl>
+                                              <p:pRg st="9" end="9"/>
+                                            </p:txEl>
+                                          </p:spTgt>
+                                        </p:tgtEl>
+                                        <p:attrNameLst>
+                                          <p:attrName>fillcolor</p:attrName>
+                                        </p:attrNameLst>
+                                      </p:cBhvr>
+                                      <p:to>
+                                        <p:clrVal>
+                                          <a:schemeClr val="accent2"/>
+                                        </p:clrVal>
+                                      </p:to>
+                                    </p:set>
+                                    <p:set>
+                                      <p:cBhvr>
+                                        <p:cTn id="80" dur="500" fill="hold"/>
+                                        <p:tgtEl>
+                                          <p:spTgt spid="3">
+                                            <p:txEl>
+                                              <p:pRg st="9" end="9"/>
+                                            </p:txEl>
+                                          </p:spTgt>
+                                        </p:tgtEl>
+                                        <p:attrNameLst>
+                                          <p:attrName>fill.type</p:attrName>
+                                        </p:attrNameLst>
+                                      </p:cBhvr>
+                                      <p:to>
+                                        <p:strVal val="solid"/>
+                                      </p:to>
+                                    </p:set>
+                                  </p:childTnLst>
+                                </p:cTn>
+                              </p:par>
+                            </p:childTnLst>
+                          </p:cTn>
+                        </p:par>
+                      </p:childTnLst>
+                    </p:cTn>
+                  </p:par>
+                  <p:par>
+                    <p:cTn id="81" fill="hold">
+                      <p:stCondLst>
+                        <p:cond delay="indefinite"/>
+                      </p:stCondLst>
+                      <p:childTnLst>
+                        <p:par>
+                          <p:cTn id="82" fill="hold">
+                            <p:stCondLst>
+                              <p:cond delay="0"/>
+                            </p:stCondLst>
+                            <p:childTnLst>
+                              <p:par>
+                                <p:cTn id="83" presetID="16" presetClass="emph" presetSubtype="0" fill="hold" nodeType="clickEffect">
+                                  <p:stCondLst>
+                                    <p:cond delay="0"/>
+                                  </p:stCondLst>
+                                  <p:iterate type="lt">
+                                    <p:tmPct val="4000"/>
+                                  </p:iterate>
+                                  <p:childTnLst>
+                                    <p:set>
+                                      <p:cBhvr override="childStyle">
+                                        <p:cTn id="84" dur="500" fill="hold"/>
+                                        <p:tgtEl>
+                                          <p:spTgt spid="3">
+                                            <p:txEl>
+                                              <p:pRg st="7" end="7"/>
+                                            </p:txEl>
+                                          </p:spTgt>
+                                        </p:tgtEl>
+                                        <p:attrNameLst>
+                                          <p:attrName>style.color</p:attrName>
+                                        </p:attrNameLst>
+                                      </p:cBhvr>
+                                      <p:to>
+                                        <p:clrVal>
+                                          <a:srgbClr val="FFFFFF"/>
+                                        </p:clrVal>
+                                      </p:to>
+                                    </p:set>
+                                    <p:set>
+                                      <p:cBhvr>
+                                        <p:cTn id="85" dur="500" fill="hold"/>
+                                        <p:tgtEl>
+                                          <p:spTgt spid="3">
+                                            <p:txEl>
+                                              <p:pRg st="7" end="7"/>
+                                            </p:txEl>
+                                          </p:spTgt>
+                                        </p:tgtEl>
+                                        <p:attrNameLst>
+                                          <p:attrName>fillcolor</p:attrName>
+                                        </p:attrNameLst>
+                                      </p:cBhvr>
+                                      <p:to>
+                                        <p:clrVal>
+                                          <a:srgbClr val="FFFFFF"/>
+                                        </p:clrVal>
+                                      </p:to>
+                                    </p:set>
+                                    <p:set>
+                                      <p:cBhvr>
+                                        <p:cTn id="86" dur="500" fill="hold"/>
+                                        <p:tgtEl>
+                                          <p:spTgt spid="3">
+                                            <p:txEl>
+                                              <p:pRg st="7" end="7"/>
+                                            </p:txEl>
+                                          </p:spTgt>
+                                        </p:tgtEl>
+                                        <p:attrNameLst>
+                                          <p:attrName>fill.type</p:attrName>
+                                        </p:attrNameLst>
+                                      </p:cBhvr>
+                                      <p:to>
+                                        <p:strVal val="solid"/>
+                                      </p:to>
+                                    </p:set>
+                                  </p:childTnLst>
+                                </p:cTn>
+                              </p:par>
+                              <p:par>
+                                <p:cTn id="87" presetID="16" presetClass="emph" presetSubtype="0" fill="hold" nodeType="withEffect">
+                                  <p:stCondLst>
+                                    <p:cond delay="0"/>
+                                  </p:stCondLst>
+                                  <p:iterate type="lt">
+                                    <p:tmPct val="4000"/>
+                                  </p:iterate>
+                                  <p:childTnLst>
+                                    <p:set>
+                                      <p:cBhvr override="childStyle">
+                                        <p:cTn id="88" dur="500" fill="hold"/>
+                                        <p:tgtEl>
+                                          <p:spTgt spid="3">
+                                            <p:txEl>
+                                              <p:pRg st="8" end="8"/>
+                                            </p:txEl>
+                                          </p:spTgt>
+                                        </p:tgtEl>
+                                        <p:attrNameLst>
+                                          <p:attrName>style.color</p:attrName>
+                                        </p:attrNameLst>
+                                      </p:cBhvr>
+                                      <p:to>
+                                        <p:clrVal>
+                                          <a:srgbClr val="FFFFFF"/>
+                                        </p:clrVal>
+                                      </p:to>
+                                    </p:set>
+                                    <p:set>
+                                      <p:cBhvr>
+                                        <p:cTn id="89" dur="500" fill="hold"/>
+                                        <p:tgtEl>
+                                          <p:spTgt spid="3">
+                                            <p:txEl>
+                                              <p:pRg st="8" end="8"/>
+                                            </p:txEl>
+                                          </p:spTgt>
+                                        </p:tgtEl>
+                                        <p:attrNameLst>
+                                          <p:attrName>fillcolor</p:attrName>
+                                        </p:attrNameLst>
+                                      </p:cBhvr>
+                                      <p:to>
+                                        <p:clrVal>
+                                          <a:srgbClr val="FFFFFF"/>
+                                        </p:clrVal>
+                                      </p:to>
+                                    </p:set>
+                                    <p:set>
+                                      <p:cBhvr>
+                                        <p:cTn id="90" dur="500" fill="hold"/>
+                                        <p:tgtEl>
+                                          <p:spTgt spid="3">
+                                            <p:txEl>
+                                              <p:pRg st="8" end="8"/>
+                                            </p:txEl>
+                                          </p:spTgt>
+                                        </p:tgtEl>
+                                        <p:attrNameLst>
+                                          <p:attrName>fill.type</p:attrName>
+                                        </p:attrNameLst>
+                                      </p:cBhvr>
+                                      <p:to>
+                                        <p:strVal val="solid"/>
+                                      </p:to>
+                                    </p:set>
+                                  </p:childTnLst>
+                                </p:cTn>
+                              </p:par>
+                              <p:par>
+                                <p:cTn id="91" presetID="16" presetClass="emph" presetSubtype="0" fill="hold" nodeType="withEffect">
+                                  <p:stCondLst>
+                                    <p:cond delay="0"/>
+                                  </p:stCondLst>
+                                  <p:iterate type="lt">
+                                    <p:tmPct val="4000"/>
+                                  </p:iterate>
+                                  <p:childTnLst>
+                                    <p:set>
+                                      <p:cBhvr override="childStyle">
+                                        <p:cTn id="92" dur="500" fill="hold"/>
+                                        <p:tgtEl>
+                                          <p:spTgt spid="3">
+                                            <p:txEl>
+                                              <p:pRg st="9" end="9"/>
+                                            </p:txEl>
+                                          </p:spTgt>
+                                        </p:tgtEl>
+                                        <p:attrNameLst>
+                                          <p:attrName>style.color</p:attrName>
+                                        </p:attrNameLst>
+                                      </p:cBhvr>
+                                      <p:to>
+                                        <p:clrVal>
+                                          <a:srgbClr val="FFFFFF"/>
+                                        </p:clrVal>
+                                      </p:to>
+                                    </p:set>
+                                    <p:set>
+                                      <p:cBhvr>
+                                        <p:cTn id="93" dur="500" fill="hold"/>
+                                        <p:tgtEl>
+                                          <p:spTgt spid="3">
+                                            <p:txEl>
+                                              <p:pRg st="9" end="9"/>
+                                            </p:txEl>
+                                          </p:spTgt>
+                                        </p:tgtEl>
+                                        <p:attrNameLst>
+                                          <p:attrName>fillcolor</p:attrName>
+                                        </p:attrNameLst>
+                                      </p:cBhvr>
+                                      <p:to>
+                                        <p:clrVal>
+                                          <a:srgbClr val="FFFFFF"/>
+                                        </p:clrVal>
+                                      </p:to>
+                                    </p:set>
+                                    <p:set>
+                                      <p:cBhvr>
+                                        <p:cTn id="94" dur="500" fill="hold"/>
+                                        <p:tgtEl>
+                                          <p:spTgt spid="3">
+                                            <p:txEl>
+                                              <p:pRg st="9" end="9"/>
+                                            </p:txEl>
+                                          </p:spTgt>
+                                        </p:tgtEl>
+                                        <p:attrNameLst>
+                                          <p:attrName>fill.type</p:attrName>
+                                        </p:attrNameLst>
+                                      </p:cBhvr>
+                                      <p:to>
+                                        <p:strVal val="solid"/>
+                                      </p:to>
+                                    </p:set>
+                                  </p:childTnLst>
+                                </p:cTn>
+                              </p:par>
+                              <p:par>
+                                <p:cTn id="95" presetID="16" presetClass="emph" presetSubtype="0" fill="hold" nodeType="withEffect">
+                                  <p:stCondLst>
+                                    <p:cond delay="0"/>
+                                  </p:stCondLst>
+                                  <p:iterate type="lt">
+                                    <p:tmPct val="4000"/>
+                                  </p:iterate>
+                                  <p:childTnLst>
+                                    <p:set>
+                                      <p:cBhvr override="childStyle">
+                                        <p:cTn id="96" dur="500" fill="hold"/>
+                                        <p:tgtEl>
+                                          <p:spTgt spid="3">
+                                            <p:txEl>
+                                              <p:pRg st="10" end="10"/>
+                                            </p:txEl>
+                                          </p:spTgt>
+                                        </p:tgtEl>
+                                        <p:attrNameLst>
+                                          <p:attrName>style.color</p:attrName>
+                                        </p:attrNameLst>
+                                      </p:cBhvr>
+                                      <p:to>
+                                        <p:clrVal>
+                                          <a:schemeClr val="accent2"/>
+                                        </p:clrVal>
+                                      </p:to>
+                                    </p:set>
+                                    <p:set>
+                                      <p:cBhvr>
+                                        <p:cTn id="97" dur="500" fill="hold"/>
+                                        <p:tgtEl>
+                                          <p:spTgt spid="3">
+                                            <p:txEl>
+                                              <p:pRg st="10" end="10"/>
+                                            </p:txEl>
+                                          </p:spTgt>
+                                        </p:tgtEl>
+                                        <p:attrNameLst>
+                                          <p:attrName>fillcolor</p:attrName>
+                                        </p:attrNameLst>
+                                      </p:cBhvr>
+                                      <p:to>
+                                        <p:clrVal>
+                                          <a:schemeClr val="accent2"/>
+                                        </p:clrVal>
+                                      </p:to>
+                                    </p:set>
+                                    <p:set>
+                                      <p:cBhvr>
+                                        <p:cTn id="98" dur="500" fill="hold"/>
+                                        <p:tgtEl>
+                                          <p:spTgt spid="3">
+                                            <p:txEl>
+                                              <p:pRg st="10" end="10"/>
+                                            </p:txEl>
+                                          </p:spTgt>
+                                        </p:tgtEl>
+                                        <p:attrNameLst>
+                                          <p:attrName>fill.type</p:attrName>
+                                        </p:attrNameLst>
+                                      </p:cBhvr>
+                                      <p:to>
+                                        <p:strVal val="solid"/>
+                                      </p:to>
+                                    </p:set>
+                                  </p:childTnLst>
+                                </p:cTn>
+                              </p:par>
+                              <p:par>
+                                <p:cTn id="99" presetID="16" presetClass="emph" presetSubtype="0" fill="hold" nodeType="withEffect">
+                                  <p:stCondLst>
+                                    <p:cond delay="0"/>
+                                  </p:stCondLst>
+                                  <p:iterate type="lt">
+                                    <p:tmPct val="4000"/>
+                                  </p:iterate>
+                                  <p:childTnLst>
+                                    <p:set>
+                                      <p:cBhvr override="childStyle">
+                                        <p:cTn id="100" dur="500" fill="hold"/>
+                                        <p:tgtEl>
+                                          <p:spTgt spid="3">
+                                            <p:txEl>
+                                              <p:pRg st="11" end="11"/>
+                                            </p:txEl>
+                                          </p:spTgt>
+                                        </p:tgtEl>
+                                        <p:attrNameLst>
+                                          <p:attrName>style.color</p:attrName>
+                                        </p:attrNameLst>
+                                      </p:cBhvr>
+                                      <p:to>
+                                        <p:clrVal>
+                                          <a:schemeClr val="accent2"/>
+                                        </p:clrVal>
+                                      </p:to>
+                                    </p:set>
+                                    <p:set>
+                                      <p:cBhvr>
+                                        <p:cTn id="101" dur="500" fill="hold"/>
+                                        <p:tgtEl>
+                                          <p:spTgt spid="3">
+                                            <p:txEl>
+                                              <p:pRg st="11" end="11"/>
+                                            </p:txEl>
+                                          </p:spTgt>
+                                        </p:tgtEl>
+                                        <p:attrNameLst>
+                                          <p:attrName>fillcolor</p:attrName>
+                                        </p:attrNameLst>
+                                      </p:cBhvr>
+                                      <p:to>
+                                        <p:clrVal>
+                                          <a:schemeClr val="accent2"/>
+                                        </p:clrVal>
+                                      </p:to>
+                                    </p:set>
+                                    <p:set>
+                                      <p:cBhvr>
+                                        <p:cTn id="102" dur="500" fill="hold"/>
+                                        <p:tgtEl>
+                                          <p:spTgt spid="3">
+                                            <p:txEl>
+                                              <p:pRg st="11" end="11"/>
+                                            </p:txEl>
+                                          </p:spTgt>
+                                        </p:tgtEl>
+                                        <p:attrNameLst>
+                                          <p:attrName>fill.type</p:attrName>
+                                        </p:attrNameLst>
+                                      </p:cBhvr>
+                                      <p:to>
+                                        <p:strVal val="solid"/>
+                                      </p:to>
+                                    </p:set>
+                                  </p:childTnLst>
+                                </p:cTn>
+                              </p:par>
+                            </p:childTnLst>
+                          </p:cTn>
+                        </p:par>
+                      </p:childTnLst>
+                    </p:cTn>
+                  </p:par>
+                </p:childTnLst>
+              </p:cTn>
+              <p:prevCondLst>
+                <p:cond evt="onPrev" delay="0">
+                  <p:tgtEl>
+                    <p:sldTgt/>
+                  </p:tgtEl>
+                </p:cond>
+              </p:prevCondLst>
+              <p:nextCondLst>
+                <p:cond evt="onNext" delay="0">
+                  <p:tgtEl>
+                    <p:sldTgt/>
+                  </p:tgtEl>
+                </p:cond>
+              </p:nextCondLst>
+            </p:seq>
+          </p:childTnLst>
+        </p:cTn>
       </p:par>
     </p:tnLst>
   </p:timing>
@@ -9588,8 +11259,8 @@
           </a:p>
         </p:txBody>
       </p:sp>
-      <mc:AlternateContent xmlns:mc="http://schemas.openxmlformats.org/markup-compatibility/2006">
-        <mc:Choice xmlns:a14="http://schemas.microsoft.com/office/drawing/2010/main" Requires="a14">
+      <mc:AlternateContent xmlns:mc="http://schemas.openxmlformats.org/markup-compatibility/2006" xmlns:a14="http://schemas.microsoft.com/office/drawing/2010/main">
+        <mc:Choice Requires="a14">
           <p:sp>
             <p:nvSpPr>
               <p:cNvPr id="3" name="Espace réservé du contenu 2"/>
@@ -9808,7 +11479,7 @@
             </p:txBody>
           </p:sp>
         </mc:Choice>
-        <mc:Fallback>
+        <mc:Fallback xmlns="">
           <p:sp>
             <p:nvSpPr>
               <p:cNvPr id="3" name="Espace réservé du contenu 2"/>
@@ -12171,7 +13842,213 @@
   <p:timing>
     <p:tnLst>
       <p:par>
-        <p:cTn id="1" dur="indefinite" restart="never" nodeType="tmRoot"/>
+        <p:cTn id="1" dur="indefinite" restart="never" nodeType="tmRoot">
+          <p:childTnLst>
+            <p:seq concurrent="1" nextAc="seek">
+              <p:cTn id="2" dur="indefinite" nodeType="mainSeq">
+                <p:childTnLst>
+                  <p:par>
+                    <p:cTn id="3" fill="hold">
+                      <p:stCondLst>
+                        <p:cond delay="indefinite"/>
+                      </p:stCondLst>
+                      <p:childTnLst>
+                        <p:par>
+                          <p:cTn id="4" fill="hold">
+                            <p:stCondLst>
+                              <p:cond delay="0"/>
+                            </p:stCondLst>
+                            <p:childTnLst>
+                              <p:par>
+                                <p:cTn id="5" presetID="10" presetClass="entr" presetSubtype="0" fill="hold" nodeType="clickEffect">
+                                  <p:stCondLst>
+                                    <p:cond delay="0"/>
+                                  </p:stCondLst>
+                                  <p:childTnLst>
+                                    <p:set>
+                                      <p:cBhvr>
+                                        <p:cTn id="6" dur="1" fill="hold">
+                                          <p:stCondLst>
+                                            <p:cond delay="0"/>
+                                          </p:stCondLst>
+                                        </p:cTn>
+                                        <p:tgtEl>
+                                          <p:spTgt spid="3">
+                                            <p:txEl>
+                                              <p:pRg st="0" end="0"/>
+                                            </p:txEl>
+                                          </p:spTgt>
+                                        </p:tgtEl>
+                                        <p:attrNameLst>
+                                          <p:attrName>style.visibility</p:attrName>
+                                        </p:attrNameLst>
+                                      </p:cBhvr>
+                                      <p:to>
+                                        <p:strVal val="visible"/>
+                                      </p:to>
+                                    </p:set>
+                                    <p:animEffect transition="in" filter="fade">
+                                      <p:cBhvr>
+                                        <p:cTn id="7" dur="500"/>
+                                        <p:tgtEl>
+                                          <p:spTgt spid="3">
+                                            <p:txEl>
+                                              <p:pRg st="0" end="0"/>
+                                            </p:txEl>
+                                          </p:spTgt>
+                                        </p:tgtEl>
+                                      </p:cBhvr>
+                                    </p:animEffect>
+                                  </p:childTnLst>
+                                </p:cTn>
+                              </p:par>
+                            </p:childTnLst>
+                          </p:cTn>
+                        </p:par>
+                      </p:childTnLst>
+                    </p:cTn>
+                  </p:par>
+                  <p:par>
+                    <p:cTn id="8" fill="hold">
+                      <p:stCondLst>
+                        <p:cond delay="indefinite"/>
+                      </p:stCondLst>
+                      <p:childTnLst>
+                        <p:par>
+                          <p:cTn id="9" fill="hold">
+                            <p:stCondLst>
+                              <p:cond delay="0"/>
+                            </p:stCondLst>
+                            <p:childTnLst>
+                              <p:par>
+                                <p:cTn id="10" presetID="10" presetClass="entr" presetSubtype="0" fill="hold" nodeType="clickEffect">
+                                  <p:stCondLst>
+                                    <p:cond delay="0"/>
+                                  </p:stCondLst>
+                                  <p:childTnLst>
+                                    <p:set>
+                                      <p:cBhvr>
+                                        <p:cTn id="11" dur="1" fill="hold">
+                                          <p:stCondLst>
+                                            <p:cond delay="0"/>
+                                          </p:stCondLst>
+                                        </p:cTn>
+                                        <p:tgtEl>
+                                          <p:spTgt spid="3">
+                                            <p:txEl>
+                                              <p:pRg st="1" end="1"/>
+                                            </p:txEl>
+                                          </p:spTgt>
+                                        </p:tgtEl>
+                                        <p:attrNameLst>
+                                          <p:attrName>style.visibility</p:attrName>
+                                        </p:attrNameLst>
+                                      </p:cBhvr>
+                                      <p:to>
+                                        <p:strVal val="visible"/>
+                                      </p:to>
+                                    </p:set>
+                                    <p:animEffect transition="in" filter="fade">
+                                      <p:cBhvr>
+                                        <p:cTn id="12" dur="500"/>
+                                        <p:tgtEl>
+                                          <p:spTgt spid="3">
+                                            <p:txEl>
+                                              <p:pRg st="1" end="1"/>
+                                            </p:txEl>
+                                          </p:spTgt>
+                                        </p:tgtEl>
+                                      </p:cBhvr>
+                                    </p:animEffect>
+                                  </p:childTnLst>
+                                </p:cTn>
+                              </p:par>
+                            </p:childTnLst>
+                          </p:cTn>
+                        </p:par>
+                      </p:childTnLst>
+                    </p:cTn>
+                  </p:par>
+                  <p:par>
+                    <p:cTn id="13" fill="hold">
+                      <p:stCondLst>
+                        <p:cond delay="indefinite"/>
+                      </p:stCondLst>
+                      <p:childTnLst>
+                        <p:par>
+                          <p:cTn id="14" fill="hold">
+                            <p:stCondLst>
+                              <p:cond delay="0"/>
+                            </p:stCondLst>
+                            <p:childTnLst>
+                              <p:par>
+                                <p:cTn id="15" presetID="10" presetClass="entr" presetSubtype="0" fill="hold" nodeType="clickEffect">
+                                  <p:stCondLst>
+                                    <p:cond delay="0"/>
+                                  </p:stCondLst>
+                                  <p:childTnLst>
+                                    <p:set>
+                                      <p:cBhvr>
+                                        <p:cTn id="16" dur="1" fill="hold">
+                                          <p:stCondLst>
+                                            <p:cond delay="0"/>
+                                          </p:stCondLst>
+                                        </p:cTn>
+                                        <p:tgtEl>
+                                          <p:spTgt spid="3">
+                                            <p:txEl>
+                                              <p:pRg st="2" end="2"/>
+                                            </p:txEl>
+                                          </p:spTgt>
+                                        </p:tgtEl>
+                                        <p:attrNameLst>
+                                          <p:attrName>style.visibility</p:attrName>
+                                        </p:attrNameLst>
+                                      </p:cBhvr>
+                                      <p:to>
+                                        <p:strVal val="visible"/>
+                                      </p:to>
+                                    </p:set>
+                                    <p:animEffect transition="in" filter="fade">
+                                      <p:cBhvr>
+                                        <p:cTn id="17" dur="500"/>
+                                        <p:tgtEl>
+                                          <p:spTgt spid="3">
+                                            <p:txEl>
+                                              <p:pRg st="2" end="2"/>
+                                            </p:txEl>
+                                          </p:spTgt>
+                                        </p:tgtEl>
+                                      </p:cBhvr>
+                                    </p:animEffect>
+                                  </p:childTnLst>
+                                </p:cTn>
+                              </p:par>
+                            </p:childTnLst>
+                          </p:cTn>
+                        </p:par>
+                      </p:childTnLst>
+                    </p:cTn>
+                  </p:par>
+                </p:childTnLst>
+              </p:cTn>
+              <p:prevCondLst>
+                <p:cond evt="onPrev" delay="0">
+                  <p:tgtEl>
+                    <p:sldTgt/>
+                  </p:tgtEl>
+                </p:cond>
+              </p:prevCondLst>
+              <p:nextCondLst>
+                <p:cond evt="onNext" delay="0">
+                  <p:tgtEl>
+                    <p:sldTgt/>
+                  </p:tgtEl>
+                </p:cond>
+              </p:nextCondLst>
+            </p:seq>
+          </p:childTnLst>
+        </p:cTn>
       </p:par>
     </p:tnLst>
   </p:timing>
@@ -12372,6 +14249,9 @@
                     <p:cTn id="3" fill="hold">
                       <p:stCondLst>
                         <p:cond delay="indefinite"/>
+                        <p:cond evt="onBegin" delay="0">
+                          <p:tn val="2"/>
+                        </p:cond>
                       </p:stCondLst>
                       <p:childTnLst>
                         <p:par>
@@ -12381,7 +14261,7 @@
                             </p:stCondLst>
                             <p:childTnLst>
                               <p:par>
-                                <p:cTn id="5" presetID="10" presetClass="entr" presetSubtype="0" fill="hold" grpId="0" nodeType="clickEffect">
+                                <p:cTn id="5" presetID="10" presetClass="entr" presetSubtype="0" fill="hold" grpId="0" nodeType="withEffect">
                                   <p:stCondLst>
                                     <p:cond delay="0"/>
                                   </p:stCondLst>
@@ -12598,30 +14478,21 @@
                             </p:childTnLst>
                           </p:cTn>
                         </p:par>
-                      </p:childTnLst>
-                    </p:cTn>
-                  </p:par>
-                  <p:par>
-                    <p:cTn id="20" fill="hold">
-                      <p:stCondLst>
-                        <p:cond delay="indefinite"/>
-                      </p:stCondLst>
-                      <p:childTnLst>
                         <p:par>
-                          <p:cTn id="21" fill="hold">
+                          <p:cTn id="20" fill="hold">
                             <p:stCondLst>
-                              <p:cond delay="0"/>
+                              <p:cond delay="500"/>
                             </p:stCondLst>
                             <p:childTnLst>
                               <p:par>
-                                <p:cTn id="22" presetID="10" presetClass="entr" presetSubtype="0" fill="hold" grpId="0" nodeType="clickEffect">
+                                <p:cTn id="21" presetID="10" presetClass="entr" presetSubtype="0" fill="hold" grpId="0" nodeType="afterEffect">
                                   <p:stCondLst>
                                     <p:cond delay="0"/>
                                   </p:stCondLst>
                                   <p:childTnLst>
                                     <p:set>
                                       <p:cBhvr>
-                                        <p:cTn id="23" dur="1" fill="hold">
+                                        <p:cTn id="22" dur="1" fill="hold">
                                           <p:stCondLst>
                                             <p:cond delay="0"/>
                                           </p:stCondLst>
@@ -12643,7 +14514,7 @@
                                     </p:set>
                                     <p:animEffect transition="in" filter="fade">
                                       <p:cBhvr>
-                                        <p:cTn id="24" dur="500"/>
+                                        <p:cTn id="23" dur="500"/>
                                         <p:tgtEl>
                                           <p:spTgt spid="3">
                                             <p:txEl>
@@ -12657,14 +14528,14 @@
                                 </p:cTn>
                               </p:par>
                               <p:par>
-                                <p:cTn id="25" presetID="10" presetClass="entr" presetSubtype="0" fill="hold" grpId="0" nodeType="withEffect">
+                                <p:cTn id="24" presetID="10" presetClass="entr" presetSubtype="0" fill="hold" grpId="0" nodeType="withEffect">
                                   <p:stCondLst>
                                     <p:cond delay="0"/>
                                   </p:stCondLst>
                                   <p:childTnLst>
                                     <p:set>
                                       <p:cBhvr>
-                                        <p:cTn id="26" dur="1" fill="hold">
+                                        <p:cTn id="25" dur="1" fill="hold">
                                           <p:stCondLst>
                                             <p:cond delay="0"/>
                                           </p:stCondLst>
@@ -12686,7 +14557,7 @@
                                     </p:set>
                                     <p:animEffect transition="in" filter="fade">
                                       <p:cBhvr>
-                                        <p:cTn id="27" dur="500"/>
+                                        <p:cTn id="26" dur="500"/>
                                         <p:tgtEl>
                                           <p:spTgt spid="3">
                                             <p:txEl>
@@ -12700,14 +14571,14 @@
                                 </p:cTn>
                               </p:par>
                               <p:par>
-                                <p:cTn id="28" presetID="10" presetClass="entr" presetSubtype="0" fill="hold" grpId="0" nodeType="withEffect">
+                                <p:cTn id="27" presetID="10" presetClass="entr" presetSubtype="0" fill="hold" grpId="0" nodeType="withEffect">
                                   <p:stCondLst>
                                     <p:cond delay="0"/>
                                   </p:stCondLst>
                                   <p:childTnLst>
                                     <p:set>
                                       <p:cBhvr>
-                                        <p:cTn id="29" dur="1" fill="hold">
+                                        <p:cTn id="28" dur="1" fill="hold">
                                           <p:stCondLst>
                                             <p:cond delay="0"/>
                                           </p:stCondLst>
@@ -12729,7 +14600,7 @@
                                     </p:set>
                                     <p:animEffect transition="in" filter="fade">
                                       <p:cBhvr>
-                                        <p:cTn id="30" dur="500"/>
+                                        <p:cTn id="29" dur="500"/>
                                         <p:tgtEl>
                                           <p:spTgt spid="3">
                                             <p:txEl>
@@ -12743,14 +14614,14 @@
                                 </p:cTn>
                               </p:par>
                               <p:par>
-                                <p:cTn id="31" presetID="10" presetClass="entr" presetSubtype="0" fill="hold" grpId="0" nodeType="withEffect">
+                                <p:cTn id="30" presetID="10" presetClass="entr" presetSubtype="0" fill="hold" grpId="0" nodeType="withEffect">
                                   <p:stCondLst>
                                     <p:cond delay="0"/>
                                   </p:stCondLst>
                                   <p:childTnLst>
                                     <p:set>
                                       <p:cBhvr>
-                                        <p:cTn id="32" dur="1" fill="hold">
+                                        <p:cTn id="31" dur="1" fill="hold">
                                           <p:stCondLst>
                                             <p:cond delay="0"/>
                                           </p:stCondLst>
@@ -12772,7 +14643,7 @@
                                     </p:set>
                                     <p:animEffect transition="in" filter="fade">
                                       <p:cBhvr>
-                                        <p:cTn id="33" dur="500"/>
+                                        <p:cTn id="32" dur="500"/>
                                         <p:tgtEl>
                                           <p:spTgt spid="3">
                                             <p:txEl>
@@ -12786,14 +14657,14 @@
                                 </p:cTn>
                               </p:par>
                               <p:par>
-                                <p:cTn id="34" presetID="10" presetClass="entr" presetSubtype="0" fill="hold" grpId="0" nodeType="withEffect">
+                                <p:cTn id="33" presetID="10" presetClass="entr" presetSubtype="0" fill="hold" grpId="0" nodeType="withEffect">
                                   <p:stCondLst>
                                     <p:cond delay="0"/>
                                   </p:stCondLst>
                                   <p:childTnLst>
                                     <p:set>
                                       <p:cBhvr>
-                                        <p:cTn id="35" dur="1" fill="hold">
+                                        <p:cTn id="34" dur="1" fill="hold">
                                           <p:stCondLst>
                                             <p:cond delay="0"/>
                                           </p:stCondLst>
@@ -12815,7 +14686,7 @@
                                     </p:set>
                                     <p:animEffect transition="in" filter="fade">
                                       <p:cBhvr>
-                                        <p:cTn id="36" dur="500"/>
+                                        <p:cTn id="35" dur="500"/>
                                         <p:tgtEl>
                                           <p:spTgt spid="3">
                                             <p:txEl>
@@ -12831,30 +14702,21 @@
                             </p:childTnLst>
                           </p:cTn>
                         </p:par>
-                      </p:childTnLst>
-                    </p:cTn>
-                  </p:par>
-                  <p:par>
-                    <p:cTn id="37" fill="hold">
-                      <p:stCondLst>
-                        <p:cond delay="indefinite"/>
-                      </p:stCondLst>
-                      <p:childTnLst>
                         <p:par>
-                          <p:cTn id="38" fill="hold">
+                          <p:cTn id="36" fill="hold">
                             <p:stCondLst>
-                              <p:cond delay="0"/>
+                              <p:cond delay="1000"/>
                             </p:stCondLst>
                             <p:childTnLst>
                               <p:par>
-                                <p:cTn id="39" presetID="10" presetClass="entr" presetSubtype="0" fill="hold" grpId="0" nodeType="clickEffect">
+                                <p:cTn id="37" presetID="10" presetClass="entr" presetSubtype="0" fill="hold" grpId="0" nodeType="afterEffect">
                                   <p:stCondLst>
                                     <p:cond delay="0"/>
                                   </p:stCondLst>
                                   <p:childTnLst>
                                     <p:set>
                                       <p:cBhvr>
-                                        <p:cTn id="40" dur="1" fill="hold">
+                                        <p:cTn id="38" dur="1" fill="hold">
                                           <p:stCondLst>
                                             <p:cond delay="0"/>
                                           </p:stCondLst>
@@ -12876,7 +14738,7 @@
                                     </p:set>
                                     <p:animEffect transition="in" filter="fade">
                                       <p:cBhvr>
-                                        <p:cTn id="41" dur="500"/>
+                                        <p:cTn id="39" dur="500"/>
                                         <p:tgtEl>
                                           <p:spTgt spid="3">
                                             <p:txEl>
@@ -12892,30 +14754,21 @@
                             </p:childTnLst>
                           </p:cTn>
                         </p:par>
-                      </p:childTnLst>
-                    </p:cTn>
-                  </p:par>
-                  <p:par>
-                    <p:cTn id="42" fill="hold">
-                      <p:stCondLst>
-                        <p:cond delay="indefinite"/>
-                      </p:stCondLst>
-                      <p:childTnLst>
                         <p:par>
-                          <p:cTn id="43" fill="hold">
+                          <p:cTn id="40" fill="hold">
                             <p:stCondLst>
-                              <p:cond delay="0"/>
+                              <p:cond delay="1500"/>
                             </p:stCondLst>
                             <p:childTnLst>
                               <p:par>
-                                <p:cTn id="44" presetID="10" presetClass="entr" presetSubtype="0" fill="hold" grpId="0" nodeType="clickEffect">
+                                <p:cTn id="41" presetID="10" presetClass="entr" presetSubtype="0" fill="hold" grpId="0" nodeType="afterEffect">
                                   <p:stCondLst>
                                     <p:cond delay="0"/>
                                   </p:stCondLst>
                                   <p:childTnLst>
                                     <p:set>
                                       <p:cBhvr>
-                                        <p:cTn id="45" dur="1" fill="hold">
+                                        <p:cTn id="42" dur="1" fill="hold">
                                           <p:stCondLst>
                                             <p:cond delay="0"/>
                                           </p:stCondLst>
@@ -12937,7 +14790,7 @@
                                     </p:set>
                                     <p:animEffect transition="in" filter="fade">
                                       <p:cBhvr>
-                                        <p:cTn id="46" dur="500"/>
+                                        <p:cTn id="43" dur="500"/>
                                         <p:tgtEl>
                                           <p:spTgt spid="3">
                                             <p:txEl>
@@ -12978,7 +14831,7 @@
       </p:par>
     </p:tnLst>
     <p:bldLst>
-      <p:bldP spid="3" grpId="0" build="p"/>
+      <p:bldP spid="3" grpId="0" uiExpand="1" build="p"/>
     </p:bldLst>
   </p:timing>
 </p:sld>
@@ -13105,6 +14958,9 @@
                     <p:cTn id="3" fill="hold">
                       <p:stCondLst>
                         <p:cond delay="indefinite"/>
+                        <p:cond evt="onBegin" delay="0">
+                          <p:tn val="2"/>
+                        </p:cond>
                       </p:stCondLst>
                       <p:childTnLst>
                         <p:par>
@@ -13114,7 +14970,7 @@
                             </p:stCondLst>
                             <p:childTnLst>
                               <p:par>
-                                <p:cTn id="5" presetID="10" presetClass="entr" presetSubtype="0" fill="hold" grpId="0" nodeType="clickEffect">
+                                <p:cTn id="5" presetID="10" presetClass="entr" presetSubtype="0" fill="hold" grpId="0" nodeType="withEffect">
                                   <p:stCondLst>
                                     <p:cond delay="0"/>
                                   </p:stCondLst>
@@ -13159,30 +15015,21 @@
                             </p:childTnLst>
                           </p:cTn>
                         </p:par>
-                      </p:childTnLst>
-                    </p:cTn>
-                  </p:par>
-                  <p:par>
-                    <p:cTn id="8" fill="hold">
-                      <p:stCondLst>
-                        <p:cond delay="indefinite"/>
-                      </p:stCondLst>
-                      <p:childTnLst>
                         <p:par>
-                          <p:cTn id="9" fill="hold">
+                          <p:cTn id="8" fill="hold">
                             <p:stCondLst>
-                              <p:cond delay="0"/>
+                              <p:cond delay="500"/>
                             </p:stCondLst>
                             <p:childTnLst>
                               <p:par>
-                                <p:cTn id="10" presetID="10" presetClass="entr" presetSubtype="0" fill="hold" grpId="0" nodeType="clickEffect">
+                                <p:cTn id="9" presetID="10" presetClass="entr" presetSubtype="0" fill="hold" grpId="0" nodeType="afterEffect">
                                   <p:stCondLst>
                                     <p:cond delay="0"/>
                                   </p:stCondLst>
                                   <p:childTnLst>
                                     <p:set>
                                       <p:cBhvr>
-                                        <p:cTn id="11" dur="1" fill="hold">
+                                        <p:cTn id="10" dur="1" fill="hold">
                                           <p:stCondLst>
                                             <p:cond delay="0"/>
                                           </p:stCondLst>
@@ -13204,7 +15051,7 @@
                                     </p:set>
                                     <p:animEffect transition="in" filter="fade">
                                       <p:cBhvr>
-                                        <p:cTn id="12" dur="500"/>
+                                        <p:cTn id="11" dur="500"/>
                                         <p:tgtEl>
                                           <p:spTgt spid="3">
                                             <p:txEl>
@@ -13674,8 +15521,8 @@
           </a:p>
         </p:txBody>
       </p:sp>
-      <mc:AlternateContent xmlns:mc="http://schemas.openxmlformats.org/markup-compatibility/2006">
-        <mc:Choice xmlns:a14="http://schemas.microsoft.com/office/drawing/2010/main" Requires="a14">
+      <mc:AlternateContent xmlns:mc="http://schemas.openxmlformats.org/markup-compatibility/2006" xmlns:a14="http://schemas.microsoft.com/office/drawing/2010/main">
+        <mc:Choice Requires="a14">
           <p:sp>
             <p:nvSpPr>
               <p:cNvPr id="6" name="ZoneTexte 5"/>
@@ -13761,7 +15608,7 @@
                     <m:d>
                       <m:dPr>
                         <m:ctrlPr>
-                          <a:rPr lang="fr-FR" sz="2800" b="0" i="0" smtClean="0">
+                          <a:rPr lang="fr-FR" sz="2800" b="0" i="1" smtClean="0">
                             <a:latin typeface="Cambria Math"/>
                           </a:rPr>
                         </m:ctrlPr>
@@ -13805,7 +15652,7 @@
             </p:txBody>
           </p:sp>
         </mc:Choice>
-        <mc:Fallback>
+        <mc:Fallback xmlns="">
           <p:sp>
             <p:nvSpPr>
               <p:cNvPr id="6" name="ZoneTexte 5"/>
@@ -14000,7 +15847,7 @@
             </p:nvSpPr>
             <p:spPr>
               <a:xfrm>
-                <a:off x="1597853" y="6163964"/>
+                <a:off x="1593835" y="6101203"/>
                 <a:ext cx="5948295" cy="581891"/>
               </a:xfrm>
               <a:prstGeom prst="rect">
@@ -14104,7 +15951,7 @@
             </p:nvSpPr>
             <p:spPr>
               <a:xfrm>
-                <a:off x="1597853" y="6163964"/>
+                <a:off x="1593835" y="6101203"/>
                 <a:ext cx="5948295" cy="581891"/>
               </a:xfrm>
               <a:prstGeom prst="rect">
@@ -14113,7 +15960,7 @@
               <a:blipFill rotWithShape="1">
                 <a:blip r:embed="rId3"/>
                 <a:stretch>
-                  <a:fillRect l="-2049" t="-1042" b="-27083"/>
+                  <a:fillRect l="-2049" t="-1053" b="-28421"/>
                 </a:stretch>
               </a:blipFill>
             </p:spPr>
@@ -14205,33 +16052,15 @@
                                   </p:childTnLst>
                                 </p:cTn>
                               </p:par>
-                            </p:childTnLst>
-                          </p:cTn>
-                        </p:par>
-                      </p:childTnLst>
-                    </p:cTn>
-                  </p:par>
-                  <p:par>
-                    <p:cTn id="8" fill="hold">
-                      <p:stCondLst>
-                        <p:cond delay="indefinite"/>
-                      </p:stCondLst>
-                      <p:childTnLst>
-                        <p:par>
-                          <p:cTn id="9" fill="hold">
-                            <p:stCondLst>
-                              <p:cond delay="0"/>
-                            </p:stCondLst>
-                            <p:childTnLst>
                               <p:par>
-                                <p:cTn id="10" presetID="10" presetClass="entr" presetSubtype="0" fill="hold" grpId="0" nodeType="clickEffect">
+                                <p:cTn id="8" presetID="10" presetClass="entr" presetSubtype="0" fill="hold" grpId="0" nodeType="withEffect">
                                   <p:stCondLst>
                                     <p:cond delay="0"/>
                                   </p:stCondLst>
                                   <p:childTnLst>
                                     <p:set>
                                       <p:cBhvr>
-                                        <p:cTn id="11" dur="1" fill="hold">
+                                        <p:cTn id="9" dur="1" fill="hold">
                                           <p:stCondLst>
                                             <p:cond delay="0"/>
                                           </p:stCondLst>
@@ -14253,11 +16082,219 @@
                                     </p:set>
                                     <p:animEffect transition="in" filter="fade">
                                       <p:cBhvr>
-                                        <p:cTn id="12" dur="500"/>
+                                        <p:cTn id="10" dur="500"/>
                                         <p:tgtEl>
                                           <p:spTgt spid="3">
                                             <p:txEl>
                                               <p:pRg st="1" end="1"/>
+                                            </p:txEl>
+                                          </p:spTgt>
+                                        </p:tgtEl>
+                                      </p:cBhvr>
+                                    </p:animEffect>
+                                  </p:childTnLst>
+                                </p:cTn>
+                              </p:par>
+                            </p:childTnLst>
+                          </p:cTn>
+                        </p:par>
+                        <p:par>
+                          <p:cTn id="11" fill="hold">
+                            <p:stCondLst>
+                              <p:cond delay="500"/>
+                            </p:stCondLst>
+                            <p:childTnLst>
+                              <p:par>
+                                <p:cTn id="12" presetID="10" presetClass="entr" presetSubtype="0" fill="hold" grpId="0" nodeType="afterEffect">
+                                  <p:stCondLst>
+                                    <p:cond delay="0"/>
+                                  </p:stCondLst>
+                                  <p:childTnLst>
+                                    <p:set>
+                                      <p:cBhvr>
+                                        <p:cTn id="13" dur="1" fill="hold">
+                                          <p:stCondLst>
+                                            <p:cond delay="0"/>
+                                          </p:stCondLst>
+                                        </p:cTn>
+                                        <p:tgtEl>
+                                          <p:spTgt spid="3">
+                                            <p:txEl>
+                                              <p:pRg st="2" end="2"/>
+                                            </p:txEl>
+                                          </p:spTgt>
+                                        </p:tgtEl>
+                                        <p:attrNameLst>
+                                          <p:attrName>style.visibility</p:attrName>
+                                        </p:attrNameLst>
+                                      </p:cBhvr>
+                                      <p:to>
+                                        <p:strVal val="visible"/>
+                                      </p:to>
+                                    </p:set>
+                                    <p:animEffect transition="in" filter="fade">
+                                      <p:cBhvr>
+                                        <p:cTn id="14" dur="500"/>
+                                        <p:tgtEl>
+                                          <p:spTgt spid="3">
+                                            <p:txEl>
+                                              <p:pRg st="2" end="2"/>
+                                            </p:txEl>
+                                          </p:spTgt>
+                                        </p:tgtEl>
+                                      </p:cBhvr>
+                                    </p:animEffect>
+                                  </p:childTnLst>
+                                </p:cTn>
+                              </p:par>
+                            </p:childTnLst>
+                          </p:cTn>
+                        </p:par>
+                        <p:par>
+                          <p:cTn id="15" fill="hold">
+                            <p:stCondLst>
+                              <p:cond delay="1000"/>
+                            </p:stCondLst>
+                            <p:childTnLst>
+                              <p:par>
+                                <p:cTn id="16" presetID="10" presetClass="entr" presetSubtype="0" fill="hold" grpId="0" nodeType="afterEffect">
+                                  <p:stCondLst>
+                                    <p:cond delay="0"/>
+                                  </p:stCondLst>
+                                  <p:childTnLst>
+                                    <p:set>
+                                      <p:cBhvr>
+                                        <p:cTn id="17" dur="1" fill="hold">
+                                          <p:stCondLst>
+                                            <p:cond delay="0"/>
+                                          </p:stCondLst>
+                                        </p:cTn>
+                                        <p:tgtEl>
+                                          <p:spTgt spid="3">
+                                            <p:txEl>
+                                              <p:pRg st="3" end="3"/>
+                                            </p:txEl>
+                                          </p:spTgt>
+                                        </p:tgtEl>
+                                        <p:attrNameLst>
+                                          <p:attrName>style.visibility</p:attrName>
+                                        </p:attrNameLst>
+                                      </p:cBhvr>
+                                      <p:to>
+                                        <p:strVal val="visible"/>
+                                      </p:to>
+                                    </p:set>
+                                    <p:animEffect transition="in" filter="fade">
+                                      <p:cBhvr>
+                                        <p:cTn id="18" dur="500"/>
+                                        <p:tgtEl>
+                                          <p:spTgt spid="3">
+                                            <p:txEl>
+                                              <p:pRg st="3" end="3"/>
+                                            </p:txEl>
+                                          </p:spTgt>
+                                        </p:tgtEl>
+                                      </p:cBhvr>
+                                    </p:animEffect>
+                                  </p:childTnLst>
+                                </p:cTn>
+                              </p:par>
+                            </p:childTnLst>
+                          </p:cTn>
+                        </p:par>
+                        <p:par>
+                          <p:cTn id="19" fill="hold">
+                            <p:stCondLst>
+                              <p:cond delay="1500"/>
+                            </p:stCondLst>
+                            <p:childTnLst>
+                              <p:par>
+                                <p:cTn id="20" presetID="10" presetClass="entr" presetSubtype="0" fill="hold" grpId="0" nodeType="afterEffect">
+                                  <p:stCondLst>
+                                    <p:cond delay="0"/>
+                                  </p:stCondLst>
+                                  <p:childTnLst>
+                                    <p:set>
+                                      <p:cBhvr>
+                                        <p:cTn id="21" dur="1" fill="hold">
+                                          <p:stCondLst>
+                                            <p:cond delay="0"/>
+                                          </p:stCondLst>
+                                        </p:cTn>
+                                        <p:tgtEl>
+                                          <p:spTgt spid="3">
+                                            <p:txEl>
+                                              <p:pRg st="4" end="4"/>
+                                            </p:txEl>
+                                          </p:spTgt>
+                                        </p:tgtEl>
+                                        <p:attrNameLst>
+                                          <p:attrName>style.visibility</p:attrName>
+                                        </p:attrNameLst>
+                                      </p:cBhvr>
+                                      <p:to>
+                                        <p:strVal val="visible"/>
+                                      </p:to>
+                                    </p:set>
+                                    <p:animEffect transition="in" filter="fade">
+                                      <p:cBhvr>
+                                        <p:cTn id="22" dur="500"/>
+                                        <p:tgtEl>
+                                          <p:spTgt spid="3">
+                                            <p:txEl>
+                                              <p:pRg st="4" end="4"/>
+                                            </p:txEl>
+                                          </p:spTgt>
+                                        </p:tgtEl>
+                                      </p:cBhvr>
+                                    </p:animEffect>
+                                  </p:childTnLst>
+                                </p:cTn>
+                              </p:par>
+                            </p:childTnLst>
+                          </p:cTn>
+                        </p:par>
+                        <p:par>
+                          <p:cTn id="23" fill="hold">
+                            <p:stCondLst>
+                              <p:cond delay="2000"/>
+                            </p:stCondLst>
+                            <p:childTnLst>
+                              <p:par>
+                                <p:cTn id="24" presetID="10" presetClass="entr" presetSubtype="0" fill="hold" grpId="0" nodeType="afterEffect">
+                                  <p:stCondLst>
+                                    <p:cond delay="0"/>
+                                  </p:stCondLst>
+                                  <p:childTnLst>
+                                    <p:set>
+                                      <p:cBhvr>
+                                        <p:cTn id="25" dur="1" fill="hold">
+                                          <p:stCondLst>
+                                            <p:cond delay="0"/>
+                                          </p:stCondLst>
+                                        </p:cTn>
+                                        <p:tgtEl>
+                                          <p:spTgt spid="3">
+                                            <p:txEl>
+                                              <p:pRg st="5" end="5"/>
+                                            </p:txEl>
+                                          </p:spTgt>
+                                        </p:tgtEl>
+                                        <p:attrNameLst>
+                                          <p:attrName>style.visibility</p:attrName>
+                                        </p:attrNameLst>
+                                      </p:cBhvr>
+                                      <p:to>
+                                        <p:strVal val="visible"/>
+                                      </p:to>
+                                    </p:set>
+                                    <p:animEffect transition="in" filter="fade">
+                                      <p:cBhvr>
+                                        <p:cTn id="26" dur="500"/>
+                                        <p:tgtEl>
+                                          <p:spTgt spid="3">
+                                            <p:txEl>
+                                              <p:pRg st="5" end="5"/>
                                             </p:txEl>
                                           </p:spTgt>
                                         </p:tgtEl>
@@ -14273,36 +16310,32 @@
                     </p:cTn>
                   </p:par>
                   <p:par>
-                    <p:cTn id="13" fill="hold">
+                    <p:cTn id="27" fill="hold">
                       <p:stCondLst>
                         <p:cond delay="indefinite"/>
                       </p:stCondLst>
                       <p:childTnLst>
                         <p:par>
-                          <p:cTn id="14" fill="hold">
+                          <p:cTn id="28" fill="hold">
                             <p:stCondLst>
                               <p:cond delay="0"/>
                             </p:stCondLst>
                             <p:childTnLst>
                               <p:par>
-                                <p:cTn id="15" presetID="10" presetClass="entr" presetSubtype="0" fill="hold" grpId="0" nodeType="clickEffect">
+                                <p:cTn id="29" presetID="10" presetClass="entr" presetSubtype="0" fill="hold" grpId="0" nodeType="clickEffect">
                                   <p:stCondLst>
                                     <p:cond delay="0"/>
                                   </p:stCondLst>
                                   <p:childTnLst>
                                     <p:set>
                                       <p:cBhvr>
-                                        <p:cTn id="16" dur="1" fill="hold">
+                                        <p:cTn id="30" dur="1" fill="hold">
                                           <p:stCondLst>
                                             <p:cond delay="0"/>
                                           </p:stCondLst>
                                         </p:cTn>
                                         <p:tgtEl>
-                                          <p:spTgt spid="3">
-                                            <p:txEl>
-                                              <p:pRg st="2" end="2"/>
-                                            </p:txEl>
-                                          </p:spTgt>
+                                          <p:spTgt spid="7"/>
                                         </p:tgtEl>
                                         <p:attrNameLst>
                                           <p:attrName>style.visibility</p:attrName>
@@ -14314,13 +16347,44 @@
                                     </p:set>
                                     <p:animEffect transition="in" filter="fade">
                                       <p:cBhvr>
-                                        <p:cTn id="17" dur="500"/>
-                                        <p:tgtEl>
-                                          <p:spTgt spid="3">
-                                            <p:txEl>
-                                              <p:pRg st="2" end="2"/>
-                                            </p:txEl>
-                                          </p:spTgt>
+                                        <p:cTn id="31" dur="500"/>
+                                        <p:tgtEl>
+                                          <p:spTgt spid="7"/>
+                                        </p:tgtEl>
+                                      </p:cBhvr>
+                                    </p:animEffect>
+                                  </p:childTnLst>
+                                </p:cTn>
+                              </p:par>
+                              <p:par>
+                                <p:cTn id="32" presetID="10" presetClass="entr" presetSubtype="0" fill="hold" grpId="0" nodeType="withEffect">
+                                  <p:stCondLst>
+                                    <p:cond delay="0"/>
+                                  </p:stCondLst>
+                                  <p:childTnLst>
+                                    <p:set>
+                                      <p:cBhvr>
+                                        <p:cTn id="33" dur="1" fill="hold">
+                                          <p:stCondLst>
+                                            <p:cond delay="0"/>
+                                          </p:stCondLst>
+                                        </p:cTn>
+                                        <p:tgtEl>
+                                          <p:spTgt spid="9"/>
+                                        </p:tgtEl>
+                                        <p:attrNameLst>
+                                          <p:attrName>style.visibility</p:attrName>
+                                        </p:attrNameLst>
+                                      </p:cBhvr>
+                                      <p:to>
+                                        <p:strVal val="visible"/>
+                                      </p:to>
+                                    </p:set>
+                                    <p:animEffect transition="in" filter="fade">
+                                      <p:cBhvr>
+                                        <p:cTn id="34" dur="500"/>
+                                        <p:tgtEl>
+                                          <p:spTgt spid="9"/>
                                         </p:tgtEl>
                                       </p:cBhvr>
                                     </p:animEffect>
@@ -14334,36 +16398,32 @@
                     </p:cTn>
                   </p:par>
                   <p:par>
-                    <p:cTn id="18" fill="hold">
+                    <p:cTn id="35" fill="hold">
                       <p:stCondLst>
                         <p:cond delay="indefinite"/>
                       </p:stCondLst>
                       <p:childTnLst>
                         <p:par>
-                          <p:cTn id="19" fill="hold">
+                          <p:cTn id="36" fill="hold">
                             <p:stCondLst>
                               <p:cond delay="0"/>
                             </p:stCondLst>
                             <p:childTnLst>
                               <p:par>
-                                <p:cTn id="20" presetID="10" presetClass="entr" presetSubtype="0" fill="hold" grpId="0" nodeType="clickEffect">
+                                <p:cTn id="37" presetID="10" presetClass="entr" presetSubtype="0" fill="hold" grpId="0" nodeType="clickEffect">
                                   <p:stCondLst>
                                     <p:cond delay="0"/>
                                   </p:stCondLst>
                                   <p:childTnLst>
                                     <p:set>
                                       <p:cBhvr>
-                                        <p:cTn id="21" dur="1" fill="hold">
+                                        <p:cTn id="38" dur="1" fill="hold">
                                           <p:stCondLst>
                                             <p:cond delay="0"/>
                                           </p:stCondLst>
                                         </p:cTn>
                                         <p:tgtEl>
-                                          <p:spTgt spid="3">
-                                            <p:txEl>
-                                              <p:pRg st="3" end="3"/>
-                                            </p:txEl>
-                                          </p:spTgt>
+                                          <p:spTgt spid="5"/>
                                         </p:tgtEl>
                                         <p:attrNameLst>
                                           <p:attrName>style.visibility</p:attrName>
@@ -14375,13 +16435,9 @@
                                     </p:set>
                                     <p:animEffect transition="in" filter="fade">
                                       <p:cBhvr>
-                                        <p:cTn id="22" dur="500"/>
-                                        <p:tgtEl>
-                                          <p:spTgt spid="3">
-                                            <p:txEl>
-                                              <p:pRg st="3" end="3"/>
-                                            </p:txEl>
-                                          </p:spTgt>
+                                        <p:cTn id="39" dur="500"/>
+                                        <p:tgtEl>
+                                          <p:spTgt spid="5"/>
                                         </p:tgtEl>
                                       </p:cBhvr>
                                     </p:animEffect>
@@ -14395,36 +16451,32 @@
                     </p:cTn>
                   </p:par>
                   <p:par>
-                    <p:cTn id="23" fill="hold">
+                    <p:cTn id="40" fill="hold">
                       <p:stCondLst>
                         <p:cond delay="indefinite"/>
                       </p:stCondLst>
                       <p:childTnLst>
                         <p:par>
-                          <p:cTn id="24" fill="hold">
+                          <p:cTn id="41" fill="hold">
                             <p:stCondLst>
                               <p:cond delay="0"/>
                             </p:stCondLst>
                             <p:childTnLst>
                               <p:par>
-                                <p:cTn id="25" presetID="10" presetClass="entr" presetSubtype="0" fill="hold" grpId="0" nodeType="clickEffect">
+                                <p:cTn id="42" presetID="10" presetClass="entr" presetSubtype="0" fill="hold" grpId="0" nodeType="clickEffect">
                                   <p:stCondLst>
                                     <p:cond delay="0"/>
                                   </p:stCondLst>
                                   <p:childTnLst>
                                     <p:set>
                                       <p:cBhvr>
-                                        <p:cTn id="26" dur="1" fill="hold">
+                                        <p:cTn id="43" dur="1" fill="hold">
                                           <p:stCondLst>
                                             <p:cond delay="0"/>
                                           </p:stCondLst>
                                         </p:cTn>
                                         <p:tgtEl>
-                                          <p:spTgt spid="3">
-                                            <p:txEl>
-                                              <p:pRg st="4" end="4"/>
-                                            </p:txEl>
-                                          </p:spTgt>
+                                          <p:spTgt spid="8"/>
                                         </p:tgtEl>
                                         <p:attrNameLst>
                                           <p:attrName>style.visibility</p:attrName>
@@ -14436,13 +16488,44 @@
                                     </p:set>
                                     <p:animEffect transition="in" filter="fade">
                                       <p:cBhvr>
-                                        <p:cTn id="27" dur="500"/>
-                                        <p:tgtEl>
-                                          <p:spTgt spid="3">
-                                            <p:txEl>
-                                              <p:pRg st="4" end="4"/>
-                                            </p:txEl>
-                                          </p:spTgt>
+                                        <p:cTn id="44" dur="500"/>
+                                        <p:tgtEl>
+                                          <p:spTgt spid="8"/>
+                                        </p:tgtEl>
+                                      </p:cBhvr>
+                                    </p:animEffect>
+                                  </p:childTnLst>
+                                </p:cTn>
+                              </p:par>
+                              <p:par>
+                                <p:cTn id="45" presetID="10" presetClass="entr" presetSubtype="0" fill="hold" grpId="0" nodeType="withEffect">
+                                  <p:stCondLst>
+                                    <p:cond delay="0"/>
+                                  </p:stCondLst>
+                                  <p:childTnLst>
+                                    <p:set>
+                                      <p:cBhvr>
+                                        <p:cTn id="46" dur="1" fill="hold">
+                                          <p:stCondLst>
+                                            <p:cond delay="0"/>
+                                          </p:stCondLst>
+                                        </p:cTn>
+                                        <p:tgtEl>
+                                          <p:spTgt spid="10"/>
+                                        </p:tgtEl>
+                                        <p:attrNameLst>
+                                          <p:attrName>style.visibility</p:attrName>
+                                        </p:attrNameLst>
+                                      </p:cBhvr>
+                                      <p:to>
+                                        <p:strVal val="visible"/>
+                                      </p:to>
+                                    </p:set>
+                                    <p:animEffect transition="in" filter="fade">
+                                      <p:cBhvr>
+                                        <p:cTn id="47" dur="500"/>
+                                        <p:tgtEl>
+                                          <p:spTgt spid="10"/>
                                         </p:tgtEl>
                                       </p:cBhvr>
                                     </p:animEffect>
@@ -14456,36 +16539,32 @@
                     </p:cTn>
                   </p:par>
                   <p:par>
-                    <p:cTn id="28" fill="hold">
+                    <p:cTn id="48" fill="hold">
                       <p:stCondLst>
                         <p:cond delay="indefinite"/>
                       </p:stCondLst>
                       <p:childTnLst>
                         <p:par>
-                          <p:cTn id="29" fill="hold">
+                          <p:cTn id="49" fill="hold">
                             <p:stCondLst>
                               <p:cond delay="0"/>
                             </p:stCondLst>
                             <p:childTnLst>
                               <p:par>
-                                <p:cTn id="30" presetID="10" presetClass="entr" presetSubtype="0" fill="hold" grpId="0" nodeType="clickEffect">
+                                <p:cTn id="50" presetID="10" presetClass="entr" presetSubtype="0" fill="hold" grpId="0" nodeType="clickEffect">
                                   <p:stCondLst>
                                     <p:cond delay="0"/>
                                   </p:stCondLst>
                                   <p:childTnLst>
                                     <p:set>
                                       <p:cBhvr>
-                                        <p:cTn id="31" dur="1" fill="hold">
+                                        <p:cTn id="51" dur="1" fill="hold">
                                           <p:stCondLst>
                                             <p:cond delay="0"/>
                                           </p:stCondLst>
                                         </p:cTn>
                                         <p:tgtEl>
-                                          <p:spTgt spid="3">
-                                            <p:txEl>
-                                              <p:pRg st="5" end="5"/>
-                                            </p:txEl>
-                                          </p:spTgt>
+                                          <p:spTgt spid="11"/>
                                         </p:tgtEl>
                                         <p:attrNameLst>
                                           <p:attrName>style.visibility</p:attrName>
@@ -14497,13 +16576,9 @@
                                     </p:set>
                                     <p:animEffect transition="in" filter="fade">
                                       <p:cBhvr>
-                                        <p:cTn id="32" dur="500"/>
-                                        <p:tgtEl>
-                                          <p:spTgt spid="3">
-                                            <p:txEl>
-                                              <p:pRg st="5" end="5"/>
-                                            </p:txEl>
-                                          </p:spTgt>
+                                        <p:cTn id="52" dur="500"/>
+                                        <p:tgtEl>
+                                          <p:spTgt spid="11"/>
                                         </p:tgtEl>
                                       </p:cBhvr>
                                     </p:animEffect>
@@ -14517,120 +16592,76 @@
                     </p:cTn>
                   </p:par>
                   <p:par>
-                    <p:cTn id="33" fill="hold">
+                    <p:cTn id="53" fill="hold">
                       <p:stCondLst>
                         <p:cond delay="indefinite"/>
                       </p:stCondLst>
                       <p:childTnLst>
                         <p:par>
-                          <p:cTn id="34" fill="hold">
+                          <p:cTn id="54" fill="hold">
                             <p:stCondLst>
                               <p:cond delay="0"/>
                             </p:stCondLst>
                             <p:childTnLst>
                               <p:par>
-                                <p:cTn id="35" presetID="10" presetClass="entr" presetSubtype="0" fill="hold" grpId="0" nodeType="clickEffect">
+                                <p:cTn id="55" presetID="10" presetClass="exit" presetSubtype="0" fill="hold" grpId="1" nodeType="clickEffect">
                                   <p:stCondLst>
                                     <p:cond delay="0"/>
                                   </p:stCondLst>
                                   <p:childTnLst>
-                                    <p:set>
-                                      <p:cBhvr>
-                                        <p:cTn id="36" dur="1" fill="hold">
+                                    <p:animEffect transition="out" filter="fade">
+                                      <p:cBhvr>
+                                        <p:cTn id="56" dur="500"/>
+                                        <p:tgtEl>
+                                          <p:spTgt spid="11"/>
+                                        </p:tgtEl>
+                                      </p:cBhvr>
+                                    </p:animEffect>
+                                    <p:set>
+                                      <p:cBhvr>
+                                        <p:cTn id="57" dur="1" fill="hold">
                                           <p:stCondLst>
-                                            <p:cond delay="0"/>
+                                            <p:cond delay="499"/>
                                           </p:stCondLst>
                                         </p:cTn>
                                         <p:tgtEl>
-                                          <p:spTgt spid="7"/>
+                                          <p:spTgt spid="11"/>
                                         </p:tgtEl>
                                         <p:attrNameLst>
                                           <p:attrName>style.visibility</p:attrName>
                                         </p:attrNameLst>
                                       </p:cBhvr>
                                       <p:to>
-                                        <p:strVal val="visible"/>
-                                      </p:to>
-                                    </p:set>
-                                    <p:animEffect transition="in" filter="fade">
-                                      <p:cBhvr>
-                                        <p:cTn id="37" dur="500"/>
-                                        <p:tgtEl>
-                                          <p:spTgt spid="7"/>
-                                        </p:tgtEl>
-                                      </p:cBhvr>
-                                    </p:animEffect>
-                                  </p:childTnLst>
-                                </p:cTn>
-                              </p:par>
-                              <p:par>
-                                <p:cTn id="38" presetID="10" presetClass="entr" presetSubtype="0" fill="hold" grpId="0" nodeType="withEffect">
-                                  <p:stCondLst>
-                                    <p:cond delay="0"/>
-                                  </p:stCondLst>
-                                  <p:childTnLst>
-                                    <p:set>
-                                      <p:cBhvr>
-                                        <p:cTn id="39" dur="1" fill="hold">
-                                          <p:stCondLst>
-                                            <p:cond delay="0"/>
-                                          </p:stCondLst>
-                                        </p:cTn>
-                                        <p:tgtEl>
-                                          <p:spTgt spid="9"/>
-                                        </p:tgtEl>
-                                        <p:attrNameLst>
-                                          <p:attrName>style.visibility</p:attrName>
-                                        </p:attrNameLst>
-                                      </p:cBhvr>
-                                      <p:to>
-                                        <p:strVal val="visible"/>
-                                      </p:to>
-                                    </p:set>
-                                    <p:animEffect transition="in" filter="fade">
-                                      <p:cBhvr>
-                                        <p:cTn id="40" dur="500"/>
-                                        <p:tgtEl>
-                                          <p:spTgt spid="9"/>
-                                        </p:tgtEl>
-                                      </p:cBhvr>
-                                    </p:animEffect>
+                                        <p:strVal val="hidden"/>
+                                      </p:to>
+                                    </p:set>
                                   </p:childTnLst>
                                 </p:cTn>
                               </p:par>
                             </p:childTnLst>
                           </p:cTn>
                         </p:par>
-                      </p:childTnLst>
-                    </p:cTn>
-                  </p:par>
-                  <p:par>
-                    <p:cTn id="41" fill="hold">
-                      <p:stCondLst>
-                        <p:cond delay="indefinite"/>
-                      </p:stCondLst>
-                      <p:childTnLst>
                         <p:par>
-                          <p:cTn id="42" fill="hold">
+                          <p:cTn id="58" fill="hold">
                             <p:stCondLst>
-                              <p:cond delay="0"/>
+                              <p:cond delay="500"/>
                             </p:stCondLst>
                             <p:childTnLst>
                               <p:par>
-                                <p:cTn id="43" presetID="10" presetClass="entr" presetSubtype="0" fill="hold" grpId="0" nodeType="clickEffect">
+                                <p:cTn id="59" presetID="10" presetClass="entr" presetSubtype="0" fill="hold" grpId="0" nodeType="afterEffect">
                                   <p:stCondLst>
                                     <p:cond delay="0"/>
                                   </p:stCondLst>
                                   <p:childTnLst>
                                     <p:set>
                                       <p:cBhvr>
-                                        <p:cTn id="44" dur="1" fill="hold">
+                                        <p:cTn id="60" dur="1" fill="hold">
                                           <p:stCondLst>
                                             <p:cond delay="0"/>
                                           </p:stCondLst>
                                         </p:cTn>
                                         <p:tgtEl>
-                                          <p:spTgt spid="5"/>
+                                          <p:spTgt spid="6"/>
                                         </p:tgtEl>
                                         <p:attrNameLst>
                                           <p:attrName>style.visibility</p:attrName>
@@ -14642,113 +16673,7 @@
                                     </p:set>
                                     <p:animEffect transition="in" filter="fade">
                                       <p:cBhvr>
-                                        <p:cTn id="45" dur="500"/>
-                                        <p:tgtEl>
-                                          <p:spTgt spid="5"/>
-                                        </p:tgtEl>
-                                      </p:cBhvr>
-                                    </p:animEffect>
-                                  </p:childTnLst>
-                                </p:cTn>
-                              </p:par>
-                            </p:childTnLst>
-                          </p:cTn>
-                        </p:par>
-                      </p:childTnLst>
-                    </p:cTn>
-                  </p:par>
-                  <p:par>
-                    <p:cTn id="46" fill="hold">
-                      <p:stCondLst>
-                        <p:cond delay="indefinite"/>
-                      </p:stCondLst>
-                      <p:childTnLst>
-                        <p:par>
-                          <p:cTn id="47" fill="hold">
-                            <p:stCondLst>
-                              <p:cond delay="0"/>
-                            </p:stCondLst>
-                            <p:childTnLst>
-                              <p:par>
-                                <p:cTn id="48" presetID="10" presetClass="entr" presetSubtype="0" fill="hold" grpId="0" nodeType="clickEffect">
-                                  <p:stCondLst>
-                                    <p:cond delay="0"/>
-                                  </p:stCondLst>
-                                  <p:childTnLst>
-                                    <p:set>
-                                      <p:cBhvr>
-                                        <p:cTn id="49" dur="1" fill="hold">
-                                          <p:stCondLst>
-                                            <p:cond delay="0"/>
-                                          </p:stCondLst>
-                                        </p:cTn>
-                                        <p:tgtEl>
-                                          <p:spTgt spid="11"/>
-                                        </p:tgtEl>
-                                        <p:attrNameLst>
-                                          <p:attrName>style.visibility</p:attrName>
-                                        </p:attrNameLst>
-                                      </p:cBhvr>
-                                      <p:to>
-                                        <p:strVal val="visible"/>
-                                      </p:to>
-                                    </p:set>
-                                    <p:animEffect transition="in" filter="fade">
-                                      <p:cBhvr>
-                                        <p:cTn id="50" dur="500"/>
-                                        <p:tgtEl>
-                                          <p:spTgt spid="11"/>
-                                        </p:tgtEl>
-                                      </p:cBhvr>
-                                    </p:animEffect>
-                                  </p:childTnLst>
-                                </p:cTn>
-                              </p:par>
-                            </p:childTnLst>
-                          </p:cTn>
-                        </p:par>
-                      </p:childTnLst>
-                    </p:cTn>
-                  </p:par>
-                  <p:par>
-                    <p:cTn id="51" fill="hold">
-                      <p:stCondLst>
-                        <p:cond delay="indefinite"/>
-                      </p:stCondLst>
-                      <p:childTnLst>
-                        <p:par>
-                          <p:cTn id="52" fill="hold">
-                            <p:stCondLst>
-                              <p:cond delay="0"/>
-                            </p:stCondLst>
-                            <p:childTnLst>
-                              <p:par>
-                                <p:cTn id="53" presetID="10" presetClass="entr" presetSubtype="0" fill="hold" grpId="0" nodeType="clickEffect">
-                                  <p:stCondLst>
-                                    <p:cond delay="0"/>
-                                  </p:stCondLst>
-                                  <p:childTnLst>
-                                    <p:set>
-                                      <p:cBhvr>
-                                        <p:cTn id="54" dur="1" fill="hold">
-                                          <p:stCondLst>
-                                            <p:cond delay="0"/>
-                                          </p:stCondLst>
-                                        </p:cTn>
-                                        <p:tgtEl>
-                                          <p:spTgt spid="6"/>
-                                        </p:tgtEl>
-                                        <p:attrNameLst>
-                                          <p:attrName>style.visibility</p:attrName>
-                                        </p:attrNameLst>
-                                      </p:cBhvr>
-                                      <p:to>
-                                        <p:strVal val="visible"/>
-                                      </p:to>
-                                    </p:set>
-                                    <p:animEffect transition="in" filter="fade">
-                                      <p:cBhvr>
-                                        <p:cTn id="55" dur="500"/>
+                                        <p:cTn id="61" dur="500"/>
                                         <p:tgtEl>
                                           <p:spTgt spid="6"/>
                                         </p:tgtEl>
@@ -14785,12 +16710,15 @@
       </p:par>
     </p:tnLst>
     <p:bldLst>
-      <p:bldP spid="3" grpId="0" build="p"/>
+      <p:bldP spid="3" grpId="0" uiExpand="1" build="p"/>
       <p:bldP spid="5" grpId="0"/>
       <p:bldP spid="6" grpId="0"/>
       <p:bldP spid="7" grpId="0" animBg="1"/>
+      <p:bldP spid="8" grpId="0" animBg="1"/>
       <p:bldP spid="9" grpId="0"/>
+      <p:bldP spid="10" grpId="0"/>
       <p:bldP spid="11" grpId="0"/>
+      <p:bldP spid="11" grpId="1"/>
     </p:bldLst>
   </p:timing>
 </p:sld>
@@ -17290,9 +19218,210 @@
   <p:timing>
     <p:tnLst>
       <p:par>
-        <p:cTn id="1" dur="indefinite" restart="never" nodeType="tmRoot"/>
+        <p:cTn id="1" dur="indefinite" restart="never" nodeType="tmRoot">
+          <p:childTnLst>
+            <p:seq concurrent="1" nextAc="seek">
+              <p:cTn id="2" dur="indefinite" nodeType="mainSeq">
+                <p:childTnLst>
+                  <p:par>
+                    <p:cTn id="3" fill="hold">
+                      <p:stCondLst>
+                        <p:cond delay="indefinite"/>
+                      </p:stCondLst>
+                      <p:childTnLst>
+                        <p:par>
+                          <p:cTn id="4" fill="hold">
+                            <p:stCondLst>
+                              <p:cond delay="0"/>
+                            </p:stCondLst>
+                            <p:childTnLst>
+                              <p:par>
+                                <p:cTn id="5" presetID="10" presetClass="entr" presetSubtype="0" fill="hold" nodeType="clickEffect">
+                                  <p:stCondLst>
+                                    <p:cond delay="0"/>
+                                  </p:stCondLst>
+                                  <p:childTnLst>
+                                    <p:set>
+                                      <p:cBhvr>
+                                        <p:cTn id="6" dur="1" fill="hold">
+                                          <p:stCondLst>
+                                            <p:cond delay="0"/>
+                                          </p:stCondLst>
+                                        </p:cTn>
+                                        <p:tgtEl>
+                                          <p:spTgt spid="3">
+                                            <p:txEl>
+                                              <p:pRg st="1" end="1"/>
+                                            </p:txEl>
+                                          </p:spTgt>
+                                        </p:tgtEl>
+                                        <p:attrNameLst>
+                                          <p:attrName>style.visibility</p:attrName>
+                                        </p:attrNameLst>
+                                      </p:cBhvr>
+                                      <p:to>
+                                        <p:strVal val="visible"/>
+                                      </p:to>
+                                    </p:set>
+                                    <p:animEffect transition="in" filter="fade">
+                                      <p:cBhvr>
+                                        <p:cTn id="7" dur="500"/>
+                                        <p:tgtEl>
+                                          <p:spTgt spid="3">
+                                            <p:txEl>
+                                              <p:pRg st="1" end="1"/>
+                                            </p:txEl>
+                                          </p:spTgt>
+                                        </p:tgtEl>
+                                      </p:cBhvr>
+                                    </p:animEffect>
+                                  </p:childTnLst>
+                                </p:cTn>
+                              </p:par>
+                            </p:childTnLst>
+                          </p:cTn>
+                        </p:par>
+                      </p:childTnLst>
+                    </p:cTn>
+                  </p:par>
+                  <p:par>
+                    <p:cTn id="8" fill="hold">
+                      <p:stCondLst>
+                        <p:cond delay="indefinite"/>
+                      </p:stCondLst>
+                      <p:childTnLst>
+                        <p:par>
+                          <p:cTn id="9" fill="hold">
+                            <p:stCondLst>
+                              <p:cond delay="0"/>
+                            </p:stCondLst>
+                            <p:childTnLst>
+                              <p:par>
+                                <p:cTn id="10" presetID="10" presetClass="entr" presetSubtype="0" fill="hold" nodeType="clickEffect">
+                                  <p:stCondLst>
+                                    <p:cond delay="0"/>
+                                  </p:stCondLst>
+                                  <p:childTnLst>
+                                    <p:set>
+                                      <p:cBhvr>
+                                        <p:cTn id="11" dur="1" fill="hold">
+                                          <p:stCondLst>
+                                            <p:cond delay="0"/>
+                                          </p:stCondLst>
+                                        </p:cTn>
+                                        <p:tgtEl>
+                                          <p:spTgt spid="3">
+                                            <p:txEl>
+                                              <p:pRg st="2" end="2"/>
+                                            </p:txEl>
+                                          </p:spTgt>
+                                        </p:tgtEl>
+                                        <p:attrNameLst>
+                                          <p:attrName>style.visibility</p:attrName>
+                                        </p:attrNameLst>
+                                      </p:cBhvr>
+                                      <p:to>
+                                        <p:strVal val="visible"/>
+                                      </p:to>
+                                    </p:set>
+                                    <p:animEffect transition="in" filter="fade">
+                                      <p:cBhvr>
+                                        <p:cTn id="12" dur="500"/>
+                                        <p:tgtEl>
+                                          <p:spTgt spid="3">
+                                            <p:txEl>
+                                              <p:pRg st="2" end="2"/>
+                                            </p:txEl>
+                                          </p:spTgt>
+                                        </p:tgtEl>
+                                      </p:cBhvr>
+                                    </p:animEffect>
+                                  </p:childTnLst>
+                                </p:cTn>
+                              </p:par>
+                            </p:childTnLst>
+                          </p:cTn>
+                        </p:par>
+                      </p:childTnLst>
+                    </p:cTn>
+                  </p:par>
+                  <p:par>
+                    <p:cTn id="13" fill="hold">
+                      <p:stCondLst>
+                        <p:cond delay="indefinite"/>
+                      </p:stCondLst>
+                      <p:childTnLst>
+                        <p:par>
+                          <p:cTn id="14" fill="hold">
+                            <p:stCondLst>
+                              <p:cond delay="0"/>
+                            </p:stCondLst>
+                            <p:childTnLst>
+                              <p:par>
+                                <p:cTn id="15" presetID="10" presetClass="entr" presetSubtype="0" fill="hold" grpId="0" nodeType="clickEffect">
+                                  <p:stCondLst>
+                                    <p:cond delay="0"/>
+                                  </p:stCondLst>
+                                  <p:childTnLst>
+                                    <p:set>
+                                      <p:cBhvr>
+                                        <p:cTn id="16" dur="1" fill="hold">
+                                          <p:stCondLst>
+                                            <p:cond delay="0"/>
+                                          </p:stCondLst>
+                                        </p:cTn>
+                                        <p:tgtEl>
+                                          <p:spTgt spid="6"/>
+                                        </p:tgtEl>
+                                        <p:attrNameLst>
+                                          <p:attrName>style.visibility</p:attrName>
+                                        </p:attrNameLst>
+                                      </p:cBhvr>
+                                      <p:to>
+                                        <p:strVal val="visible"/>
+                                      </p:to>
+                                    </p:set>
+                                    <p:animEffect transition="in" filter="fade">
+                                      <p:cBhvr>
+                                        <p:cTn id="17" dur="500"/>
+                                        <p:tgtEl>
+                                          <p:spTgt spid="6"/>
+                                        </p:tgtEl>
+                                      </p:cBhvr>
+                                    </p:animEffect>
+                                  </p:childTnLst>
+                                </p:cTn>
+                              </p:par>
+                            </p:childTnLst>
+                          </p:cTn>
+                        </p:par>
+                      </p:childTnLst>
+                    </p:cTn>
+                  </p:par>
+                </p:childTnLst>
+              </p:cTn>
+              <p:prevCondLst>
+                <p:cond evt="onPrev" delay="0">
+                  <p:tgtEl>
+                    <p:sldTgt/>
+                  </p:tgtEl>
+                </p:cond>
+              </p:prevCondLst>
+              <p:nextCondLst>
+                <p:cond evt="onNext" delay="0">
+                  <p:tgtEl>
+                    <p:sldTgt/>
+                  </p:tgtEl>
+                </p:cond>
+              </p:nextCondLst>
+            </p:seq>
+          </p:childTnLst>
+        </p:cTn>
       </p:par>
     </p:tnLst>
+    <p:bldLst>
+      <p:bldP spid="6" grpId="0"/>
+    </p:bldLst>
   </p:timing>
 </p:sld>
 </file>
@@ -17407,9 +19536,157 @@
   <p:timing>
     <p:tnLst>
       <p:par>
-        <p:cTn id="1" dur="indefinite" restart="never" nodeType="tmRoot"/>
+        <p:cTn id="1" dur="indefinite" restart="never" nodeType="tmRoot">
+          <p:childTnLst>
+            <p:seq concurrent="1" nextAc="seek">
+              <p:cTn id="2" dur="indefinite" nodeType="mainSeq">
+                <p:childTnLst>
+                  <p:par>
+                    <p:cTn id="3" fill="hold">
+                      <p:stCondLst>
+                        <p:cond delay="indefinite"/>
+                      </p:stCondLst>
+                      <p:childTnLst>
+                        <p:par>
+                          <p:cTn id="4" fill="hold">
+                            <p:stCondLst>
+                              <p:cond delay="0"/>
+                            </p:stCondLst>
+                            <p:childTnLst>
+                              <p:par>
+                                <p:cTn id="5" presetID="10" presetClass="entr" presetSubtype="0" fill="hold" grpId="0" nodeType="clickEffect">
+                                  <p:stCondLst>
+                                    <p:cond delay="0"/>
+                                  </p:stCondLst>
+                                  <p:childTnLst>
+                                    <p:set>
+                                      <p:cBhvr>
+                                        <p:cTn id="6" dur="1" fill="hold">
+                                          <p:stCondLst>
+                                            <p:cond delay="0"/>
+                                          </p:stCondLst>
+                                        </p:cTn>
+                                        <p:tgtEl>
+                                          <p:spTgt spid="3">
+                                            <p:txEl>
+                                              <p:pRg st="0" end="0"/>
+                                            </p:txEl>
+                                          </p:spTgt>
+                                        </p:tgtEl>
+                                        <p:attrNameLst>
+                                          <p:attrName>style.visibility</p:attrName>
+                                        </p:attrNameLst>
+                                      </p:cBhvr>
+                                      <p:to>
+                                        <p:strVal val="visible"/>
+                                      </p:to>
+                                    </p:set>
+                                    <p:animEffect transition="in" filter="fade">
+                                      <p:cBhvr>
+                                        <p:cTn id="7" dur="500"/>
+                                        <p:tgtEl>
+                                          <p:spTgt spid="3">
+                                            <p:txEl>
+                                              <p:pRg st="0" end="0"/>
+                                            </p:txEl>
+                                          </p:spTgt>
+                                        </p:tgtEl>
+                                      </p:cBhvr>
+                                    </p:animEffect>
+                                  </p:childTnLst>
+                                </p:cTn>
+                              </p:par>
+                            </p:childTnLst>
+                          </p:cTn>
+                        </p:par>
+                      </p:childTnLst>
+                    </p:cTn>
+                  </p:par>
+                  <p:par>
+                    <p:cTn id="8" fill="hold">
+                      <p:stCondLst>
+                        <p:cond delay="indefinite"/>
+                      </p:stCondLst>
+                      <p:childTnLst>
+                        <p:par>
+                          <p:cTn id="9" fill="hold">
+                            <p:stCondLst>
+                              <p:cond delay="0"/>
+                            </p:stCondLst>
+                            <p:childTnLst>
+                              <p:par>
+                                <p:cTn id="10" presetID="10" presetClass="entr" presetSubtype="0" fill="hold" grpId="0" nodeType="clickEffect">
+                                  <p:stCondLst>
+                                    <p:cond delay="0"/>
+                                  </p:stCondLst>
+                                  <p:childTnLst>
+                                    <p:set>
+                                      <p:cBhvr>
+                                        <p:cTn id="11" dur="1" fill="hold">
+                                          <p:stCondLst>
+                                            <p:cond delay="0"/>
+                                          </p:stCondLst>
+                                        </p:cTn>
+                                        <p:tgtEl>
+                                          <p:spTgt spid="3">
+                                            <p:txEl>
+                                              <p:pRg st="1" end="1"/>
+                                            </p:txEl>
+                                          </p:spTgt>
+                                        </p:tgtEl>
+                                        <p:attrNameLst>
+                                          <p:attrName>style.visibility</p:attrName>
+                                        </p:attrNameLst>
+                                      </p:cBhvr>
+                                      <p:to>
+                                        <p:strVal val="visible"/>
+                                      </p:to>
+                                    </p:set>
+                                    <p:animEffect transition="in" filter="fade">
+                                      <p:cBhvr>
+                                        <p:cTn id="12" dur="500"/>
+                                        <p:tgtEl>
+                                          <p:spTgt spid="3">
+                                            <p:txEl>
+                                              <p:pRg st="1" end="1"/>
+                                            </p:txEl>
+                                          </p:spTgt>
+                                        </p:tgtEl>
+                                      </p:cBhvr>
+                                    </p:animEffect>
+                                  </p:childTnLst>
+                                </p:cTn>
+                              </p:par>
+                            </p:childTnLst>
+                          </p:cTn>
+                        </p:par>
+                      </p:childTnLst>
+                    </p:cTn>
+                  </p:par>
+                </p:childTnLst>
+              </p:cTn>
+              <p:prevCondLst>
+                <p:cond evt="onPrev" delay="0">
+                  <p:tgtEl>
+                    <p:sldTgt/>
+                  </p:tgtEl>
+                </p:cond>
+              </p:prevCondLst>
+              <p:nextCondLst>
+                <p:cond evt="onNext" delay="0">
+                  <p:tgtEl>
+                    <p:sldTgt/>
+                  </p:tgtEl>
+                </p:cond>
+              </p:nextCondLst>
+            </p:seq>
+          </p:childTnLst>
+        </p:cTn>
       </p:par>
     </p:tnLst>
+    <p:bldLst>
+      <p:bldP spid="3" grpId="0" build="p"/>
+    </p:bldLst>
   </p:timing>
 </p:sld>
 </file>

--- a/Diaporama/diaporama.pptx
+++ b/Diaporama/diaporama.pptx
@@ -5063,6 +5063,9 @@
                     <p:cTn id="3" fill="hold">
                       <p:stCondLst>
                         <p:cond delay="indefinite"/>
+                        <p:cond evt="onBegin" delay="0">
+                          <p:tn val="2"/>
+                        </p:cond>
                       </p:stCondLst>
                       <p:childTnLst>
                         <p:par>
@@ -5072,7 +5075,7 @@
                             </p:stCondLst>
                             <p:childTnLst>
                               <p:par>
-                                <p:cTn id="5" presetID="10" presetClass="entr" presetSubtype="0" fill="hold" grpId="0" nodeType="clickEffect">
+                                <p:cTn id="5" presetID="10" presetClass="entr" presetSubtype="0" fill="hold" grpId="0" nodeType="withEffect">
                                   <p:stCondLst>
                                     <p:cond delay="0"/>
                                   </p:stCondLst>
@@ -5731,20 +5734,11 @@
             </a:r>
             <a:r>
               <a:rPr lang="fr-FR" dirty="0" smtClean="0"/>
-              <a:t>var = i</a:t>
-            </a:r>
-          </a:p>
-          <a:p>
-            <a:pPr marL="45720" indent="0">
-              <a:buNone/>
-            </a:pPr>
-            <a:r>
-              <a:rPr lang="fr-FR" dirty="0"/>
-              <a:t>	</a:t>
+              <a:t>i </a:t>
             </a:r>
             <a:r>
               <a:rPr lang="fr-FR" dirty="0" smtClean="0"/>
-              <a:t>i = i modulo &lt;nombre de colonne&gt;</a:t>
+              <a:t>= i modulo &lt;nombre de colonne&gt;</a:t>
             </a:r>
           </a:p>
           <a:p>
@@ -6552,76 +6546,6 @@
                                           <p:spTgt spid="3">
                                             <p:txEl>
                                               <p:pRg st="5" end="5"/>
-                                            </p:txEl>
-                                          </p:spTgt>
-                                        </p:tgtEl>
-                                        <p:attrNameLst>
-                                          <p:attrName>fill.type</p:attrName>
-                                        </p:attrNameLst>
-                                      </p:cBhvr>
-                                      <p:to>
-                                        <p:strVal val="solid"/>
-                                      </p:to>
-                                    </p:set>
-                                  </p:childTnLst>
-                                </p:cTn>
-                              </p:par>
-                              <p:par>
-                                <p:cTn id="49" presetID="16" presetClass="emph" presetSubtype="0" fill="hold" nodeType="withEffect">
-                                  <p:stCondLst>
-                                    <p:cond delay="0"/>
-                                  </p:stCondLst>
-                                  <p:iterate type="lt">
-                                    <p:tmPct val="4000"/>
-                                  </p:iterate>
-                                  <p:childTnLst>
-                                    <p:set>
-                                      <p:cBhvr override="childStyle">
-                                        <p:cTn id="50" dur="500" fill="hold"/>
-                                        <p:tgtEl>
-                                          <p:spTgt spid="3">
-                                            <p:txEl>
-                                              <p:pRg st="6" end="6"/>
-                                            </p:txEl>
-                                          </p:spTgt>
-                                        </p:tgtEl>
-                                        <p:attrNameLst>
-                                          <p:attrName>style.color</p:attrName>
-                                        </p:attrNameLst>
-                                      </p:cBhvr>
-                                      <p:to>
-                                        <p:clrVal>
-                                          <a:schemeClr val="accent2"/>
-                                        </p:clrVal>
-                                      </p:to>
-                                    </p:set>
-                                    <p:set>
-                                      <p:cBhvr>
-                                        <p:cTn id="51" dur="500" fill="hold"/>
-                                        <p:tgtEl>
-                                          <p:spTgt spid="3">
-                                            <p:txEl>
-                                              <p:pRg st="6" end="6"/>
-                                            </p:txEl>
-                                          </p:spTgt>
-                                        </p:tgtEl>
-                                        <p:attrNameLst>
-                                          <p:attrName>fillcolor</p:attrName>
-                                        </p:attrNameLst>
-                                      </p:cBhvr>
-                                      <p:to>
-                                        <p:clrVal>
-                                          <a:schemeClr val="accent2"/>
-                                        </p:clrVal>
-                                      </p:to>
-                                    </p:set>
-                                    <p:set>
-                                      <p:cBhvr>
-                                        <p:cTn id="52" dur="500" fill="hold"/>
-                                        <p:tgtEl>
-                                          <p:spTgt spid="3">
-                                            <p:txEl>
-                                              <p:pRg st="6" end="6"/>
                                             </p:txEl>
                                           </p:spTgt>
                                         </p:tgtEl>
@@ -6969,7 +6893,15 @@
             </a:r>
             <a:r>
               <a:rPr lang="fr-FR" dirty="0" smtClean="0"/>
-              <a:t>		A = coût de la ligne de dessus : col=i</a:t>
+              <a:t>		A = </a:t>
+            </a:r>
+            <a:r>
+              <a:rPr lang="fr-FR" dirty="0" smtClean="0"/>
+              <a:t>benefice </a:t>
+            </a:r>
+            <a:r>
+              <a:rPr lang="fr-FR" dirty="0" smtClean="0"/>
+              <a:t>de la ligne de dessus : col=i</a:t>
             </a:r>
           </a:p>
           <a:p>
@@ -7102,8 +7034,13 @@
             </a:r>
             <a:r>
               <a:rPr lang="fr-FR" dirty="0" smtClean="0"/>
-              <a:t>	tableau(ligne: row, col: i) = 0</a:t>
+              <a:t>	tableau(ligne: row, col: i) = </a:t>
             </a:r>
+            <a:r>
+              <a:rPr lang="fr-FR" dirty="0" smtClean="0"/>
+              <a:t>valeur du dessus ou 0 si première ligne</a:t>
+            </a:r>
+            <a:endParaRPr lang="fr-FR" dirty="0" smtClean="0"/>
           </a:p>
           <a:p>
             <a:pPr marL="45720" indent="0">
@@ -7116,7 +7053,15 @@
             </a:r>
             <a:r>
               <a:rPr lang="fr-FR" dirty="0" smtClean="0"/>
-              <a:t>Si var égal 0  et i égal 0</a:t>
+              <a:t>Si </a:t>
+            </a:r>
+            <a:r>
+              <a:rPr lang="fr-FR" dirty="0" smtClean="0"/>
+              <a:t>i </a:t>
+            </a:r>
+            <a:r>
+              <a:rPr lang="fr-FR" dirty="0" smtClean="0"/>
+              <a:t>égal 0</a:t>
             </a:r>
           </a:p>
           <a:p>
@@ -7130,7 +7075,15 @@
             </a:r>
             <a:r>
               <a:rPr lang="fr-FR" dirty="0" smtClean="0"/>
-              <a:t>	row ++</a:t>
+              <a:t>	</a:t>
+            </a:r>
+            <a:r>
+              <a:rPr lang="fr-FR" dirty="0" smtClean="0"/>
+              <a:t>Ligne </a:t>
+            </a:r>
+            <a:r>
+              <a:rPr lang="fr-FR" dirty="0" smtClean="0"/>
+              <a:t>++</a:t>
             </a:r>
           </a:p>
           <a:p>
@@ -7167,6 +7120,9 @@
                     <p:cTn id="3" fill="hold">
                       <p:stCondLst>
                         <p:cond delay="indefinite"/>
+                        <p:cond evt="onBegin" delay="0">
+                          <p:tn val="2"/>
+                        </p:cond>
                       </p:stCondLst>
                       <p:childTnLst>
                         <p:par>
@@ -7176,7 +7132,7 @@
                             </p:stCondLst>
                             <p:childTnLst>
                               <p:par>
-                                <p:cTn id="5" presetID="16" presetClass="emph" presetSubtype="0" fill="hold" nodeType="clickEffect">
+                                <p:cTn id="5" presetID="16" presetClass="emph" presetSubtype="0" fill="hold" nodeType="withEffect">
                                   <p:stCondLst>
                                     <p:cond delay="0"/>
                                   </p:stCondLst>
@@ -12250,8 +12206,19 @@
           <a:p>
             <a:r>
               <a:rPr lang="fr-FR" dirty="0" smtClean="0"/>
-              <a:t>Puissance de calcul</a:t>
+              <a:t>Puissance de </a:t>
             </a:r>
+            <a:r>
+              <a:rPr lang="fr-FR" dirty="0" smtClean="0"/>
+              <a:t>calcul</a:t>
+            </a:r>
+          </a:p>
+          <a:p>
+            <a:r>
+              <a:rPr lang="fr-FR" dirty="0" smtClean="0"/>
+              <a:t>(mémoire)</a:t>
+            </a:r>
+            <a:endParaRPr lang="fr-FR" dirty="0" smtClean="0"/>
           </a:p>
         </p:txBody>
       </p:sp>
@@ -12481,6 +12448,58 @@
                             </p:childTnLst>
                           </p:cTn>
                         </p:par>
+                        <p:par>
+                          <p:cTn id="18" fill="hold">
+                            <p:stCondLst>
+                              <p:cond delay="500"/>
+                            </p:stCondLst>
+                            <p:childTnLst>
+                              <p:par>
+                                <p:cTn id="19" presetID="10" presetClass="entr" presetSubtype="0" fill="hold" grpId="0" nodeType="afterEffect">
+                                  <p:stCondLst>
+                                    <p:cond delay="0"/>
+                                  </p:stCondLst>
+                                  <p:childTnLst>
+                                    <p:set>
+                                      <p:cBhvr>
+                                        <p:cTn id="20" dur="1" fill="hold">
+                                          <p:stCondLst>
+                                            <p:cond delay="0"/>
+                                          </p:stCondLst>
+                                        </p:cTn>
+                                        <p:tgtEl>
+                                          <p:spTgt spid="3">
+                                            <p:txEl>
+                                              <p:pRg st="4" end="4"/>
+                                            </p:txEl>
+                                          </p:spTgt>
+                                        </p:tgtEl>
+                                        <p:attrNameLst>
+                                          <p:attrName>style.visibility</p:attrName>
+                                        </p:attrNameLst>
+                                      </p:cBhvr>
+                                      <p:to>
+                                        <p:strVal val="visible"/>
+                                      </p:to>
+                                    </p:set>
+                                    <p:animEffect transition="in" filter="fade">
+                                      <p:cBhvr>
+                                        <p:cTn id="21" dur="500"/>
+                                        <p:tgtEl>
+                                          <p:spTgt spid="3">
+                                            <p:txEl>
+                                              <p:pRg st="4" end="4"/>
+                                            </p:txEl>
+                                          </p:spTgt>
+                                        </p:tgtEl>
+                                      </p:cBhvr>
+                                    </p:animEffect>
+                                  </p:childTnLst>
+                                </p:cTn>
+                              </p:par>
+                            </p:childTnLst>
+                          </p:cTn>
+                        </p:par>
                       </p:childTnLst>
                     </p:cTn>
                   </p:par>
@@ -12506,7 +12525,7 @@
       </p:par>
     </p:tnLst>
     <p:bldLst>
-      <p:bldP spid="3" grpId="0" build="p"/>
+      <p:bldP spid="3" grpId="0" uiExpand="1" build="p"/>
     </p:bldLst>
   </p:timing>
 </p:sld>
@@ -15837,8 +15856,8 @@
           </a:p>
         </p:txBody>
       </p:sp>
-      <mc:AlternateContent xmlns:mc="http://schemas.openxmlformats.org/markup-compatibility/2006">
-        <mc:Choice xmlns:a14="http://schemas.microsoft.com/office/drawing/2010/main" Requires="a14">
+      <mc:AlternateContent xmlns:mc="http://schemas.openxmlformats.org/markup-compatibility/2006" xmlns:a14="http://schemas.microsoft.com/office/drawing/2010/main">
+        <mc:Choice Requires="a14">
           <p:sp>
             <p:nvSpPr>
               <p:cNvPr id="11" name="ZoneTexte 10"/>
@@ -15940,7 +15959,7 @@
             </p:txBody>
           </p:sp>
         </mc:Choice>
-        <mc:Fallback>
+        <mc:Fallback xmlns="">
           <p:sp>
             <p:nvSpPr>
               <p:cNvPr id="11" name="ZoneTexte 10"/>
@@ -19545,6 +19564,9 @@
                     <p:cTn id="3" fill="hold">
                       <p:stCondLst>
                         <p:cond delay="indefinite"/>
+                        <p:cond evt="onBegin" delay="0">
+                          <p:tn val="2"/>
+                        </p:cond>
                       </p:stCondLst>
                       <p:childTnLst>
                         <p:par>
@@ -19554,7 +19576,7 @@
                             </p:stCondLst>
                             <p:childTnLst>
                               <p:par>
-                                <p:cTn id="5" presetID="10" presetClass="entr" presetSubtype="0" fill="hold" grpId="0" nodeType="clickEffect">
+                                <p:cTn id="5" presetID="10" presetClass="entr" presetSubtype="0" fill="hold" grpId="0" nodeType="withEffect">
                                   <p:stCondLst>
                                     <p:cond delay="0"/>
                                   </p:stCondLst>
@@ -19599,30 +19621,21 @@
                             </p:childTnLst>
                           </p:cTn>
                         </p:par>
-                      </p:childTnLst>
-                    </p:cTn>
-                  </p:par>
-                  <p:par>
-                    <p:cTn id="8" fill="hold">
-                      <p:stCondLst>
-                        <p:cond delay="indefinite"/>
-                      </p:stCondLst>
-                      <p:childTnLst>
                         <p:par>
-                          <p:cTn id="9" fill="hold">
+                          <p:cTn id="8" fill="hold">
                             <p:stCondLst>
-                              <p:cond delay="0"/>
+                              <p:cond delay="500"/>
                             </p:stCondLst>
                             <p:childTnLst>
                               <p:par>
-                                <p:cTn id="10" presetID="10" presetClass="entr" presetSubtype="0" fill="hold" grpId="0" nodeType="clickEffect">
+                                <p:cTn id="9" presetID="10" presetClass="entr" presetSubtype="0" fill="hold" grpId="0" nodeType="afterEffect">
                                   <p:stCondLst>
                                     <p:cond delay="0"/>
                                   </p:stCondLst>
                                   <p:childTnLst>
                                     <p:set>
                                       <p:cBhvr>
-                                        <p:cTn id="11" dur="1" fill="hold">
+                                        <p:cTn id="10" dur="1" fill="hold">
                                           <p:stCondLst>
                                             <p:cond delay="0"/>
                                           </p:stCondLst>
@@ -19644,7 +19657,7 @@
                                     </p:set>
                                     <p:animEffect transition="in" filter="fade">
                                       <p:cBhvr>
-                                        <p:cTn id="12" dur="500"/>
+                                        <p:cTn id="11" dur="500"/>
                                         <p:tgtEl>
                                           <p:spTgt spid="3">
                                             <p:txEl>
@@ -19685,7 +19698,7 @@
       </p:par>
     </p:tnLst>
     <p:bldLst>
-      <p:bldP spid="3" grpId="0" build="p"/>
+      <p:bldP spid="3" grpId="0" uiExpand="1" build="p"/>
     </p:bldLst>
   </p:timing>
 </p:sld>
@@ -23772,30 +23785,21 @@
                             </p:childTnLst>
                           </p:cTn>
                         </p:par>
-                      </p:childTnLst>
-                    </p:cTn>
-                  </p:par>
-                  <p:par>
-                    <p:cTn id="43" fill="hold">
-                      <p:stCondLst>
-                        <p:cond delay="indefinite"/>
-                      </p:stCondLst>
-                      <p:childTnLst>
                         <p:par>
-                          <p:cTn id="44" fill="hold">
+                          <p:cTn id="43" fill="hold">
                             <p:stCondLst>
-                              <p:cond delay="0"/>
+                              <p:cond delay="500"/>
                             </p:stCondLst>
                             <p:childTnLst>
                               <p:par>
-                                <p:cTn id="45" presetID="10" presetClass="exit" presetSubtype="0" fill="hold" grpId="1" nodeType="clickEffect">
+                                <p:cTn id="44" presetID="10" presetClass="exit" presetSubtype="0" fill="hold" grpId="1" nodeType="afterEffect">
                                   <p:stCondLst>
                                     <p:cond delay="0"/>
                                   </p:stCondLst>
                                   <p:childTnLst>
                                     <p:animEffect transition="out" filter="fade">
                                       <p:cBhvr>
-                                        <p:cTn id="46" dur="500"/>
+                                        <p:cTn id="45" dur="500"/>
                                         <p:tgtEl>
                                           <p:spTgt spid="47"/>
                                         </p:tgtEl>
@@ -23803,7 +23807,7 @@
                                     </p:animEffect>
                                     <p:set>
                                       <p:cBhvr>
-                                        <p:cTn id="47" dur="1" fill="hold">
+                                        <p:cTn id="46" dur="1" fill="hold">
                                           <p:stCondLst>
                                             <p:cond delay="499"/>
                                           </p:stCondLst>
@@ -23823,14 +23827,14 @@
                                 </p:cTn>
                               </p:par>
                               <p:par>
-                                <p:cTn id="48" presetID="10" presetClass="exit" presetSubtype="0" fill="hold" grpId="0" nodeType="withEffect">
+                                <p:cTn id="47" presetID="10" presetClass="exit" presetSubtype="0" fill="hold" grpId="0" nodeType="withEffect">
                                   <p:stCondLst>
                                     <p:cond delay="0"/>
                                   </p:stCondLst>
                                   <p:childTnLst>
                                     <p:animEffect transition="out" filter="fade">
                                       <p:cBhvr>
-                                        <p:cTn id="49" dur="500"/>
+                                        <p:cTn id="48" dur="500"/>
                                         <p:tgtEl>
                                           <p:spTgt spid="21"/>
                                         </p:tgtEl>
@@ -23838,7 +23842,7 @@
                                     </p:animEffect>
                                     <p:set>
                                       <p:cBhvr>
-                                        <p:cTn id="50" dur="1" fill="hold">
+                                        <p:cTn id="49" dur="1" fill="hold">
                                           <p:stCondLst>
                                             <p:cond delay="499"/>
                                           </p:stCondLst>
@@ -23864,26 +23868,26 @@
                     </p:cTn>
                   </p:par>
                   <p:par>
-                    <p:cTn id="51" fill="hold">
+                    <p:cTn id="50" fill="hold">
                       <p:stCondLst>
                         <p:cond delay="indefinite"/>
                       </p:stCondLst>
                       <p:childTnLst>
                         <p:par>
-                          <p:cTn id="52" fill="hold">
+                          <p:cTn id="51" fill="hold">
                             <p:stCondLst>
                               <p:cond delay="0"/>
                             </p:stCondLst>
                             <p:childTnLst>
                               <p:par>
-                                <p:cTn id="53" presetID="10" presetClass="entr" presetSubtype="0" fill="hold" grpId="0" nodeType="clickEffect">
+                                <p:cTn id="52" presetID="10" presetClass="entr" presetSubtype="0" fill="hold" grpId="0" nodeType="clickEffect">
                                   <p:stCondLst>
                                     <p:cond delay="0"/>
                                   </p:stCondLst>
                                   <p:childTnLst>
                                     <p:set>
                                       <p:cBhvr>
-                                        <p:cTn id="54" dur="1" fill="hold">
+                                        <p:cTn id="53" dur="1" fill="hold">
                                           <p:stCondLst>
                                             <p:cond delay="0"/>
                                           </p:stCondLst>
@@ -23901,7 +23905,7 @@
                                     </p:set>
                                     <p:animEffect transition="in" filter="fade">
                                       <p:cBhvr>
-                                        <p:cTn id="55" dur="500"/>
+                                        <p:cTn id="54" dur="500"/>
                                         <p:tgtEl>
                                           <p:spTgt spid="51"/>
                                         </p:tgtEl>
@@ -23917,26 +23921,26 @@
                     </p:cTn>
                   </p:par>
                   <p:par>
-                    <p:cTn id="56" fill="hold">
+                    <p:cTn id="55" fill="hold">
                       <p:stCondLst>
                         <p:cond delay="indefinite"/>
                       </p:stCondLst>
                       <p:childTnLst>
                         <p:par>
-                          <p:cTn id="57" fill="hold">
+                          <p:cTn id="56" fill="hold">
                             <p:stCondLst>
                               <p:cond delay="0"/>
                             </p:stCondLst>
                             <p:childTnLst>
                               <p:par>
-                                <p:cTn id="58" presetID="10" presetClass="exit" presetSubtype="0" fill="hold" grpId="1" nodeType="clickEffect">
+                                <p:cTn id="57" presetID="10" presetClass="exit" presetSubtype="0" fill="hold" grpId="1" nodeType="clickEffect">
                                   <p:stCondLst>
                                     <p:cond delay="0"/>
                                   </p:stCondLst>
                                   <p:childTnLst>
                                     <p:animEffect transition="out" filter="fade">
                                       <p:cBhvr>
-                                        <p:cTn id="59" dur="500"/>
+                                        <p:cTn id="58" dur="500"/>
                                         <p:tgtEl>
                                           <p:spTgt spid="51"/>
                                         </p:tgtEl>
@@ -23944,7 +23948,7 @@
                                     </p:animEffect>
                                     <p:set>
                                       <p:cBhvr>
-                                        <p:cTn id="60" dur="1" fill="hold">
+                                        <p:cTn id="59" dur="1" fill="hold">
                                           <p:stCondLst>
                                             <p:cond delay="499"/>
                                           </p:stCondLst>
@@ -23964,14 +23968,14 @@
                                 </p:cTn>
                               </p:par>
                               <p:par>
-                                <p:cTn id="61" presetID="10" presetClass="exit" presetSubtype="0" fill="hold" grpId="0" nodeType="withEffect">
+                                <p:cTn id="60" presetID="10" presetClass="exit" presetSubtype="0" fill="hold" grpId="0" nodeType="withEffect">
                                   <p:stCondLst>
                                     <p:cond delay="0"/>
                                   </p:stCondLst>
                                   <p:childTnLst>
                                     <p:animEffect transition="out" filter="fade">
                                       <p:cBhvr>
-                                        <p:cTn id="62" dur="500"/>
+                                        <p:cTn id="61" dur="500"/>
                                         <p:tgtEl>
                                           <p:spTgt spid="27"/>
                                         </p:tgtEl>
@@ -23979,7 +23983,7 @@
                                     </p:animEffect>
                                     <p:set>
                                       <p:cBhvr>
-                                        <p:cTn id="63" dur="1" fill="hold">
+                                        <p:cTn id="62" dur="1" fill="hold">
                                           <p:stCondLst>
                                             <p:cond delay="499"/>
                                           </p:stCondLst>
@@ -24005,26 +24009,26 @@
                     </p:cTn>
                   </p:par>
                   <p:par>
-                    <p:cTn id="64" fill="hold">
+                    <p:cTn id="63" fill="hold">
                       <p:stCondLst>
                         <p:cond delay="indefinite"/>
                       </p:stCondLst>
                       <p:childTnLst>
                         <p:par>
-                          <p:cTn id="65" fill="hold">
+                          <p:cTn id="64" fill="hold">
                             <p:stCondLst>
                               <p:cond delay="0"/>
                             </p:stCondLst>
                             <p:childTnLst>
                               <p:par>
-                                <p:cTn id="66" presetID="10" presetClass="entr" presetSubtype="0" fill="hold" grpId="0" nodeType="clickEffect">
+                                <p:cTn id="65" presetID="10" presetClass="entr" presetSubtype="0" fill="hold" grpId="0" nodeType="clickEffect">
                                   <p:stCondLst>
                                     <p:cond delay="0"/>
                                   </p:stCondLst>
                                   <p:childTnLst>
                                     <p:set>
                                       <p:cBhvr>
-                                        <p:cTn id="67" dur="1" fill="hold">
+                                        <p:cTn id="66" dur="1" fill="hold">
                                           <p:stCondLst>
                                             <p:cond delay="0"/>
                                           </p:stCondLst>
@@ -24042,7 +24046,7 @@
                                     </p:set>
                                     <p:animEffect transition="in" filter="fade">
                                       <p:cBhvr>
-                                        <p:cTn id="68" dur="500"/>
+                                        <p:cTn id="67" dur="500"/>
                                         <p:tgtEl>
                                           <p:spTgt spid="48"/>
                                         </p:tgtEl>
@@ -24052,14 +24056,14 @@
                                 </p:cTn>
                               </p:par>
                               <p:par>
-                                <p:cTn id="69" presetID="10" presetClass="entr" presetSubtype="0" fill="hold" grpId="0" nodeType="withEffect">
+                                <p:cTn id="68" presetID="10" presetClass="entr" presetSubtype="0" fill="hold" grpId="0" nodeType="withEffect">
                                   <p:stCondLst>
                                     <p:cond delay="0"/>
                                   </p:stCondLst>
                                   <p:childTnLst>
                                     <p:set>
                                       <p:cBhvr>
-                                        <p:cTn id="70" dur="1" fill="hold">
+                                        <p:cTn id="69" dur="1" fill="hold">
                                           <p:stCondLst>
                                             <p:cond delay="0"/>
                                           </p:stCondLst>
@@ -24077,7 +24081,7 @@
                                     </p:set>
                                     <p:animEffect transition="in" filter="fade">
                                       <p:cBhvr>
-                                        <p:cTn id="71" dur="500"/>
+                                        <p:cTn id="70" dur="500"/>
                                         <p:tgtEl>
                                           <p:spTgt spid="49"/>
                                         </p:tgtEl>
@@ -24093,26 +24097,26 @@
                     </p:cTn>
                   </p:par>
                   <p:par>
-                    <p:cTn id="72" fill="hold">
+                    <p:cTn id="71" fill="hold">
                       <p:stCondLst>
                         <p:cond delay="indefinite"/>
                       </p:stCondLst>
                       <p:childTnLst>
                         <p:par>
-                          <p:cTn id="73" fill="hold">
+                          <p:cTn id="72" fill="hold">
                             <p:stCondLst>
                               <p:cond delay="0"/>
                             </p:stCondLst>
                             <p:childTnLst>
                               <p:par>
-                                <p:cTn id="74" presetID="10" presetClass="exit" presetSubtype="0" fill="hold" grpId="1" nodeType="clickEffect">
+                                <p:cTn id="73" presetID="10" presetClass="exit" presetSubtype="0" fill="hold" grpId="1" nodeType="clickEffect">
                                   <p:stCondLst>
                                     <p:cond delay="0"/>
                                   </p:stCondLst>
                                   <p:childTnLst>
                                     <p:animEffect transition="out" filter="fade">
                                       <p:cBhvr>
-                                        <p:cTn id="75" dur="500"/>
+                                        <p:cTn id="74" dur="500"/>
                                         <p:tgtEl>
                                           <p:spTgt spid="48"/>
                                         </p:tgtEl>
@@ -24120,7 +24124,7 @@
                                     </p:animEffect>
                                     <p:set>
                                       <p:cBhvr>
-                                        <p:cTn id="76" dur="1" fill="hold">
+                                        <p:cTn id="75" dur="1" fill="hold">
                                           <p:stCondLst>
                                             <p:cond delay="499"/>
                                           </p:stCondLst>
@@ -24140,14 +24144,14 @@
                                 </p:cTn>
                               </p:par>
                               <p:par>
-                                <p:cTn id="77" presetID="10" presetClass="exit" presetSubtype="0" fill="hold" grpId="1" nodeType="withEffect">
+                                <p:cTn id="76" presetID="10" presetClass="exit" presetSubtype="0" fill="hold" grpId="1" nodeType="withEffect">
                                   <p:stCondLst>
                                     <p:cond delay="0"/>
                                   </p:stCondLst>
                                   <p:childTnLst>
                                     <p:animEffect transition="out" filter="fade">
                                       <p:cBhvr>
-                                        <p:cTn id="78" dur="500"/>
+                                        <p:cTn id="77" dur="500"/>
                                         <p:tgtEl>
                                           <p:spTgt spid="49"/>
                                         </p:tgtEl>
@@ -24155,7 +24159,7 @@
                                     </p:animEffect>
                                     <p:set>
                                       <p:cBhvr>
-                                        <p:cTn id="79" dur="1" fill="hold">
+                                        <p:cTn id="78" dur="1" fill="hold">
                                           <p:stCondLst>
                                             <p:cond delay="499"/>
                                           </p:stCondLst>
@@ -24175,14 +24179,14 @@
                                 </p:cTn>
                               </p:par>
                               <p:par>
-                                <p:cTn id="80" presetID="10" presetClass="exit" presetSubtype="0" fill="hold" grpId="0" nodeType="withEffect">
+                                <p:cTn id="79" presetID="10" presetClass="exit" presetSubtype="0" fill="hold" grpId="0" nodeType="withEffect">
                                   <p:stCondLst>
                                     <p:cond delay="0"/>
                                   </p:stCondLst>
                                   <p:childTnLst>
                                     <p:animEffect transition="out" filter="fade">
                                       <p:cBhvr>
-                                        <p:cTn id="81" dur="500"/>
+                                        <p:cTn id="80" dur="500"/>
                                         <p:tgtEl>
                                           <p:spTgt spid="33"/>
                                         </p:tgtEl>
@@ -24190,7 +24194,7 @@
                                     </p:animEffect>
                                     <p:set>
                                       <p:cBhvr>
-                                        <p:cTn id="82" dur="1" fill="hold">
+                                        <p:cTn id="81" dur="1" fill="hold">
                                           <p:stCondLst>
                                             <p:cond delay="499"/>
                                           </p:stCondLst>
@@ -24216,26 +24220,26 @@
                     </p:cTn>
                   </p:par>
                   <p:par>
-                    <p:cTn id="83" fill="hold">
+                    <p:cTn id="82" fill="hold">
                       <p:stCondLst>
                         <p:cond delay="indefinite"/>
                       </p:stCondLst>
                       <p:childTnLst>
                         <p:par>
-                          <p:cTn id="84" fill="hold">
+                          <p:cTn id="83" fill="hold">
                             <p:stCondLst>
                               <p:cond delay="0"/>
                             </p:stCondLst>
                             <p:childTnLst>
                               <p:par>
-                                <p:cTn id="85" presetID="10" presetClass="entr" presetSubtype="0" fill="hold" grpId="0" nodeType="clickEffect">
+                                <p:cTn id="84" presetID="10" presetClass="entr" presetSubtype="0" fill="hold" grpId="0" nodeType="clickEffect">
                                   <p:stCondLst>
                                     <p:cond delay="0"/>
                                   </p:stCondLst>
                                   <p:childTnLst>
                                     <p:set>
                                       <p:cBhvr>
-                                        <p:cTn id="86" dur="1" fill="hold">
+                                        <p:cTn id="85" dur="1" fill="hold">
                                           <p:stCondLst>
                                             <p:cond delay="0"/>
                                           </p:stCondLst>
@@ -24253,7 +24257,7 @@
                                     </p:set>
                                     <p:animEffect transition="in" filter="fade">
                                       <p:cBhvr>
-                                        <p:cTn id="87" dur="500"/>
+                                        <p:cTn id="86" dur="500"/>
                                         <p:tgtEl>
                                           <p:spTgt spid="53"/>
                                         </p:tgtEl>
@@ -24263,14 +24267,14 @@
                                 </p:cTn>
                               </p:par>
                               <p:par>
-                                <p:cTn id="88" presetID="10" presetClass="entr" presetSubtype="0" fill="hold" grpId="0" nodeType="withEffect">
+                                <p:cTn id="87" presetID="10" presetClass="entr" presetSubtype="0" fill="hold" grpId="0" nodeType="withEffect">
                                   <p:stCondLst>
                                     <p:cond delay="0"/>
                                   </p:stCondLst>
                                   <p:childTnLst>
                                     <p:set>
                                       <p:cBhvr>
-                                        <p:cTn id="89" dur="1" fill="hold">
+                                        <p:cTn id="88" dur="1" fill="hold">
                                           <p:stCondLst>
                                             <p:cond delay="0"/>
                                           </p:stCondLst>
@@ -24288,9 +24292,176 @@
                                     </p:set>
                                     <p:animEffect transition="in" filter="fade">
                                       <p:cBhvr>
-                                        <p:cTn id="90" dur="500"/>
+                                        <p:cTn id="89" dur="500"/>
                                         <p:tgtEl>
                                           <p:spTgt spid="52"/>
+                                        </p:tgtEl>
+                                      </p:cBhvr>
+                                    </p:animEffect>
+                                  </p:childTnLst>
+                                </p:cTn>
+                              </p:par>
+                            </p:childTnLst>
+                          </p:cTn>
+                        </p:par>
+                        <p:par>
+                          <p:cTn id="90" fill="hold">
+                            <p:stCondLst>
+                              <p:cond delay="500"/>
+                            </p:stCondLst>
+                            <p:childTnLst>
+                              <p:par>
+                                <p:cTn id="91" presetID="10" presetClass="exit" presetSubtype="0" fill="hold" grpId="1" nodeType="afterEffect">
+                                  <p:stCondLst>
+                                    <p:cond delay="0"/>
+                                  </p:stCondLst>
+                                  <p:childTnLst>
+                                    <p:animEffect transition="out" filter="fade">
+                                      <p:cBhvr>
+                                        <p:cTn id="92" dur="500"/>
+                                        <p:tgtEl>
+                                          <p:spTgt spid="53"/>
+                                        </p:tgtEl>
+                                      </p:cBhvr>
+                                    </p:animEffect>
+                                    <p:set>
+                                      <p:cBhvr>
+                                        <p:cTn id="93" dur="1" fill="hold">
+                                          <p:stCondLst>
+                                            <p:cond delay="499"/>
+                                          </p:stCondLst>
+                                        </p:cTn>
+                                        <p:tgtEl>
+                                          <p:spTgt spid="53"/>
+                                        </p:tgtEl>
+                                        <p:attrNameLst>
+                                          <p:attrName>style.visibility</p:attrName>
+                                        </p:attrNameLst>
+                                      </p:cBhvr>
+                                      <p:to>
+                                        <p:strVal val="hidden"/>
+                                      </p:to>
+                                    </p:set>
+                                  </p:childTnLst>
+                                </p:cTn>
+                              </p:par>
+                              <p:par>
+                                <p:cTn id="94" presetID="10" presetClass="exit" presetSubtype="0" fill="hold" grpId="1" nodeType="withEffect">
+                                  <p:stCondLst>
+                                    <p:cond delay="0"/>
+                                  </p:stCondLst>
+                                  <p:childTnLst>
+                                    <p:animEffect transition="out" filter="fade">
+                                      <p:cBhvr>
+                                        <p:cTn id="95" dur="500"/>
+                                        <p:tgtEl>
+                                          <p:spTgt spid="52"/>
+                                        </p:tgtEl>
+                                      </p:cBhvr>
+                                    </p:animEffect>
+                                    <p:set>
+                                      <p:cBhvr>
+                                        <p:cTn id="96" dur="1" fill="hold">
+                                          <p:stCondLst>
+                                            <p:cond delay="499"/>
+                                          </p:stCondLst>
+                                        </p:cTn>
+                                        <p:tgtEl>
+                                          <p:spTgt spid="52"/>
+                                        </p:tgtEl>
+                                        <p:attrNameLst>
+                                          <p:attrName>style.visibility</p:attrName>
+                                        </p:attrNameLst>
+                                      </p:cBhvr>
+                                      <p:to>
+                                        <p:strVal val="hidden"/>
+                                      </p:to>
+                                    </p:set>
+                                  </p:childTnLst>
+                                </p:cTn>
+                              </p:par>
+                              <p:par>
+                                <p:cTn id="97" presetID="10" presetClass="exit" presetSubtype="0" fill="hold" grpId="0" nodeType="withEffect">
+                                  <p:stCondLst>
+                                    <p:cond delay="0"/>
+                                  </p:stCondLst>
+                                  <p:childTnLst>
+                                    <p:animEffect transition="out" filter="fade">
+                                      <p:cBhvr>
+                                        <p:cTn id="98" dur="500"/>
+                                        <p:tgtEl>
+                                          <p:spTgt spid="39"/>
+                                        </p:tgtEl>
+                                      </p:cBhvr>
+                                    </p:animEffect>
+                                    <p:set>
+                                      <p:cBhvr>
+                                        <p:cTn id="99" dur="1" fill="hold">
+                                          <p:stCondLst>
+                                            <p:cond delay="499"/>
+                                          </p:stCondLst>
+                                        </p:cTn>
+                                        <p:tgtEl>
+                                          <p:spTgt spid="39"/>
+                                        </p:tgtEl>
+                                        <p:attrNameLst>
+                                          <p:attrName>style.visibility</p:attrName>
+                                        </p:attrNameLst>
+                                      </p:cBhvr>
+                                      <p:to>
+                                        <p:strVal val="hidden"/>
+                                      </p:to>
+                                    </p:set>
+                                  </p:childTnLst>
+                                </p:cTn>
+                              </p:par>
+                            </p:childTnLst>
+                          </p:cTn>
+                        </p:par>
+                      </p:childTnLst>
+                    </p:cTn>
+                  </p:par>
+                  <p:par>
+                    <p:cTn id="100" fill="hold">
+                      <p:stCondLst>
+                        <p:cond delay="indefinite"/>
+                      </p:stCondLst>
+                      <p:childTnLst>
+                        <p:par>
+                          <p:cTn id="101" fill="hold">
+                            <p:stCondLst>
+                              <p:cond delay="0"/>
+                            </p:stCondLst>
+                            <p:childTnLst>
+                              <p:par>
+                                <p:cTn id="102" presetID="10" presetClass="entr" presetSubtype="0" fill="hold" grpId="0" nodeType="clickEffect">
+                                  <p:stCondLst>
+                                    <p:cond delay="0"/>
+                                  </p:stCondLst>
+                                  <p:childTnLst>
+                                    <p:set>
+                                      <p:cBhvr>
+                                        <p:cTn id="103" dur="1" fill="hold">
+                                          <p:stCondLst>
+                                            <p:cond delay="0"/>
+                                          </p:stCondLst>
+                                        </p:cTn>
+                                        <p:tgtEl>
+                                          <p:spTgt spid="58"/>
+                                        </p:tgtEl>
+                                        <p:attrNameLst>
+                                          <p:attrName>style.visibility</p:attrName>
+                                        </p:attrNameLst>
+                                      </p:cBhvr>
+                                      <p:to>
+                                        <p:strVal val="visible"/>
+                                      </p:to>
+                                    </p:set>
+                                    <p:animEffect transition="in" filter="fade">
+                                      <p:cBhvr>
+                                        <p:cTn id="104" dur="500"/>
+                                        <p:tgtEl>
+                                          <p:spTgt spid="58"/>
                                         </p:tgtEl>
                                       </p:cBhvr>
                                     </p:animEffect>
@@ -24304,40 +24475,40 @@
                     </p:cTn>
                   </p:par>
                   <p:par>
-                    <p:cTn id="91" fill="hold">
+                    <p:cTn id="105" fill="hold">
                       <p:stCondLst>
                         <p:cond delay="indefinite"/>
                       </p:stCondLst>
                       <p:childTnLst>
                         <p:par>
-                          <p:cTn id="92" fill="hold">
+                          <p:cTn id="106" fill="hold">
                             <p:stCondLst>
                               <p:cond delay="0"/>
                             </p:stCondLst>
                             <p:childTnLst>
                               <p:par>
-                                <p:cTn id="93" presetID="10" presetClass="exit" presetSubtype="0" fill="hold" grpId="1" nodeType="clickEffect">
+                                <p:cTn id="107" presetID="10" presetClass="exit" presetSubtype="0" fill="hold" grpId="1" nodeType="clickEffect">
                                   <p:stCondLst>
                                     <p:cond delay="0"/>
                                   </p:stCondLst>
                                   <p:childTnLst>
                                     <p:animEffect transition="out" filter="fade">
                                       <p:cBhvr>
-                                        <p:cTn id="94" dur="500"/>
-                                        <p:tgtEl>
-                                          <p:spTgt spid="53"/>
+                                        <p:cTn id="108" dur="500"/>
+                                        <p:tgtEl>
+                                          <p:spTgt spid="58"/>
                                         </p:tgtEl>
                                       </p:cBhvr>
                                     </p:animEffect>
                                     <p:set>
                                       <p:cBhvr>
-                                        <p:cTn id="95" dur="1" fill="hold">
+                                        <p:cTn id="109" dur="1" fill="hold">
                                           <p:stCondLst>
                                             <p:cond delay="499"/>
                                           </p:stCondLst>
                                         </p:cTn>
                                         <p:tgtEl>
-                                          <p:spTgt spid="53"/>
+                                          <p:spTgt spid="58"/>
                                         </p:tgtEl>
                                         <p:attrNameLst>
                                           <p:attrName>style.visibility</p:attrName>
@@ -24351,63 +24522,28 @@
                                 </p:cTn>
                               </p:par>
                               <p:par>
-                                <p:cTn id="96" presetID="10" presetClass="exit" presetSubtype="0" fill="hold" grpId="1" nodeType="withEffect">
+                                <p:cTn id="110" presetID="10" presetClass="exit" presetSubtype="0" fill="hold" grpId="0" nodeType="withEffect">
                                   <p:stCondLst>
                                     <p:cond delay="0"/>
                                   </p:stCondLst>
                                   <p:childTnLst>
                                     <p:animEffect transition="out" filter="fade">
                                       <p:cBhvr>
-                                        <p:cTn id="97" dur="500"/>
-                                        <p:tgtEl>
-                                          <p:spTgt spid="52"/>
+                                        <p:cTn id="111" dur="500"/>
+                                        <p:tgtEl>
+                                          <p:spTgt spid="9"/>
                                         </p:tgtEl>
                                       </p:cBhvr>
                                     </p:animEffect>
                                     <p:set>
                                       <p:cBhvr>
-                                        <p:cTn id="98" dur="1" fill="hold">
+                                        <p:cTn id="112" dur="1" fill="hold">
                                           <p:stCondLst>
                                             <p:cond delay="499"/>
                                           </p:stCondLst>
                                         </p:cTn>
                                         <p:tgtEl>
-                                          <p:spTgt spid="52"/>
-                                        </p:tgtEl>
-                                        <p:attrNameLst>
-                                          <p:attrName>style.visibility</p:attrName>
-                                        </p:attrNameLst>
-                                      </p:cBhvr>
-                                      <p:to>
-                                        <p:strVal val="hidden"/>
-                                      </p:to>
-                                    </p:set>
-                                  </p:childTnLst>
-                                </p:cTn>
-                              </p:par>
-                              <p:par>
-                                <p:cTn id="99" presetID="10" presetClass="exit" presetSubtype="0" fill="hold" grpId="0" nodeType="withEffect">
-                                  <p:stCondLst>
-                                    <p:cond delay="0"/>
-                                  </p:stCondLst>
-                                  <p:childTnLst>
-                                    <p:animEffect transition="out" filter="fade">
-                                      <p:cBhvr>
-                                        <p:cTn id="100" dur="500"/>
-                                        <p:tgtEl>
-                                          <p:spTgt spid="39"/>
-                                        </p:tgtEl>
-                                      </p:cBhvr>
-                                    </p:animEffect>
-                                    <p:set>
-                                      <p:cBhvr>
-                                        <p:cTn id="101" dur="1" fill="hold">
-                                          <p:stCondLst>
-                                            <p:cond delay="499"/>
-                                          </p:stCondLst>
-                                        </p:cTn>
-                                        <p:tgtEl>
-                                          <p:spTgt spid="39"/>
+                                          <p:spTgt spid="9"/>
                                         </p:tgtEl>
                                         <p:attrNameLst>
                                           <p:attrName>style.visibility</p:attrName>
@@ -24427,32 +24563,32 @@
                     </p:cTn>
                   </p:par>
                   <p:par>
-                    <p:cTn id="102" fill="hold">
+                    <p:cTn id="113" fill="hold">
                       <p:stCondLst>
                         <p:cond delay="indefinite"/>
                       </p:stCondLst>
                       <p:childTnLst>
                         <p:par>
-                          <p:cTn id="103" fill="hold">
+                          <p:cTn id="114" fill="hold">
                             <p:stCondLst>
                               <p:cond delay="0"/>
                             </p:stCondLst>
                             <p:childTnLst>
                               <p:par>
-                                <p:cTn id="104" presetID="10" presetClass="entr" presetSubtype="0" fill="hold" grpId="0" nodeType="clickEffect">
+                                <p:cTn id="115" presetID="10" presetClass="entr" presetSubtype="0" fill="hold" grpId="0" nodeType="clickEffect">
                                   <p:stCondLst>
                                     <p:cond delay="0"/>
                                   </p:stCondLst>
                                   <p:childTnLst>
                                     <p:set>
                                       <p:cBhvr>
-                                        <p:cTn id="105" dur="1" fill="hold">
+                                        <p:cTn id="116" dur="1" fill="hold">
                                           <p:stCondLst>
                                             <p:cond delay="0"/>
                                           </p:stCondLst>
                                         </p:cTn>
                                         <p:tgtEl>
-                                          <p:spTgt spid="58"/>
+                                          <p:spTgt spid="59"/>
                                         </p:tgtEl>
                                         <p:attrNameLst>
                                           <p:attrName>style.visibility</p:attrName>
@@ -24464,9 +24600,44 @@
                                     </p:set>
                                     <p:animEffect transition="in" filter="fade">
                                       <p:cBhvr>
-                                        <p:cTn id="106" dur="500"/>
-                                        <p:tgtEl>
-                                          <p:spTgt spid="58"/>
+                                        <p:cTn id="117" dur="500"/>
+                                        <p:tgtEl>
+                                          <p:spTgt spid="59"/>
+                                        </p:tgtEl>
+                                      </p:cBhvr>
+                                    </p:animEffect>
+                                  </p:childTnLst>
+                                </p:cTn>
+                              </p:par>
+                              <p:par>
+                                <p:cTn id="118" presetID="10" presetClass="entr" presetSubtype="0" fill="hold" grpId="0" nodeType="withEffect">
+                                  <p:stCondLst>
+                                    <p:cond delay="0"/>
+                                  </p:stCondLst>
+                                  <p:childTnLst>
+                                    <p:set>
+                                      <p:cBhvr>
+                                        <p:cTn id="119" dur="1" fill="hold">
+                                          <p:stCondLst>
+                                            <p:cond delay="0"/>
+                                          </p:stCondLst>
+                                        </p:cTn>
+                                        <p:tgtEl>
+                                          <p:spTgt spid="78"/>
+                                        </p:tgtEl>
+                                        <p:attrNameLst>
+                                          <p:attrName>style.visibility</p:attrName>
+                                        </p:attrNameLst>
+                                      </p:cBhvr>
+                                      <p:to>
+                                        <p:strVal val="visible"/>
+                                      </p:to>
+                                    </p:set>
+                                    <p:animEffect transition="in" filter="fade">
+                                      <p:cBhvr>
+                                        <p:cTn id="120" dur="500"/>
+                                        <p:tgtEl>
+                                          <p:spTgt spid="78"/>
                                         </p:tgtEl>
                                       </p:cBhvr>
                                     </p:animEffect>
@@ -24480,40 +24651,40 @@
                     </p:cTn>
                   </p:par>
                   <p:par>
-                    <p:cTn id="107" fill="hold">
+                    <p:cTn id="121" fill="hold">
                       <p:stCondLst>
                         <p:cond delay="indefinite"/>
                       </p:stCondLst>
                       <p:childTnLst>
                         <p:par>
-                          <p:cTn id="108" fill="hold">
+                          <p:cTn id="122" fill="hold">
                             <p:stCondLst>
                               <p:cond delay="0"/>
                             </p:stCondLst>
                             <p:childTnLst>
                               <p:par>
-                                <p:cTn id="109" presetID="10" presetClass="exit" presetSubtype="0" fill="hold" grpId="1" nodeType="clickEffect">
+                                <p:cTn id="123" presetID="10" presetClass="exit" presetSubtype="0" fill="hold" grpId="1" nodeType="clickEffect">
                                   <p:stCondLst>
                                     <p:cond delay="0"/>
                                   </p:stCondLst>
                                   <p:childTnLst>
                                     <p:animEffect transition="out" filter="fade">
                                       <p:cBhvr>
-                                        <p:cTn id="110" dur="500"/>
-                                        <p:tgtEl>
-                                          <p:spTgt spid="58"/>
+                                        <p:cTn id="124" dur="500"/>
+                                        <p:tgtEl>
+                                          <p:spTgt spid="59"/>
                                         </p:tgtEl>
                                       </p:cBhvr>
                                     </p:animEffect>
                                     <p:set>
                                       <p:cBhvr>
-                                        <p:cTn id="111" dur="1" fill="hold">
+                                        <p:cTn id="125" dur="1" fill="hold">
                                           <p:stCondLst>
                                             <p:cond delay="499"/>
                                           </p:stCondLst>
                                         </p:cTn>
                                         <p:tgtEl>
-                                          <p:spTgt spid="58"/>
+                                          <p:spTgt spid="59"/>
                                         </p:tgtEl>
                                         <p:attrNameLst>
                                           <p:attrName>style.visibility</p:attrName>
@@ -24527,28 +24698,63 @@
                                 </p:cTn>
                               </p:par>
                               <p:par>
-                                <p:cTn id="112" presetID="10" presetClass="exit" presetSubtype="0" fill="hold" grpId="0" nodeType="withEffect">
+                                <p:cTn id="126" presetID="10" presetClass="exit" presetSubtype="0" fill="hold" grpId="1" nodeType="withEffect">
                                   <p:stCondLst>
                                     <p:cond delay="0"/>
                                   </p:stCondLst>
                                   <p:childTnLst>
                                     <p:animEffect transition="out" filter="fade">
                                       <p:cBhvr>
-                                        <p:cTn id="113" dur="500"/>
-                                        <p:tgtEl>
-                                          <p:spTgt spid="9"/>
+                                        <p:cTn id="127" dur="500"/>
+                                        <p:tgtEl>
+                                          <p:spTgt spid="78"/>
                                         </p:tgtEl>
                                       </p:cBhvr>
                                     </p:animEffect>
                                     <p:set>
                                       <p:cBhvr>
-                                        <p:cTn id="114" dur="1" fill="hold">
+                                        <p:cTn id="128" dur="1" fill="hold">
                                           <p:stCondLst>
                                             <p:cond delay="499"/>
                                           </p:stCondLst>
                                         </p:cTn>
                                         <p:tgtEl>
-                                          <p:spTgt spid="9"/>
+                                          <p:spTgt spid="78"/>
+                                        </p:tgtEl>
+                                        <p:attrNameLst>
+                                          <p:attrName>style.visibility</p:attrName>
+                                        </p:attrNameLst>
+                                      </p:cBhvr>
+                                      <p:to>
+                                        <p:strVal val="hidden"/>
+                                      </p:to>
+                                    </p:set>
+                                  </p:childTnLst>
+                                </p:cTn>
+                              </p:par>
+                              <p:par>
+                                <p:cTn id="129" presetID="10" presetClass="exit" presetSubtype="0" fill="hold" grpId="0" nodeType="withEffect">
+                                  <p:stCondLst>
+                                    <p:cond delay="0"/>
+                                  </p:stCondLst>
+                                  <p:childTnLst>
+                                    <p:animEffect transition="out" filter="fade">
+                                      <p:cBhvr>
+                                        <p:cTn id="130" dur="500"/>
+                                        <p:tgtEl>
+                                          <p:spTgt spid="22"/>
+                                        </p:tgtEl>
+                                      </p:cBhvr>
+                                    </p:animEffect>
+                                    <p:set>
+                                      <p:cBhvr>
+                                        <p:cTn id="131" dur="1" fill="hold">
+                                          <p:stCondLst>
+                                            <p:cond delay="499"/>
+                                          </p:stCondLst>
+                                        </p:cTn>
+                                        <p:tgtEl>
+                                          <p:spTgt spid="22"/>
                                         </p:tgtEl>
                                         <p:attrNameLst>
                                           <p:attrName>style.visibility</p:attrName>
@@ -24568,32 +24774,32 @@
                     </p:cTn>
                   </p:par>
                   <p:par>
-                    <p:cTn id="115" fill="hold">
+                    <p:cTn id="132" fill="hold">
                       <p:stCondLst>
                         <p:cond delay="indefinite"/>
                       </p:stCondLst>
                       <p:childTnLst>
                         <p:par>
-                          <p:cTn id="116" fill="hold">
+                          <p:cTn id="133" fill="hold">
                             <p:stCondLst>
                               <p:cond delay="0"/>
                             </p:stCondLst>
                             <p:childTnLst>
                               <p:par>
-                                <p:cTn id="117" presetID="10" presetClass="entr" presetSubtype="0" fill="hold" grpId="0" nodeType="clickEffect">
+                                <p:cTn id="134" presetID="10" presetClass="entr" presetSubtype="0" fill="hold" grpId="0" nodeType="clickEffect">
                                   <p:stCondLst>
                                     <p:cond delay="0"/>
                                   </p:stCondLst>
                                   <p:childTnLst>
                                     <p:set>
                                       <p:cBhvr>
-                                        <p:cTn id="118" dur="1" fill="hold">
+                                        <p:cTn id="135" dur="1" fill="hold">
                                           <p:stCondLst>
                                             <p:cond delay="0"/>
                                           </p:stCondLst>
                                         </p:cTn>
                                         <p:tgtEl>
-                                          <p:spTgt spid="59"/>
+                                          <p:spTgt spid="61"/>
                                         </p:tgtEl>
                                         <p:attrNameLst>
                                           <p:attrName>style.visibility</p:attrName>
@@ -24605,9 +24811,9 @@
                                     </p:set>
                                     <p:animEffect transition="in" filter="fade">
                                       <p:cBhvr>
-                                        <p:cTn id="119" dur="500"/>
-                                        <p:tgtEl>
-                                          <p:spTgt spid="59"/>
+                                        <p:cTn id="136" dur="500"/>
+                                        <p:tgtEl>
+                                          <p:spTgt spid="61"/>
                                         </p:tgtEl>
                                       </p:cBhvr>
                                     </p:animEffect>
@@ -24615,20 +24821,20 @@
                                 </p:cTn>
                               </p:par>
                               <p:par>
-                                <p:cTn id="120" presetID="10" presetClass="entr" presetSubtype="0" fill="hold" grpId="0" nodeType="withEffect">
+                                <p:cTn id="137" presetID="10" presetClass="entr" presetSubtype="0" fill="hold" grpId="0" nodeType="withEffect">
                                   <p:stCondLst>
                                     <p:cond delay="0"/>
                                   </p:stCondLst>
                                   <p:childTnLst>
                                     <p:set>
                                       <p:cBhvr>
-                                        <p:cTn id="121" dur="1" fill="hold">
+                                        <p:cTn id="138" dur="1" fill="hold">
                                           <p:stCondLst>
                                             <p:cond delay="0"/>
                                           </p:stCondLst>
                                         </p:cTn>
                                         <p:tgtEl>
-                                          <p:spTgt spid="78"/>
+                                          <p:spTgt spid="79"/>
                                         </p:tgtEl>
                                         <p:attrNameLst>
                                           <p:attrName>style.visibility</p:attrName>
@@ -24640,9 +24846,9 @@
                                     </p:set>
                                     <p:animEffect transition="in" filter="fade">
                                       <p:cBhvr>
-                                        <p:cTn id="122" dur="500"/>
-                                        <p:tgtEl>
-                                          <p:spTgt spid="78"/>
+                                        <p:cTn id="139" dur="500"/>
+                                        <p:tgtEl>
+                                          <p:spTgt spid="79"/>
                                         </p:tgtEl>
                                       </p:cBhvr>
                                     </p:animEffect>
@@ -24656,40 +24862,40 @@
                     </p:cTn>
                   </p:par>
                   <p:par>
-                    <p:cTn id="123" fill="hold">
+                    <p:cTn id="140" fill="hold">
                       <p:stCondLst>
                         <p:cond delay="indefinite"/>
                       </p:stCondLst>
                       <p:childTnLst>
                         <p:par>
-                          <p:cTn id="124" fill="hold">
+                          <p:cTn id="141" fill="hold">
                             <p:stCondLst>
                               <p:cond delay="0"/>
                             </p:stCondLst>
                             <p:childTnLst>
                               <p:par>
-                                <p:cTn id="125" presetID="10" presetClass="exit" presetSubtype="0" fill="hold" grpId="1" nodeType="clickEffect">
+                                <p:cTn id="142" presetID="10" presetClass="exit" presetSubtype="0" fill="hold" grpId="1" nodeType="clickEffect">
                                   <p:stCondLst>
                                     <p:cond delay="0"/>
                                   </p:stCondLst>
                                   <p:childTnLst>
                                     <p:animEffect transition="out" filter="fade">
                                       <p:cBhvr>
-                                        <p:cTn id="126" dur="500"/>
-                                        <p:tgtEl>
-                                          <p:spTgt spid="59"/>
+                                        <p:cTn id="143" dur="500"/>
+                                        <p:tgtEl>
+                                          <p:spTgt spid="61"/>
                                         </p:tgtEl>
                                       </p:cBhvr>
                                     </p:animEffect>
                                     <p:set>
                                       <p:cBhvr>
-                                        <p:cTn id="127" dur="1" fill="hold">
+                                        <p:cTn id="144" dur="1" fill="hold">
                                           <p:stCondLst>
                                             <p:cond delay="499"/>
                                           </p:stCondLst>
                                         </p:cTn>
                                         <p:tgtEl>
-                                          <p:spTgt spid="59"/>
+                                          <p:spTgt spid="61"/>
                                         </p:tgtEl>
                                         <p:attrNameLst>
                                           <p:attrName>style.visibility</p:attrName>
@@ -24703,28 +24909,28 @@
                                 </p:cTn>
                               </p:par>
                               <p:par>
-                                <p:cTn id="128" presetID="10" presetClass="exit" presetSubtype="0" fill="hold" grpId="1" nodeType="withEffect">
+                                <p:cTn id="145" presetID="10" presetClass="exit" presetSubtype="0" fill="hold" grpId="1" nodeType="withEffect">
                                   <p:stCondLst>
                                     <p:cond delay="0"/>
                                   </p:stCondLst>
                                   <p:childTnLst>
                                     <p:animEffect transition="out" filter="fade">
                                       <p:cBhvr>
-                                        <p:cTn id="129" dur="500"/>
-                                        <p:tgtEl>
-                                          <p:spTgt spid="78"/>
+                                        <p:cTn id="146" dur="500"/>
+                                        <p:tgtEl>
+                                          <p:spTgt spid="79"/>
                                         </p:tgtEl>
                                       </p:cBhvr>
                                     </p:animEffect>
                                     <p:set>
                                       <p:cBhvr>
-                                        <p:cTn id="130" dur="1" fill="hold">
+                                        <p:cTn id="147" dur="1" fill="hold">
                                           <p:stCondLst>
                                             <p:cond delay="499"/>
                                           </p:stCondLst>
                                         </p:cTn>
                                         <p:tgtEl>
-                                          <p:spTgt spid="78"/>
+                                          <p:spTgt spid="79"/>
                                         </p:tgtEl>
                                         <p:attrNameLst>
                                           <p:attrName>style.visibility</p:attrName>
@@ -24738,28 +24944,28 @@
                                 </p:cTn>
                               </p:par>
                               <p:par>
-                                <p:cTn id="131" presetID="10" presetClass="exit" presetSubtype="0" fill="hold" grpId="0" nodeType="withEffect">
+                                <p:cTn id="148" presetID="10" presetClass="exit" presetSubtype="0" fill="hold" grpId="0" nodeType="withEffect">
                                   <p:stCondLst>
                                     <p:cond delay="0"/>
                                   </p:stCondLst>
                                   <p:childTnLst>
                                     <p:animEffect transition="out" filter="fade">
                                       <p:cBhvr>
-                                        <p:cTn id="132" dur="500"/>
-                                        <p:tgtEl>
-                                          <p:spTgt spid="22"/>
+                                        <p:cTn id="149" dur="500"/>
+                                        <p:tgtEl>
+                                          <p:spTgt spid="28"/>
                                         </p:tgtEl>
                                       </p:cBhvr>
                                     </p:animEffect>
                                     <p:set>
                                       <p:cBhvr>
-                                        <p:cTn id="133" dur="1" fill="hold">
+                                        <p:cTn id="150" dur="1" fill="hold">
                                           <p:stCondLst>
                                             <p:cond delay="499"/>
                                           </p:stCondLst>
                                         </p:cTn>
                                         <p:tgtEl>
-                                          <p:spTgt spid="22"/>
+                                          <p:spTgt spid="28"/>
                                         </p:tgtEl>
                                         <p:attrNameLst>
                                           <p:attrName>style.visibility</p:attrName>
@@ -24779,32 +24985,32 @@
                     </p:cTn>
                   </p:par>
                   <p:par>
-                    <p:cTn id="134" fill="hold">
+                    <p:cTn id="151" fill="hold">
                       <p:stCondLst>
                         <p:cond delay="indefinite"/>
                       </p:stCondLst>
                       <p:childTnLst>
                         <p:par>
-                          <p:cTn id="135" fill="hold">
+                          <p:cTn id="152" fill="hold">
                             <p:stCondLst>
                               <p:cond delay="0"/>
                             </p:stCondLst>
                             <p:childTnLst>
                               <p:par>
-                                <p:cTn id="136" presetID="10" presetClass="entr" presetSubtype="0" fill="hold" grpId="0" nodeType="clickEffect">
+                                <p:cTn id="153" presetID="10" presetClass="entr" presetSubtype="0" fill="hold" grpId="0" nodeType="clickEffect">
                                   <p:stCondLst>
                                     <p:cond delay="0"/>
                                   </p:stCondLst>
                                   <p:childTnLst>
                                     <p:set>
                                       <p:cBhvr>
-                                        <p:cTn id="137" dur="1" fill="hold">
+                                        <p:cTn id="154" dur="1" fill="hold">
                                           <p:stCondLst>
                                             <p:cond delay="0"/>
                                           </p:stCondLst>
                                         </p:cTn>
                                         <p:tgtEl>
-                                          <p:spTgt spid="61"/>
+                                          <p:spTgt spid="60"/>
                                         </p:tgtEl>
                                         <p:attrNameLst>
                                           <p:attrName>style.visibility</p:attrName>
@@ -24816,9 +25022,9 @@
                                     </p:set>
                                     <p:animEffect transition="in" filter="fade">
                                       <p:cBhvr>
-                                        <p:cTn id="138" dur="500"/>
-                                        <p:tgtEl>
-                                          <p:spTgt spid="61"/>
+                                        <p:cTn id="155" dur="500"/>
+                                        <p:tgtEl>
+                                          <p:spTgt spid="60"/>
                                         </p:tgtEl>
                                       </p:cBhvr>
                                     </p:animEffect>
@@ -24826,20 +25032,20 @@
                                 </p:cTn>
                               </p:par>
                               <p:par>
-                                <p:cTn id="139" presetID="10" presetClass="entr" presetSubtype="0" fill="hold" grpId="0" nodeType="withEffect">
+                                <p:cTn id="156" presetID="10" presetClass="entr" presetSubtype="0" fill="hold" grpId="0" nodeType="withEffect">
                                   <p:stCondLst>
                                     <p:cond delay="0"/>
                                   </p:stCondLst>
                                   <p:childTnLst>
                                     <p:set>
                                       <p:cBhvr>
-                                        <p:cTn id="140" dur="1" fill="hold">
+                                        <p:cTn id="157" dur="1" fill="hold">
                                           <p:stCondLst>
                                             <p:cond delay="0"/>
                                           </p:stCondLst>
                                         </p:cTn>
                                         <p:tgtEl>
-                                          <p:spTgt spid="79"/>
+                                          <p:spTgt spid="80"/>
                                         </p:tgtEl>
                                         <p:attrNameLst>
                                           <p:attrName>style.visibility</p:attrName>
@@ -24851,9 +25057,211 @@
                                     </p:set>
                                     <p:animEffect transition="in" filter="fade">
                                       <p:cBhvr>
-                                        <p:cTn id="141" dur="500"/>
-                                        <p:tgtEl>
-                                          <p:spTgt spid="79"/>
+                                        <p:cTn id="158" dur="500"/>
+                                        <p:tgtEl>
+                                          <p:spTgt spid="80"/>
+                                        </p:tgtEl>
+                                      </p:cBhvr>
+                                    </p:animEffect>
+                                  </p:childTnLst>
+                                </p:cTn>
+                              </p:par>
+                            </p:childTnLst>
+                          </p:cTn>
+                        </p:par>
+                        <p:par>
+                          <p:cTn id="159" fill="hold">
+                            <p:stCondLst>
+                              <p:cond delay="500"/>
+                            </p:stCondLst>
+                            <p:childTnLst>
+                              <p:par>
+                                <p:cTn id="160" presetID="10" presetClass="exit" presetSubtype="0" fill="hold" grpId="1" nodeType="afterEffect">
+                                  <p:stCondLst>
+                                    <p:cond delay="0"/>
+                                  </p:stCondLst>
+                                  <p:childTnLst>
+                                    <p:animEffect transition="out" filter="fade">
+                                      <p:cBhvr>
+                                        <p:cTn id="161" dur="500"/>
+                                        <p:tgtEl>
+                                          <p:spTgt spid="60"/>
+                                        </p:tgtEl>
+                                      </p:cBhvr>
+                                    </p:animEffect>
+                                    <p:set>
+                                      <p:cBhvr>
+                                        <p:cTn id="162" dur="1" fill="hold">
+                                          <p:stCondLst>
+                                            <p:cond delay="499"/>
+                                          </p:stCondLst>
+                                        </p:cTn>
+                                        <p:tgtEl>
+                                          <p:spTgt spid="60"/>
+                                        </p:tgtEl>
+                                        <p:attrNameLst>
+                                          <p:attrName>style.visibility</p:attrName>
+                                        </p:attrNameLst>
+                                      </p:cBhvr>
+                                      <p:to>
+                                        <p:strVal val="hidden"/>
+                                      </p:to>
+                                    </p:set>
+                                  </p:childTnLst>
+                                </p:cTn>
+                              </p:par>
+                              <p:par>
+                                <p:cTn id="163" presetID="10" presetClass="exit" presetSubtype="0" fill="hold" grpId="1" nodeType="withEffect">
+                                  <p:stCondLst>
+                                    <p:cond delay="0"/>
+                                  </p:stCondLst>
+                                  <p:childTnLst>
+                                    <p:animEffect transition="out" filter="fade">
+                                      <p:cBhvr>
+                                        <p:cTn id="164" dur="500"/>
+                                        <p:tgtEl>
+                                          <p:spTgt spid="80"/>
+                                        </p:tgtEl>
+                                      </p:cBhvr>
+                                    </p:animEffect>
+                                    <p:set>
+                                      <p:cBhvr>
+                                        <p:cTn id="165" dur="1" fill="hold">
+                                          <p:stCondLst>
+                                            <p:cond delay="499"/>
+                                          </p:stCondLst>
+                                        </p:cTn>
+                                        <p:tgtEl>
+                                          <p:spTgt spid="80"/>
+                                        </p:tgtEl>
+                                        <p:attrNameLst>
+                                          <p:attrName>style.visibility</p:attrName>
+                                        </p:attrNameLst>
+                                      </p:cBhvr>
+                                      <p:to>
+                                        <p:strVal val="hidden"/>
+                                      </p:to>
+                                    </p:set>
+                                  </p:childTnLst>
+                                </p:cTn>
+                              </p:par>
+                              <p:par>
+                                <p:cTn id="166" presetID="10" presetClass="exit" presetSubtype="0" fill="hold" grpId="0" nodeType="withEffect">
+                                  <p:stCondLst>
+                                    <p:cond delay="0"/>
+                                  </p:stCondLst>
+                                  <p:childTnLst>
+                                    <p:animEffect transition="out" filter="fade">
+                                      <p:cBhvr>
+                                        <p:cTn id="167" dur="500"/>
+                                        <p:tgtEl>
+                                          <p:spTgt spid="34"/>
+                                        </p:tgtEl>
+                                      </p:cBhvr>
+                                    </p:animEffect>
+                                    <p:set>
+                                      <p:cBhvr>
+                                        <p:cTn id="168" dur="1" fill="hold">
+                                          <p:stCondLst>
+                                            <p:cond delay="499"/>
+                                          </p:stCondLst>
+                                        </p:cTn>
+                                        <p:tgtEl>
+                                          <p:spTgt spid="34"/>
+                                        </p:tgtEl>
+                                        <p:attrNameLst>
+                                          <p:attrName>style.visibility</p:attrName>
+                                        </p:attrNameLst>
+                                      </p:cBhvr>
+                                      <p:to>
+                                        <p:strVal val="hidden"/>
+                                      </p:to>
+                                    </p:set>
+                                  </p:childTnLst>
+                                </p:cTn>
+                              </p:par>
+                            </p:childTnLst>
+                          </p:cTn>
+                        </p:par>
+                      </p:childTnLst>
+                    </p:cTn>
+                  </p:par>
+                  <p:par>
+                    <p:cTn id="169" fill="hold">
+                      <p:stCondLst>
+                        <p:cond delay="indefinite"/>
+                      </p:stCondLst>
+                      <p:childTnLst>
+                        <p:par>
+                          <p:cTn id="170" fill="hold">
+                            <p:stCondLst>
+                              <p:cond delay="0"/>
+                            </p:stCondLst>
+                            <p:childTnLst>
+                              <p:par>
+                                <p:cTn id="171" presetID="10" presetClass="entr" presetSubtype="0" fill="hold" grpId="0" nodeType="clickEffect">
+                                  <p:stCondLst>
+                                    <p:cond delay="0"/>
+                                  </p:stCondLst>
+                                  <p:childTnLst>
+                                    <p:set>
+                                      <p:cBhvr>
+                                        <p:cTn id="172" dur="1" fill="hold">
+                                          <p:stCondLst>
+                                            <p:cond delay="0"/>
+                                          </p:stCondLst>
+                                        </p:cTn>
+                                        <p:tgtEl>
+                                          <p:spTgt spid="62"/>
+                                        </p:tgtEl>
+                                        <p:attrNameLst>
+                                          <p:attrName>style.visibility</p:attrName>
+                                        </p:attrNameLst>
+                                      </p:cBhvr>
+                                      <p:to>
+                                        <p:strVal val="visible"/>
+                                      </p:to>
+                                    </p:set>
+                                    <p:animEffect transition="in" filter="fade">
+                                      <p:cBhvr>
+                                        <p:cTn id="173" dur="500"/>
+                                        <p:tgtEl>
+                                          <p:spTgt spid="62"/>
+                                        </p:tgtEl>
+                                      </p:cBhvr>
+                                    </p:animEffect>
+                                  </p:childTnLst>
+                                </p:cTn>
+                              </p:par>
+                              <p:par>
+                                <p:cTn id="174" presetID="10" presetClass="entr" presetSubtype="0" fill="hold" grpId="0" nodeType="withEffect">
+                                  <p:stCondLst>
+                                    <p:cond delay="0"/>
+                                  </p:stCondLst>
+                                  <p:childTnLst>
+                                    <p:set>
+                                      <p:cBhvr>
+                                        <p:cTn id="175" dur="1" fill="hold">
+                                          <p:stCondLst>
+                                            <p:cond delay="0"/>
+                                          </p:stCondLst>
+                                        </p:cTn>
+                                        <p:tgtEl>
+                                          <p:spTgt spid="81"/>
+                                        </p:tgtEl>
+                                        <p:attrNameLst>
+                                          <p:attrName>style.visibility</p:attrName>
+                                        </p:attrNameLst>
+                                      </p:cBhvr>
+                                      <p:to>
+                                        <p:strVal val="visible"/>
+                                      </p:to>
+                                    </p:set>
+                                    <p:animEffect transition="in" filter="fade">
+                                      <p:cBhvr>
+                                        <p:cTn id="176" dur="500"/>
+                                        <p:tgtEl>
+                                          <p:spTgt spid="81"/>
                                         </p:tgtEl>
                                       </p:cBhvr>
                                     </p:animEffect>
@@ -24867,40 +25275,40 @@
                     </p:cTn>
                   </p:par>
                   <p:par>
-                    <p:cTn id="142" fill="hold">
+                    <p:cTn id="177" fill="hold">
                       <p:stCondLst>
                         <p:cond delay="indefinite"/>
                       </p:stCondLst>
                       <p:childTnLst>
                         <p:par>
-                          <p:cTn id="143" fill="hold">
+                          <p:cTn id="178" fill="hold">
                             <p:stCondLst>
                               <p:cond delay="0"/>
                             </p:stCondLst>
                             <p:childTnLst>
                               <p:par>
-                                <p:cTn id="144" presetID="10" presetClass="exit" presetSubtype="0" fill="hold" grpId="1" nodeType="clickEffect">
+                                <p:cTn id="179" presetID="10" presetClass="exit" presetSubtype="0" fill="hold" grpId="1" nodeType="clickEffect">
                                   <p:stCondLst>
                                     <p:cond delay="0"/>
                                   </p:stCondLst>
                                   <p:childTnLst>
                                     <p:animEffect transition="out" filter="fade">
                                       <p:cBhvr>
-                                        <p:cTn id="145" dur="500"/>
-                                        <p:tgtEl>
-                                          <p:spTgt spid="61"/>
+                                        <p:cTn id="180" dur="500"/>
+                                        <p:tgtEl>
+                                          <p:spTgt spid="62"/>
                                         </p:tgtEl>
                                       </p:cBhvr>
                                     </p:animEffect>
                                     <p:set>
                                       <p:cBhvr>
-                                        <p:cTn id="146" dur="1" fill="hold">
+                                        <p:cTn id="181" dur="1" fill="hold">
                                           <p:stCondLst>
                                             <p:cond delay="499"/>
                                           </p:stCondLst>
                                         </p:cTn>
                                         <p:tgtEl>
-                                          <p:spTgt spid="61"/>
+                                          <p:spTgt spid="62"/>
                                         </p:tgtEl>
                                         <p:attrNameLst>
                                           <p:attrName>style.visibility</p:attrName>
@@ -24914,28 +25322,28 @@
                                 </p:cTn>
                               </p:par>
                               <p:par>
-                                <p:cTn id="147" presetID="10" presetClass="exit" presetSubtype="0" fill="hold" grpId="1" nodeType="withEffect">
+                                <p:cTn id="182" presetID="10" presetClass="exit" presetSubtype="0" fill="hold" grpId="1" nodeType="withEffect">
                                   <p:stCondLst>
                                     <p:cond delay="0"/>
                                   </p:stCondLst>
                                   <p:childTnLst>
                                     <p:animEffect transition="out" filter="fade">
                                       <p:cBhvr>
-                                        <p:cTn id="148" dur="500"/>
-                                        <p:tgtEl>
-                                          <p:spTgt spid="79"/>
+                                        <p:cTn id="183" dur="500"/>
+                                        <p:tgtEl>
+                                          <p:spTgt spid="81"/>
                                         </p:tgtEl>
                                       </p:cBhvr>
                                     </p:animEffect>
                                     <p:set>
                                       <p:cBhvr>
-                                        <p:cTn id="149" dur="1" fill="hold">
+                                        <p:cTn id="184" dur="1" fill="hold">
                                           <p:stCondLst>
                                             <p:cond delay="499"/>
                                           </p:stCondLst>
                                         </p:cTn>
                                         <p:tgtEl>
-                                          <p:spTgt spid="79"/>
+                                          <p:spTgt spid="81"/>
                                         </p:tgtEl>
                                         <p:attrNameLst>
                                           <p:attrName>style.visibility</p:attrName>
@@ -24949,28 +25357,28 @@
                                 </p:cTn>
                               </p:par>
                               <p:par>
-                                <p:cTn id="150" presetID="10" presetClass="exit" presetSubtype="0" fill="hold" grpId="0" nodeType="withEffect">
+                                <p:cTn id="185" presetID="10" presetClass="exit" presetSubtype="0" fill="hold" grpId="0" nodeType="withEffect">
                                   <p:stCondLst>
                                     <p:cond delay="0"/>
                                   </p:stCondLst>
                                   <p:childTnLst>
                                     <p:animEffect transition="out" filter="fade">
                                       <p:cBhvr>
-                                        <p:cTn id="151" dur="500"/>
-                                        <p:tgtEl>
-                                          <p:spTgt spid="28"/>
+                                        <p:cTn id="186" dur="500"/>
+                                        <p:tgtEl>
+                                          <p:spTgt spid="40"/>
                                         </p:tgtEl>
                                       </p:cBhvr>
                                     </p:animEffect>
                                     <p:set>
                                       <p:cBhvr>
-                                        <p:cTn id="152" dur="1" fill="hold">
+                                        <p:cTn id="187" dur="1" fill="hold">
                                           <p:stCondLst>
                                             <p:cond delay="499"/>
                                           </p:stCondLst>
                                         </p:cTn>
                                         <p:tgtEl>
-                                          <p:spTgt spid="28"/>
+                                          <p:spTgt spid="40"/>
                                         </p:tgtEl>
                                         <p:attrNameLst>
                                           <p:attrName>style.visibility</p:attrName>
@@ -24990,32 +25398,32 @@
                     </p:cTn>
                   </p:par>
                   <p:par>
-                    <p:cTn id="153" fill="hold">
+                    <p:cTn id="188" fill="hold">
                       <p:stCondLst>
                         <p:cond delay="indefinite"/>
                       </p:stCondLst>
                       <p:childTnLst>
                         <p:par>
-                          <p:cTn id="154" fill="hold">
+                          <p:cTn id="189" fill="hold">
                             <p:stCondLst>
                               <p:cond delay="0"/>
                             </p:stCondLst>
                             <p:childTnLst>
                               <p:par>
-                                <p:cTn id="155" presetID="10" presetClass="entr" presetSubtype="0" fill="hold" grpId="0" nodeType="clickEffect">
+                                <p:cTn id="190" presetID="10" presetClass="entr" presetSubtype="0" fill="hold" grpId="0" nodeType="clickEffect">
                                   <p:stCondLst>
                                     <p:cond delay="0"/>
                                   </p:stCondLst>
                                   <p:childTnLst>
                                     <p:set>
                                       <p:cBhvr>
-                                        <p:cTn id="156" dur="1" fill="hold">
+                                        <p:cTn id="191" dur="1" fill="hold">
                                           <p:stCondLst>
                                             <p:cond delay="0"/>
                                           </p:stCondLst>
                                         </p:cTn>
                                         <p:tgtEl>
-                                          <p:spTgt spid="60"/>
+                                          <p:spTgt spid="63"/>
                                         </p:tgtEl>
                                         <p:attrNameLst>
                                           <p:attrName>style.visibility</p:attrName>
@@ -25027,44 +25435,9 @@
                                     </p:set>
                                     <p:animEffect transition="in" filter="fade">
                                       <p:cBhvr>
-                                        <p:cTn id="157" dur="500"/>
-                                        <p:tgtEl>
-                                          <p:spTgt spid="60"/>
-                                        </p:tgtEl>
-                                      </p:cBhvr>
-                                    </p:animEffect>
-                                  </p:childTnLst>
-                                </p:cTn>
-                              </p:par>
-                              <p:par>
-                                <p:cTn id="158" presetID="10" presetClass="entr" presetSubtype="0" fill="hold" grpId="0" nodeType="withEffect">
-                                  <p:stCondLst>
-                                    <p:cond delay="0"/>
-                                  </p:stCondLst>
-                                  <p:childTnLst>
-                                    <p:set>
-                                      <p:cBhvr>
-                                        <p:cTn id="159" dur="1" fill="hold">
-                                          <p:stCondLst>
-                                            <p:cond delay="0"/>
-                                          </p:stCondLst>
-                                        </p:cTn>
-                                        <p:tgtEl>
-                                          <p:spTgt spid="80"/>
-                                        </p:tgtEl>
-                                        <p:attrNameLst>
-                                          <p:attrName>style.visibility</p:attrName>
-                                        </p:attrNameLst>
-                                      </p:cBhvr>
-                                      <p:to>
-                                        <p:strVal val="visible"/>
-                                      </p:to>
-                                    </p:set>
-                                    <p:animEffect transition="in" filter="fade">
-                                      <p:cBhvr>
-                                        <p:cTn id="160" dur="500"/>
-                                        <p:tgtEl>
-                                          <p:spTgt spid="80"/>
+                                        <p:cTn id="192" dur="500"/>
+                                        <p:tgtEl>
+                                          <p:spTgt spid="63"/>
                                         </p:tgtEl>
                                       </p:cBhvr>
                                     </p:animEffect>
@@ -25074,44 +25447,35 @@
                             </p:childTnLst>
                           </p:cTn>
                         </p:par>
-                      </p:childTnLst>
-                    </p:cTn>
-                  </p:par>
-                  <p:par>
-                    <p:cTn id="161" fill="hold">
-                      <p:stCondLst>
-                        <p:cond delay="indefinite"/>
-                      </p:stCondLst>
-                      <p:childTnLst>
                         <p:par>
-                          <p:cTn id="162" fill="hold">
+                          <p:cTn id="193" fill="hold">
                             <p:stCondLst>
-                              <p:cond delay="0"/>
+                              <p:cond delay="500"/>
                             </p:stCondLst>
                             <p:childTnLst>
                               <p:par>
-                                <p:cTn id="163" presetID="10" presetClass="exit" presetSubtype="0" fill="hold" grpId="1" nodeType="clickEffect">
+                                <p:cTn id="194" presetID="10" presetClass="exit" presetSubtype="0" fill="hold" grpId="1" nodeType="afterEffect">
                                   <p:stCondLst>
                                     <p:cond delay="0"/>
                                   </p:stCondLst>
                                   <p:childTnLst>
                                     <p:animEffect transition="out" filter="fade">
                                       <p:cBhvr>
-                                        <p:cTn id="164" dur="500"/>
-                                        <p:tgtEl>
-                                          <p:spTgt spid="60"/>
+                                        <p:cTn id="195" dur="500"/>
+                                        <p:tgtEl>
+                                          <p:spTgt spid="63"/>
                                         </p:tgtEl>
                                       </p:cBhvr>
                                     </p:animEffect>
                                     <p:set>
                                       <p:cBhvr>
-                                        <p:cTn id="165" dur="1" fill="hold">
+                                        <p:cTn id="196" dur="1" fill="hold">
                                           <p:stCondLst>
                                             <p:cond delay="499"/>
                                           </p:stCondLst>
                                         </p:cTn>
                                         <p:tgtEl>
-                                          <p:spTgt spid="60"/>
+                                          <p:spTgt spid="63"/>
                                         </p:tgtEl>
                                         <p:attrNameLst>
                                           <p:attrName>style.visibility</p:attrName>
@@ -25125,63 +25489,28 @@
                                 </p:cTn>
                               </p:par>
                               <p:par>
-                                <p:cTn id="166" presetID="10" presetClass="exit" presetSubtype="0" fill="hold" grpId="1" nodeType="withEffect">
+                                <p:cTn id="197" presetID="10" presetClass="exit" presetSubtype="0" fill="hold" grpId="0" nodeType="withEffect">
                                   <p:stCondLst>
                                     <p:cond delay="0"/>
                                   </p:stCondLst>
                                   <p:childTnLst>
                                     <p:animEffect transition="out" filter="fade">
                                       <p:cBhvr>
-                                        <p:cTn id="167" dur="500"/>
-                                        <p:tgtEl>
-                                          <p:spTgt spid="80"/>
+                                        <p:cTn id="198" dur="500"/>
+                                        <p:tgtEl>
+                                          <p:spTgt spid="10"/>
                                         </p:tgtEl>
                                       </p:cBhvr>
                                     </p:animEffect>
                                     <p:set>
                                       <p:cBhvr>
-                                        <p:cTn id="168" dur="1" fill="hold">
+                                        <p:cTn id="199" dur="1" fill="hold">
                                           <p:stCondLst>
                                             <p:cond delay="499"/>
                                           </p:stCondLst>
                                         </p:cTn>
                                         <p:tgtEl>
-                                          <p:spTgt spid="80"/>
-                                        </p:tgtEl>
-                                        <p:attrNameLst>
-                                          <p:attrName>style.visibility</p:attrName>
-                                        </p:attrNameLst>
-                                      </p:cBhvr>
-                                      <p:to>
-                                        <p:strVal val="hidden"/>
-                                      </p:to>
-                                    </p:set>
-                                  </p:childTnLst>
-                                </p:cTn>
-                              </p:par>
-                              <p:par>
-                                <p:cTn id="169" presetID="10" presetClass="exit" presetSubtype="0" fill="hold" grpId="0" nodeType="withEffect">
-                                  <p:stCondLst>
-                                    <p:cond delay="0"/>
-                                  </p:stCondLst>
-                                  <p:childTnLst>
-                                    <p:animEffect transition="out" filter="fade">
-                                      <p:cBhvr>
-                                        <p:cTn id="170" dur="500"/>
-                                        <p:tgtEl>
-                                          <p:spTgt spid="34"/>
-                                        </p:tgtEl>
-                                      </p:cBhvr>
-                                    </p:animEffect>
-                                    <p:set>
-                                      <p:cBhvr>
-                                        <p:cTn id="171" dur="1" fill="hold">
-                                          <p:stCondLst>
-                                            <p:cond delay="499"/>
-                                          </p:stCondLst>
-                                        </p:cTn>
-                                        <p:tgtEl>
-                                          <p:spTgt spid="34"/>
+                                          <p:spTgt spid="10"/>
                                         </p:tgtEl>
                                         <p:attrNameLst>
                                           <p:attrName>style.visibility</p:attrName>
@@ -25197,36 +25526,27 @@
                             </p:childTnLst>
                           </p:cTn>
                         </p:par>
-                      </p:childTnLst>
-                    </p:cTn>
-                  </p:par>
-                  <p:par>
-                    <p:cTn id="172" fill="hold">
-                      <p:stCondLst>
-                        <p:cond delay="indefinite"/>
-                      </p:stCondLst>
-                      <p:childTnLst>
                         <p:par>
-                          <p:cTn id="173" fill="hold">
+                          <p:cTn id="200" fill="hold">
                             <p:stCondLst>
-                              <p:cond delay="0"/>
+                              <p:cond delay="1000"/>
                             </p:stCondLst>
                             <p:childTnLst>
                               <p:par>
-                                <p:cTn id="174" presetID="10" presetClass="entr" presetSubtype="0" fill="hold" grpId="0" nodeType="clickEffect">
+                                <p:cTn id="201" presetID="10" presetClass="entr" presetSubtype="0" fill="hold" grpId="0" nodeType="afterEffect">
                                   <p:stCondLst>
                                     <p:cond delay="0"/>
                                   </p:stCondLst>
                                   <p:childTnLst>
                                     <p:set>
                                       <p:cBhvr>
-                                        <p:cTn id="175" dur="1" fill="hold">
+                                        <p:cTn id="202" dur="1" fill="hold">
                                           <p:stCondLst>
                                             <p:cond delay="0"/>
                                           </p:stCondLst>
                                         </p:cTn>
                                         <p:tgtEl>
-                                          <p:spTgt spid="62"/>
+                                          <p:spTgt spid="64"/>
                                         </p:tgtEl>
                                         <p:attrNameLst>
                                           <p:attrName>style.visibility</p:attrName>
@@ -25238,44 +25558,9 @@
                                     </p:set>
                                     <p:animEffect transition="in" filter="fade">
                                       <p:cBhvr>
-                                        <p:cTn id="176" dur="500"/>
-                                        <p:tgtEl>
-                                          <p:spTgt spid="62"/>
-                                        </p:tgtEl>
-                                      </p:cBhvr>
-                                    </p:animEffect>
-                                  </p:childTnLst>
-                                </p:cTn>
-                              </p:par>
-                              <p:par>
-                                <p:cTn id="177" presetID="10" presetClass="entr" presetSubtype="0" fill="hold" grpId="0" nodeType="withEffect">
-                                  <p:stCondLst>
-                                    <p:cond delay="0"/>
-                                  </p:stCondLst>
-                                  <p:childTnLst>
-                                    <p:set>
-                                      <p:cBhvr>
-                                        <p:cTn id="178" dur="1" fill="hold">
-                                          <p:stCondLst>
-                                            <p:cond delay="0"/>
-                                          </p:stCondLst>
-                                        </p:cTn>
-                                        <p:tgtEl>
-                                          <p:spTgt spid="81"/>
-                                        </p:tgtEl>
-                                        <p:attrNameLst>
-                                          <p:attrName>style.visibility</p:attrName>
-                                        </p:attrNameLst>
-                                      </p:cBhvr>
-                                      <p:to>
-                                        <p:strVal val="visible"/>
-                                      </p:to>
-                                    </p:set>
-                                    <p:animEffect transition="in" filter="fade">
-                                      <p:cBhvr>
-                                        <p:cTn id="179" dur="500"/>
-                                        <p:tgtEl>
-                                          <p:spTgt spid="81"/>
+                                        <p:cTn id="203" dur="500"/>
+                                        <p:tgtEl>
+                                          <p:spTgt spid="64"/>
                                         </p:tgtEl>
                                       </p:cBhvr>
                                     </p:animEffect>
@@ -25285,44 +25570,35 @@
                             </p:childTnLst>
                           </p:cTn>
                         </p:par>
-                      </p:childTnLst>
-                    </p:cTn>
-                  </p:par>
-                  <p:par>
-                    <p:cTn id="180" fill="hold">
-                      <p:stCondLst>
-                        <p:cond delay="indefinite"/>
-                      </p:stCondLst>
-                      <p:childTnLst>
                         <p:par>
-                          <p:cTn id="181" fill="hold">
+                          <p:cTn id="204" fill="hold">
                             <p:stCondLst>
-                              <p:cond delay="0"/>
+                              <p:cond delay="1500"/>
                             </p:stCondLst>
                             <p:childTnLst>
                               <p:par>
-                                <p:cTn id="182" presetID="10" presetClass="exit" presetSubtype="0" fill="hold" grpId="1" nodeType="clickEffect">
+                                <p:cTn id="205" presetID="10" presetClass="exit" presetSubtype="0" fill="hold" grpId="1" nodeType="afterEffect">
                                   <p:stCondLst>
                                     <p:cond delay="0"/>
                                   </p:stCondLst>
                                   <p:childTnLst>
                                     <p:animEffect transition="out" filter="fade">
                                       <p:cBhvr>
-                                        <p:cTn id="183" dur="500"/>
-                                        <p:tgtEl>
-                                          <p:spTgt spid="62"/>
+                                        <p:cTn id="206" dur="500"/>
+                                        <p:tgtEl>
+                                          <p:spTgt spid="64"/>
                                         </p:tgtEl>
                                       </p:cBhvr>
                                     </p:animEffect>
                                     <p:set>
                                       <p:cBhvr>
-                                        <p:cTn id="184" dur="1" fill="hold">
+                                        <p:cTn id="207" dur="1" fill="hold">
                                           <p:stCondLst>
                                             <p:cond delay="499"/>
                                           </p:stCondLst>
                                         </p:cTn>
                                         <p:tgtEl>
-                                          <p:spTgt spid="62"/>
+                                          <p:spTgt spid="64"/>
                                         </p:tgtEl>
                                         <p:attrNameLst>
                                           <p:attrName>style.visibility</p:attrName>
@@ -25336,63 +25612,28 @@
                                 </p:cTn>
                               </p:par>
                               <p:par>
-                                <p:cTn id="185" presetID="10" presetClass="exit" presetSubtype="0" fill="hold" grpId="1" nodeType="withEffect">
+                                <p:cTn id="208" presetID="10" presetClass="exit" presetSubtype="0" fill="hold" grpId="0" nodeType="withEffect">
                                   <p:stCondLst>
                                     <p:cond delay="0"/>
                                   </p:stCondLst>
                                   <p:childTnLst>
                                     <p:animEffect transition="out" filter="fade">
                                       <p:cBhvr>
-                                        <p:cTn id="186" dur="500"/>
-                                        <p:tgtEl>
-                                          <p:spTgt spid="81"/>
+                                        <p:cTn id="209" dur="500"/>
+                                        <p:tgtEl>
+                                          <p:spTgt spid="23"/>
                                         </p:tgtEl>
                                       </p:cBhvr>
                                     </p:animEffect>
                                     <p:set>
                                       <p:cBhvr>
-                                        <p:cTn id="187" dur="1" fill="hold">
+                                        <p:cTn id="210" dur="1" fill="hold">
                                           <p:stCondLst>
                                             <p:cond delay="499"/>
                                           </p:stCondLst>
                                         </p:cTn>
                                         <p:tgtEl>
-                                          <p:spTgt spid="81"/>
-                                        </p:tgtEl>
-                                        <p:attrNameLst>
-                                          <p:attrName>style.visibility</p:attrName>
-                                        </p:attrNameLst>
-                                      </p:cBhvr>
-                                      <p:to>
-                                        <p:strVal val="hidden"/>
-                                      </p:to>
-                                    </p:set>
-                                  </p:childTnLst>
-                                </p:cTn>
-                              </p:par>
-                              <p:par>
-                                <p:cTn id="188" presetID="10" presetClass="exit" presetSubtype="0" fill="hold" grpId="0" nodeType="withEffect">
-                                  <p:stCondLst>
-                                    <p:cond delay="0"/>
-                                  </p:stCondLst>
-                                  <p:childTnLst>
-                                    <p:animEffect transition="out" filter="fade">
-                                      <p:cBhvr>
-                                        <p:cTn id="189" dur="500"/>
-                                        <p:tgtEl>
-                                          <p:spTgt spid="40"/>
-                                        </p:tgtEl>
-                                      </p:cBhvr>
-                                    </p:animEffect>
-                                    <p:set>
-                                      <p:cBhvr>
-                                        <p:cTn id="190" dur="1" fill="hold">
-                                          <p:stCondLst>
-                                            <p:cond delay="499"/>
-                                          </p:stCondLst>
-                                        </p:cTn>
-                                        <p:tgtEl>
-                                          <p:spTgt spid="40"/>
+                                          <p:spTgt spid="23"/>
                                         </p:tgtEl>
                                         <p:attrNameLst>
                                           <p:attrName>style.visibility</p:attrName>
@@ -25408,36 +25649,27 @@
                             </p:childTnLst>
                           </p:cTn>
                         </p:par>
-                      </p:childTnLst>
-                    </p:cTn>
-                  </p:par>
-                  <p:par>
-                    <p:cTn id="191" fill="hold">
-                      <p:stCondLst>
-                        <p:cond delay="indefinite"/>
-                      </p:stCondLst>
-                      <p:childTnLst>
                         <p:par>
-                          <p:cTn id="192" fill="hold">
+                          <p:cTn id="211" fill="hold">
                             <p:stCondLst>
-                              <p:cond delay="0"/>
+                              <p:cond delay="2000"/>
                             </p:stCondLst>
                             <p:childTnLst>
                               <p:par>
-                                <p:cTn id="193" presetID="10" presetClass="entr" presetSubtype="0" fill="hold" grpId="0" nodeType="clickEffect">
+                                <p:cTn id="212" presetID="10" presetClass="entr" presetSubtype="0" fill="hold" grpId="0" nodeType="afterEffect">
                                   <p:stCondLst>
                                     <p:cond delay="0"/>
                                   </p:stCondLst>
                                   <p:childTnLst>
                                     <p:set>
                                       <p:cBhvr>
-                                        <p:cTn id="194" dur="1" fill="hold">
+                                        <p:cTn id="213" dur="1" fill="hold">
                                           <p:stCondLst>
                                             <p:cond delay="0"/>
                                           </p:stCondLst>
                                         </p:cTn>
                                         <p:tgtEl>
-                                          <p:spTgt spid="63"/>
+                                          <p:spTgt spid="82"/>
                                         </p:tgtEl>
                                         <p:attrNameLst>
                                           <p:attrName>style.visibility</p:attrName>
@@ -25449,9 +25681,44 @@
                                     </p:set>
                                     <p:animEffect transition="in" filter="fade">
                                       <p:cBhvr>
-                                        <p:cTn id="195" dur="500"/>
-                                        <p:tgtEl>
-                                          <p:spTgt spid="63"/>
+                                        <p:cTn id="214" dur="500"/>
+                                        <p:tgtEl>
+                                          <p:spTgt spid="82"/>
+                                        </p:tgtEl>
+                                      </p:cBhvr>
+                                    </p:animEffect>
+                                  </p:childTnLst>
+                                </p:cTn>
+                              </p:par>
+                              <p:par>
+                                <p:cTn id="215" presetID="10" presetClass="entr" presetSubtype="0" fill="hold" grpId="0" nodeType="withEffect">
+                                  <p:stCondLst>
+                                    <p:cond delay="0"/>
+                                  </p:stCondLst>
+                                  <p:childTnLst>
+                                    <p:set>
+                                      <p:cBhvr>
+                                        <p:cTn id="216" dur="1" fill="hold">
+                                          <p:stCondLst>
+                                            <p:cond delay="0"/>
+                                          </p:stCondLst>
+                                        </p:cTn>
+                                        <p:tgtEl>
+                                          <p:spTgt spid="66"/>
+                                        </p:tgtEl>
+                                        <p:attrNameLst>
+                                          <p:attrName>style.visibility</p:attrName>
+                                        </p:attrNameLst>
+                                      </p:cBhvr>
+                                      <p:to>
+                                        <p:strVal val="visible"/>
+                                      </p:to>
+                                    </p:set>
+                                    <p:animEffect transition="in" filter="fade">
+                                      <p:cBhvr>
+                                        <p:cTn id="217" dur="500"/>
+                                        <p:tgtEl>
+                                          <p:spTgt spid="66"/>
                                         </p:tgtEl>
                                       </p:cBhvr>
                                     </p:animEffect>
@@ -25461,44 +25728,35 @@
                             </p:childTnLst>
                           </p:cTn>
                         </p:par>
-                      </p:childTnLst>
-                    </p:cTn>
-                  </p:par>
-                  <p:par>
-                    <p:cTn id="196" fill="hold">
-                      <p:stCondLst>
-                        <p:cond delay="indefinite"/>
-                      </p:stCondLst>
-                      <p:childTnLst>
                         <p:par>
-                          <p:cTn id="197" fill="hold">
+                          <p:cTn id="218" fill="hold">
                             <p:stCondLst>
-                              <p:cond delay="0"/>
+                              <p:cond delay="2500"/>
                             </p:stCondLst>
                             <p:childTnLst>
                               <p:par>
-                                <p:cTn id="198" presetID="10" presetClass="exit" presetSubtype="0" fill="hold" grpId="1" nodeType="clickEffect">
+                                <p:cTn id="219" presetID="10" presetClass="exit" presetSubtype="0" fill="hold" grpId="1" nodeType="afterEffect">
                                   <p:stCondLst>
                                     <p:cond delay="0"/>
                                   </p:stCondLst>
                                   <p:childTnLst>
                                     <p:animEffect transition="out" filter="fade">
                                       <p:cBhvr>
-                                        <p:cTn id="199" dur="500"/>
-                                        <p:tgtEl>
-                                          <p:spTgt spid="63"/>
+                                        <p:cTn id="220" dur="500"/>
+                                        <p:tgtEl>
+                                          <p:spTgt spid="82"/>
                                         </p:tgtEl>
                                       </p:cBhvr>
                                     </p:animEffect>
                                     <p:set>
                                       <p:cBhvr>
-                                        <p:cTn id="200" dur="1" fill="hold">
+                                        <p:cTn id="221" dur="1" fill="hold">
                                           <p:stCondLst>
                                             <p:cond delay="499"/>
                                           </p:stCondLst>
                                         </p:cTn>
                                         <p:tgtEl>
-                                          <p:spTgt spid="63"/>
+                                          <p:spTgt spid="82"/>
                                         </p:tgtEl>
                                         <p:attrNameLst>
                                           <p:attrName>style.visibility</p:attrName>
@@ -25512,28 +25770,63 @@
                                 </p:cTn>
                               </p:par>
                               <p:par>
-                                <p:cTn id="201" presetID="10" presetClass="exit" presetSubtype="0" fill="hold" grpId="0" nodeType="withEffect">
+                                <p:cTn id="222" presetID="10" presetClass="exit" presetSubtype="0" fill="hold" grpId="1" nodeType="withEffect">
                                   <p:stCondLst>
                                     <p:cond delay="0"/>
                                   </p:stCondLst>
                                   <p:childTnLst>
                                     <p:animEffect transition="out" filter="fade">
                                       <p:cBhvr>
-                                        <p:cTn id="202" dur="500"/>
-                                        <p:tgtEl>
-                                          <p:spTgt spid="10"/>
+                                        <p:cTn id="223" dur="500"/>
+                                        <p:tgtEl>
+                                          <p:spTgt spid="66"/>
                                         </p:tgtEl>
                                       </p:cBhvr>
                                     </p:animEffect>
                                     <p:set>
                                       <p:cBhvr>
-                                        <p:cTn id="203" dur="1" fill="hold">
+                                        <p:cTn id="224" dur="1" fill="hold">
                                           <p:stCondLst>
                                             <p:cond delay="499"/>
                                           </p:stCondLst>
                                         </p:cTn>
                                         <p:tgtEl>
-                                          <p:spTgt spid="10"/>
+                                          <p:spTgt spid="66"/>
+                                        </p:tgtEl>
+                                        <p:attrNameLst>
+                                          <p:attrName>style.visibility</p:attrName>
+                                        </p:attrNameLst>
+                                      </p:cBhvr>
+                                      <p:to>
+                                        <p:strVal val="hidden"/>
+                                      </p:to>
+                                    </p:set>
+                                  </p:childTnLst>
+                                </p:cTn>
+                              </p:par>
+                              <p:par>
+                                <p:cTn id="225" presetID="10" presetClass="exit" presetSubtype="0" fill="hold" grpId="0" nodeType="withEffect">
+                                  <p:stCondLst>
+                                    <p:cond delay="0"/>
+                                  </p:stCondLst>
+                                  <p:childTnLst>
+                                    <p:animEffect transition="out" filter="fade">
+                                      <p:cBhvr>
+                                        <p:cTn id="226" dur="500"/>
+                                        <p:tgtEl>
+                                          <p:spTgt spid="29"/>
+                                        </p:tgtEl>
+                                      </p:cBhvr>
+                                    </p:animEffect>
+                                    <p:set>
+                                      <p:cBhvr>
+                                        <p:cTn id="227" dur="1" fill="hold">
+                                          <p:stCondLst>
+                                            <p:cond delay="499"/>
+                                          </p:stCondLst>
+                                        </p:cTn>
+                                        <p:tgtEl>
+                                          <p:spTgt spid="29"/>
                                         </p:tgtEl>
                                         <p:attrNameLst>
                                           <p:attrName>style.visibility</p:attrName>
@@ -25549,36 +25842,27 @@
                             </p:childTnLst>
                           </p:cTn>
                         </p:par>
-                      </p:childTnLst>
-                    </p:cTn>
-                  </p:par>
-                  <p:par>
-                    <p:cTn id="204" fill="hold">
-                      <p:stCondLst>
-                        <p:cond delay="indefinite"/>
-                      </p:stCondLst>
-                      <p:childTnLst>
                         <p:par>
-                          <p:cTn id="205" fill="hold">
+                          <p:cTn id="228" fill="hold">
                             <p:stCondLst>
-                              <p:cond delay="0"/>
+                              <p:cond delay="3000"/>
                             </p:stCondLst>
                             <p:childTnLst>
                               <p:par>
-                                <p:cTn id="206" presetID="10" presetClass="entr" presetSubtype="0" fill="hold" grpId="0" nodeType="clickEffect">
+                                <p:cTn id="229" presetID="10" presetClass="entr" presetSubtype="0" fill="hold" grpId="0" nodeType="afterEffect">
                                   <p:stCondLst>
                                     <p:cond delay="0"/>
                                   </p:stCondLst>
                                   <p:childTnLst>
                                     <p:set>
                                       <p:cBhvr>
-                                        <p:cTn id="207" dur="1" fill="hold">
+                                        <p:cTn id="230" dur="1" fill="hold">
                                           <p:stCondLst>
                                             <p:cond delay="0"/>
                                           </p:stCondLst>
                                         </p:cTn>
                                         <p:tgtEl>
-                                          <p:spTgt spid="64"/>
+                                          <p:spTgt spid="65"/>
                                         </p:tgtEl>
                                         <p:attrNameLst>
                                           <p:attrName>style.visibility</p:attrName>
@@ -25590,9 +25874,44 @@
                                     </p:set>
                                     <p:animEffect transition="in" filter="fade">
                                       <p:cBhvr>
-                                        <p:cTn id="208" dur="500"/>
-                                        <p:tgtEl>
-                                          <p:spTgt spid="64"/>
+                                        <p:cTn id="231" dur="500"/>
+                                        <p:tgtEl>
+                                          <p:spTgt spid="65"/>
+                                        </p:tgtEl>
+                                      </p:cBhvr>
+                                    </p:animEffect>
+                                  </p:childTnLst>
+                                </p:cTn>
+                              </p:par>
+                              <p:par>
+                                <p:cTn id="232" presetID="10" presetClass="entr" presetSubtype="0" fill="hold" grpId="0" nodeType="withEffect">
+                                  <p:stCondLst>
+                                    <p:cond delay="0"/>
+                                  </p:stCondLst>
+                                  <p:childTnLst>
+                                    <p:set>
+                                      <p:cBhvr>
+                                        <p:cTn id="233" dur="1" fill="hold">
+                                          <p:stCondLst>
+                                            <p:cond delay="0"/>
+                                          </p:stCondLst>
+                                        </p:cTn>
+                                        <p:tgtEl>
+                                          <p:spTgt spid="83"/>
+                                        </p:tgtEl>
+                                        <p:attrNameLst>
+                                          <p:attrName>style.visibility</p:attrName>
+                                        </p:attrNameLst>
+                                      </p:cBhvr>
+                                      <p:to>
+                                        <p:strVal val="visible"/>
+                                      </p:to>
+                                    </p:set>
+                                    <p:animEffect transition="in" filter="fade">
+                                      <p:cBhvr>
+                                        <p:cTn id="234" dur="500"/>
+                                        <p:tgtEl>
+                                          <p:spTgt spid="83"/>
                                         </p:tgtEl>
                                       </p:cBhvr>
                                     </p:animEffect>
@@ -25602,44 +25921,35 @@
                             </p:childTnLst>
                           </p:cTn>
                         </p:par>
-                      </p:childTnLst>
-                    </p:cTn>
-                  </p:par>
-                  <p:par>
-                    <p:cTn id="209" fill="hold">
-                      <p:stCondLst>
-                        <p:cond delay="indefinite"/>
-                      </p:stCondLst>
-                      <p:childTnLst>
                         <p:par>
-                          <p:cTn id="210" fill="hold">
+                          <p:cTn id="235" fill="hold">
                             <p:stCondLst>
-                              <p:cond delay="0"/>
+                              <p:cond delay="3500"/>
                             </p:stCondLst>
                             <p:childTnLst>
                               <p:par>
-                                <p:cTn id="211" presetID="10" presetClass="exit" presetSubtype="0" fill="hold" grpId="1" nodeType="clickEffect">
+                                <p:cTn id="236" presetID="10" presetClass="exit" presetSubtype="0" fill="hold" grpId="1" nodeType="afterEffect">
                                   <p:stCondLst>
                                     <p:cond delay="0"/>
                                   </p:stCondLst>
                                   <p:childTnLst>
                                     <p:animEffect transition="out" filter="fade">
                                       <p:cBhvr>
-                                        <p:cTn id="212" dur="500"/>
-                                        <p:tgtEl>
-                                          <p:spTgt spid="64"/>
+                                        <p:cTn id="237" dur="500"/>
+                                        <p:tgtEl>
+                                          <p:spTgt spid="65"/>
                                         </p:tgtEl>
                                       </p:cBhvr>
                                     </p:animEffect>
                                     <p:set>
                                       <p:cBhvr>
-                                        <p:cTn id="213" dur="1" fill="hold">
+                                        <p:cTn id="238" dur="1" fill="hold">
                                           <p:stCondLst>
                                             <p:cond delay="499"/>
                                           </p:stCondLst>
                                         </p:cTn>
                                         <p:tgtEl>
-                                          <p:spTgt spid="64"/>
+                                          <p:spTgt spid="65"/>
                                         </p:tgtEl>
                                         <p:attrNameLst>
                                           <p:attrName>style.visibility</p:attrName>
@@ -25653,28 +25963,63 @@
                                 </p:cTn>
                               </p:par>
                               <p:par>
-                                <p:cTn id="214" presetID="10" presetClass="exit" presetSubtype="0" fill="hold" grpId="0" nodeType="withEffect">
+                                <p:cTn id="239" presetID="10" presetClass="exit" presetSubtype="0" fill="hold" grpId="1" nodeType="withEffect">
                                   <p:stCondLst>
                                     <p:cond delay="0"/>
                                   </p:stCondLst>
                                   <p:childTnLst>
                                     <p:animEffect transition="out" filter="fade">
                                       <p:cBhvr>
-                                        <p:cTn id="215" dur="500"/>
-                                        <p:tgtEl>
-                                          <p:spTgt spid="23"/>
+                                        <p:cTn id="240" dur="500"/>
+                                        <p:tgtEl>
+                                          <p:spTgt spid="83"/>
                                         </p:tgtEl>
                                       </p:cBhvr>
                                     </p:animEffect>
                                     <p:set>
                                       <p:cBhvr>
-                                        <p:cTn id="216" dur="1" fill="hold">
+                                        <p:cTn id="241" dur="1" fill="hold">
                                           <p:stCondLst>
                                             <p:cond delay="499"/>
                                           </p:stCondLst>
                                         </p:cTn>
                                         <p:tgtEl>
-                                          <p:spTgt spid="23"/>
+                                          <p:spTgt spid="83"/>
+                                        </p:tgtEl>
+                                        <p:attrNameLst>
+                                          <p:attrName>style.visibility</p:attrName>
+                                        </p:attrNameLst>
+                                      </p:cBhvr>
+                                      <p:to>
+                                        <p:strVal val="hidden"/>
+                                      </p:to>
+                                    </p:set>
+                                  </p:childTnLst>
+                                </p:cTn>
+                              </p:par>
+                              <p:par>
+                                <p:cTn id="242" presetID="10" presetClass="exit" presetSubtype="0" fill="hold" grpId="0" nodeType="withEffect">
+                                  <p:stCondLst>
+                                    <p:cond delay="0"/>
+                                  </p:stCondLst>
+                                  <p:childTnLst>
+                                    <p:animEffect transition="out" filter="fade">
+                                      <p:cBhvr>
+                                        <p:cTn id="243" dur="500"/>
+                                        <p:tgtEl>
+                                          <p:spTgt spid="35"/>
+                                        </p:tgtEl>
+                                      </p:cBhvr>
+                                    </p:animEffect>
+                                    <p:set>
+                                      <p:cBhvr>
+                                        <p:cTn id="244" dur="1" fill="hold">
+                                          <p:stCondLst>
+                                            <p:cond delay="499"/>
+                                          </p:stCondLst>
+                                        </p:cTn>
+                                        <p:tgtEl>
+                                          <p:spTgt spid="35"/>
                                         </p:tgtEl>
                                         <p:attrNameLst>
                                           <p:attrName>style.visibility</p:attrName>
@@ -25690,36 +26035,27 @@
                             </p:childTnLst>
                           </p:cTn>
                         </p:par>
-                      </p:childTnLst>
-                    </p:cTn>
-                  </p:par>
-                  <p:par>
-                    <p:cTn id="217" fill="hold">
-                      <p:stCondLst>
-                        <p:cond delay="indefinite"/>
-                      </p:stCondLst>
-                      <p:childTnLst>
                         <p:par>
-                          <p:cTn id="218" fill="hold">
+                          <p:cTn id="245" fill="hold">
                             <p:stCondLst>
-                              <p:cond delay="0"/>
+                              <p:cond delay="4000"/>
                             </p:stCondLst>
                             <p:childTnLst>
                               <p:par>
-                                <p:cTn id="219" presetID="10" presetClass="entr" presetSubtype="0" fill="hold" grpId="0" nodeType="clickEffect">
+                                <p:cTn id="246" presetID="10" presetClass="entr" presetSubtype="0" fill="hold" grpId="0" nodeType="afterEffect">
                                   <p:stCondLst>
                                     <p:cond delay="0"/>
                                   </p:stCondLst>
                                   <p:childTnLst>
                                     <p:set>
                                       <p:cBhvr>
-                                        <p:cTn id="220" dur="1" fill="hold">
+                                        <p:cTn id="247" dur="1" fill="hold">
                                           <p:stCondLst>
                                             <p:cond delay="0"/>
                                           </p:stCondLst>
                                         </p:cTn>
                                         <p:tgtEl>
-                                          <p:spTgt spid="82"/>
+                                          <p:spTgt spid="67"/>
                                         </p:tgtEl>
                                         <p:attrNameLst>
                                           <p:attrName>style.visibility</p:attrName>
@@ -25731,9 +26067,9 @@
                                     </p:set>
                                     <p:animEffect transition="in" filter="fade">
                                       <p:cBhvr>
-                                        <p:cTn id="221" dur="500"/>
-                                        <p:tgtEl>
-                                          <p:spTgt spid="82"/>
+                                        <p:cTn id="248" dur="500"/>
+                                        <p:tgtEl>
+                                          <p:spTgt spid="67"/>
                                         </p:tgtEl>
                                       </p:cBhvr>
                                     </p:animEffect>
@@ -25741,20 +26077,20 @@
                                 </p:cTn>
                               </p:par>
                               <p:par>
-                                <p:cTn id="222" presetID="10" presetClass="entr" presetSubtype="0" fill="hold" grpId="0" nodeType="withEffect">
+                                <p:cTn id="249" presetID="10" presetClass="entr" presetSubtype="0" fill="hold" grpId="0" nodeType="withEffect">
                                   <p:stCondLst>
                                     <p:cond delay="0"/>
                                   </p:stCondLst>
                                   <p:childTnLst>
                                     <p:set>
                                       <p:cBhvr>
-                                        <p:cTn id="223" dur="1" fill="hold">
+                                        <p:cTn id="250" dur="1" fill="hold">
                                           <p:stCondLst>
                                             <p:cond delay="0"/>
                                           </p:stCondLst>
                                         </p:cTn>
                                         <p:tgtEl>
-                                          <p:spTgt spid="66"/>
+                                          <p:spTgt spid="84"/>
                                         </p:tgtEl>
                                         <p:attrNameLst>
                                           <p:attrName>style.visibility</p:attrName>
@@ -25766,9 +26102,9 @@
                                     </p:set>
                                     <p:animEffect transition="in" filter="fade">
                                       <p:cBhvr>
-                                        <p:cTn id="224" dur="500"/>
-                                        <p:tgtEl>
-                                          <p:spTgt spid="66"/>
+                                        <p:cTn id="251" dur="500"/>
+                                        <p:tgtEl>
+                                          <p:spTgt spid="84"/>
                                         </p:tgtEl>
                                       </p:cBhvr>
                                     </p:animEffect>
@@ -25778,44 +26114,35 @@
                             </p:childTnLst>
                           </p:cTn>
                         </p:par>
-                      </p:childTnLst>
-                    </p:cTn>
-                  </p:par>
-                  <p:par>
-                    <p:cTn id="225" fill="hold">
-                      <p:stCondLst>
-                        <p:cond delay="indefinite"/>
-                      </p:stCondLst>
-                      <p:childTnLst>
                         <p:par>
-                          <p:cTn id="226" fill="hold">
+                          <p:cTn id="252" fill="hold">
                             <p:stCondLst>
-                              <p:cond delay="0"/>
+                              <p:cond delay="4500"/>
                             </p:stCondLst>
                             <p:childTnLst>
                               <p:par>
-                                <p:cTn id="227" presetID="10" presetClass="exit" presetSubtype="0" fill="hold" grpId="1" nodeType="clickEffect">
+                                <p:cTn id="253" presetID="10" presetClass="exit" presetSubtype="0" fill="hold" grpId="1" nodeType="afterEffect">
                                   <p:stCondLst>
                                     <p:cond delay="0"/>
                                   </p:stCondLst>
                                   <p:childTnLst>
                                     <p:animEffect transition="out" filter="fade">
                                       <p:cBhvr>
-                                        <p:cTn id="228" dur="500"/>
-                                        <p:tgtEl>
-                                          <p:spTgt spid="82"/>
+                                        <p:cTn id="254" dur="500"/>
+                                        <p:tgtEl>
+                                          <p:spTgt spid="67"/>
                                         </p:tgtEl>
                                       </p:cBhvr>
                                     </p:animEffect>
                                     <p:set>
                                       <p:cBhvr>
-                                        <p:cTn id="229" dur="1" fill="hold">
+                                        <p:cTn id="255" dur="1" fill="hold">
                                           <p:stCondLst>
                                             <p:cond delay="499"/>
                                           </p:stCondLst>
                                         </p:cTn>
                                         <p:tgtEl>
-                                          <p:spTgt spid="82"/>
+                                          <p:spTgt spid="67"/>
                                         </p:tgtEl>
                                         <p:attrNameLst>
                                           <p:attrName>style.visibility</p:attrName>
@@ -25829,28 +26156,28 @@
                                 </p:cTn>
                               </p:par>
                               <p:par>
-                                <p:cTn id="230" presetID="10" presetClass="exit" presetSubtype="0" fill="hold" grpId="1" nodeType="withEffect">
+                                <p:cTn id="256" presetID="10" presetClass="exit" presetSubtype="0" fill="hold" grpId="1" nodeType="withEffect">
                                   <p:stCondLst>
                                     <p:cond delay="0"/>
                                   </p:stCondLst>
                                   <p:childTnLst>
                                     <p:animEffect transition="out" filter="fade">
                                       <p:cBhvr>
-                                        <p:cTn id="231" dur="500"/>
-                                        <p:tgtEl>
-                                          <p:spTgt spid="66"/>
+                                        <p:cTn id="257" dur="500"/>
+                                        <p:tgtEl>
+                                          <p:spTgt spid="84"/>
                                         </p:tgtEl>
                                       </p:cBhvr>
                                     </p:animEffect>
                                     <p:set>
                                       <p:cBhvr>
-                                        <p:cTn id="232" dur="1" fill="hold">
+                                        <p:cTn id="258" dur="1" fill="hold">
                                           <p:stCondLst>
                                             <p:cond delay="499"/>
                                           </p:stCondLst>
                                         </p:cTn>
                                         <p:tgtEl>
-                                          <p:spTgt spid="66"/>
+                                          <p:spTgt spid="84"/>
                                         </p:tgtEl>
                                         <p:attrNameLst>
                                           <p:attrName>style.visibility</p:attrName>
@@ -25864,28 +26191,28 @@
                                 </p:cTn>
                               </p:par>
                               <p:par>
-                                <p:cTn id="233" presetID="10" presetClass="exit" presetSubtype="0" fill="hold" grpId="0" nodeType="withEffect">
+                                <p:cTn id="259" presetID="10" presetClass="exit" presetSubtype="0" fill="hold" grpId="0" nodeType="withEffect">
                                   <p:stCondLst>
                                     <p:cond delay="0"/>
                                   </p:stCondLst>
                                   <p:childTnLst>
                                     <p:animEffect transition="out" filter="fade">
                                       <p:cBhvr>
-                                        <p:cTn id="234" dur="500"/>
-                                        <p:tgtEl>
-                                          <p:spTgt spid="29"/>
+                                        <p:cTn id="260" dur="500"/>
+                                        <p:tgtEl>
+                                          <p:spTgt spid="41"/>
                                         </p:tgtEl>
                                       </p:cBhvr>
                                     </p:animEffect>
                                     <p:set>
                                       <p:cBhvr>
-                                        <p:cTn id="235" dur="1" fill="hold">
+                                        <p:cTn id="261" dur="1" fill="hold">
                                           <p:stCondLst>
                                             <p:cond delay="499"/>
                                           </p:stCondLst>
                                         </p:cTn>
                                         <p:tgtEl>
-                                          <p:spTgt spid="29"/>
+                                          <p:spTgt spid="41"/>
                                         </p:tgtEl>
                                         <p:attrNameLst>
                                           <p:attrName>style.visibility</p:attrName>
@@ -25901,36 +26228,27 @@
                             </p:childTnLst>
                           </p:cTn>
                         </p:par>
-                      </p:childTnLst>
-                    </p:cTn>
-                  </p:par>
-                  <p:par>
-                    <p:cTn id="236" fill="hold">
-                      <p:stCondLst>
-                        <p:cond delay="indefinite"/>
-                      </p:stCondLst>
-                      <p:childTnLst>
                         <p:par>
-                          <p:cTn id="237" fill="hold">
+                          <p:cTn id="262" fill="hold">
                             <p:stCondLst>
-                              <p:cond delay="0"/>
+                              <p:cond delay="5000"/>
                             </p:stCondLst>
                             <p:childTnLst>
                               <p:par>
-                                <p:cTn id="238" presetID="10" presetClass="entr" presetSubtype="0" fill="hold" grpId="0" nodeType="clickEffect">
+                                <p:cTn id="263" presetID="10" presetClass="entr" presetSubtype="0" fill="hold" grpId="0" nodeType="afterEffect">
                                   <p:stCondLst>
                                     <p:cond delay="0"/>
                                   </p:stCondLst>
                                   <p:childTnLst>
                                     <p:set>
                                       <p:cBhvr>
-                                        <p:cTn id="239" dur="1" fill="hold">
+                                        <p:cTn id="264" dur="1" fill="hold">
                                           <p:stCondLst>
                                             <p:cond delay="0"/>
                                           </p:stCondLst>
                                         </p:cTn>
                                         <p:tgtEl>
-                                          <p:spTgt spid="65"/>
+                                          <p:spTgt spid="68"/>
                                         </p:tgtEl>
                                         <p:attrNameLst>
                                           <p:attrName>style.visibility</p:attrName>
@@ -25942,44 +26260,9 @@
                                     </p:set>
                                     <p:animEffect transition="in" filter="fade">
                                       <p:cBhvr>
-                                        <p:cTn id="240" dur="500"/>
-                                        <p:tgtEl>
-                                          <p:spTgt spid="65"/>
-                                        </p:tgtEl>
-                                      </p:cBhvr>
-                                    </p:animEffect>
-                                  </p:childTnLst>
-                                </p:cTn>
-                              </p:par>
-                              <p:par>
-                                <p:cTn id="241" presetID="10" presetClass="entr" presetSubtype="0" fill="hold" grpId="0" nodeType="withEffect">
-                                  <p:stCondLst>
-                                    <p:cond delay="0"/>
-                                  </p:stCondLst>
-                                  <p:childTnLst>
-                                    <p:set>
-                                      <p:cBhvr>
-                                        <p:cTn id="242" dur="1" fill="hold">
-                                          <p:stCondLst>
-                                            <p:cond delay="0"/>
-                                          </p:stCondLst>
-                                        </p:cTn>
-                                        <p:tgtEl>
-                                          <p:spTgt spid="83"/>
-                                        </p:tgtEl>
-                                        <p:attrNameLst>
-                                          <p:attrName>style.visibility</p:attrName>
-                                        </p:attrNameLst>
-                                      </p:cBhvr>
-                                      <p:to>
-                                        <p:strVal val="visible"/>
-                                      </p:to>
-                                    </p:set>
-                                    <p:animEffect transition="in" filter="fade">
-                                      <p:cBhvr>
-                                        <p:cTn id="243" dur="500"/>
-                                        <p:tgtEl>
-                                          <p:spTgt spid="83"/>
+                                        <p:cTn id="265" dur="500"/>
+                                        <p:tgtEl>
+                                          <p:spTgt spid="68"/>
                                         </p:tgtEl>
                                       </p:cBhvr>
                                     </p:animEffect>
@@ -25989,44 +26272,35 @@
                             </p:childTnLst>
                           </p:cTn>
                         </p:par>
-                      </p:childTnLst>
-                    </p:cTn>
-                  </p:par>
-                  <p:par>
-                    <p:cTn id="244" fill="hold">
-                      <p:stCondLst>
-                        <p:cond delay="indefinite"/>
-                      </p:stCondLst>
-                      <p:childTnLst>
                         <p:par>
-                          <p:cTn id="245" fill="hold">
+                          <p:cTn id="266" fill="hold">
                             <p:stCondLst>
-                              <p:cond delay="0"/>
+                              <p:cond delay="5500"/>
                             </p:stCondLst>
                             <p:childTnLst>
                               <p:par>
-                                <p:cTn id="246" presetID="10" presetClass="exit" presetSubtype="0" fill="hold" grpId="1" nodeType="clickEffect">
+                                <p:cTn id="267" presetID="10" presetClass="exit" presetSubtype="0" fill="hold" grpId="1" nodeType="afterEffect">
                                   <p:stCondLst>
                                     <p:cond delay="0"/>
                                   </p:stCondLst>
                                   <p:childTnLst>
                                     <p:animEffect transition="out" filter="fade">
                                       <p:cBhvr>
-                                        <p:cTn id="247" dur="500"/>
-                                        <p:tgtEl>
-                                          <p:spTgt spid="65"/>
+                                        <p:cTn id="268" dur="500"/>
+                                        <p:tgtEl>
+                                          <p:spTgt spid="68"/>
                                         </p:tgtEl>
                                       </p:cBhvr>
                                     </p:animEffect>
                                     <p:set>
                                       <p:cBhvr>
-                                        <p:cTn id="248" dur="1" fill="hold">
+                                        <p:cTn id="269" dur="1" fill="hold">
                                           <p:stCondLst>
                                             <p:cond delay="499"/>
                                           </p:stCondLst>
                                         </p:cTn>
                                         <p:tgtEl>
-                                          <p:spTgt spid="65"/>
+                                          <p:spTgt spid="68"/>
                                         </p:tgtEl>
                                         <p:attrNameLst>
                                           <p:attrName>style.visibility</p:attrName>
@@ -26040,63 +26314,28 @@
                                 </p:cTn>
                               </p:par>
                               <p:par>
-                                <p:cTn id="249" presetID="10" presetClass="exit" presetSubtype="0" fill="hold" grpId="1" nodeType="withEffect">
+                                <p:cTn id="270" presetID="10" presetClass="exit" presetSubtype="0" fill="hold" grpId="0" nodeType="withEffect">
                                   <p:stCondLst>
                                     <p:cond delay="0"/>
                                   </p:stCondLst>
                                   <p:childTnLst>
                                     <p:animEffect transition="out" filter="fade">
                                       <p:cBhvr>
-                                        <p:cTn id="250" dur="500"/>
-                                        <p:tgtEl>
-                                          <p:spTgt spid="83"/>
+                                        <p:cTn id="271" dur="500"/>
+                                        <p:tgtEl>
+                                          <p:spTgt spid="11"/>
                                         </p:tgtEl>
                                       </p:cBhvr>
                                     </p:animEffect>
                                     <p:set>
                                       <p:cBhvr>
-                                        <p:cTn id="251" dur="1" fill="hold">
+                                        <p:cTn id="272" dur="1" fill="hold">
                                           <p:stCondLst>
                                             <p:cond delay="499"/>
                                           </p:stCondLst>
                                         </p:cTn>
                                         <p:tgtEl>
-                                          <p:spTgt spid="83"/>
-                                        </p:tgtEl>
-                                        <p:attrNameLst>
-                                          <p:attrName>style.visibility</p:attrName>
-                                        </p:attrNameLst>
-                                      </p:cBhvr>
-                                      <p:to>
-                                        <p:strVal val="hidden"/>
-                                      </p:to>
-                                    </p:set>
-                                  </p:childTnLst>
-                                </p:cTn>
-                              </p:par>
-                              <p:par>
-                                <p:cTn id="252" presetID="10" presetClass="exit" presetSubtype="0" fill="hold" grpId="0" nodeType="withEffect">
-                                  <p:stCondLst>
-                                    <p:cond delay="0"/>
-                                  </p:stCondLst>
-                                  <p:childTnLst>
-                                    <p:animEffect transition="out" filter="fade">
-                                      <p:cBhvr>
-                                        <p:cTn id="253" dur="500"/>
-                                        <p:tgtEl>
-                                          <p:spTgt spid="35"/>
-                                        </p:tgtEl>
-                                      </p:cBhvr>
-                                    </p:animEffect>
-                                    <p:set>
-                                      <p:cBhvr>
-                                        <p:cTn id="254" dur="1" fill="hold">
-                                          <p:stCondLst>
-                                            <p:cond delay="499"/>
-                                          </p:stCondLst>
-                                        </p:cTn>
-                                        <p:tgtEl>
-                                          <p:spTgt spid="35"/>
+                                          <p:spTgt spid="11"/>
                                         </p:tgtEl>
                                         <p:attrNameLst>
                                           <p:attrName>style.visibility</p:attrName>
@@ -26112,36 +26351,27 @@
                             </p:childTnLst>
                           </p:cTn>
                         </p:par>
-                      </p:childTnLst>
-                    </p:cTn>
-                  </p:par>
-                  <p:par>
-                    <p:cTn id="255" fill="hold">
-                      <p:stCondLst>
-                        <p:cond delay="indefinite"/>
-                      </p:stCondLst>
-                      <p:childTnLst>
                         <p:par>
-                          <p:cTn id="256" fill="hold">
+                          <p:cTn id="273" fill="hold">
                             <p:stCondLst>
-                              <p:cond delay="0"/>
+                              <p:cond delay="6000"/>
                             </p:stCondLst>
                             <p:childTnLst>
                               <p:par>
-                                <p:cTn id="257" presetID="10" presetClass="entr" presetSubtype="0" fill="hold" grpId="0" nodeType="clickEffect">
+                                <p:cTn id="274" presetID="10" presetClass="entr" presetSubtype="0" fill="hold" grpId="0" nodeType="afterEffect">
                                   <p:stCondLst>
                                     <p:cond delay="0"/>
                                   </p:stCondLst>
                                   <p:childTnLst>
                                     <p:set>
                                       <p:cBhvr>
-                                        <p:cTn id="258" dur="1" fill="hold">
+                                        <p:cTn id="275" dur="1" fill="hold">
                                           <p:stCondLst>
                                             <p:cond delay="0"/>
                                           </p:stCondLst>
                                         </p:cTn>
                                         <p:tgtEl>
-                                          <p:spTgt spid="67"/>
+                                          <p:spTgt spid="69"/>
                                         </p:tgtEl>
                                         <p:attrNameLst>
                                           <p:attrName>style.visibility</p:attrName>
@@ -26153,44 +26383,9 @@
                                     </p:set>
                                     <p:animEffect transition="in" filter="fade">
                                       <p:cBhvr>
-                                        <p:cTn id="259" dur="500"/>
-                                        <p:tgtEl>
-                                          <p:spTgt spid="67"/>
-                                        </p:tgtEl>
-                                      </p:cBhvr>
-                                    </p:animEffect>
-                                  </p:childTnLst>
-                                </p:cTn>
-                              </p:par>
-                              <p:par>
-                                <p:cTn id="260" presetID="10" presetClass="entr" presetSubtype="0" fill="hold" grpId="0" nodeType="withEffect">
-                                  <p:stCondLst>
-                                    <p:cond delay="0"/>
-                                  </p:stCondLst>
-                                  <p:childTnLst>
-                                    <p:set>
-                                      <p:cBhvr>
-                                        <p:cTn id="261" dur="1" fill="hold">
-                                          <p:stCondLst>
-                                            <p:cond delay="0"/>
-                                          </p:stCondLst>
-                                        </p:cTn>
-                                        <p:tgtEl>
-                                          <p:spTgt spid="84"/>
-                                        </p:tgtEl>
-                                        <p:attrNameLst>
-                                          <p:attrName>style.visibility</p:attrName>
-                                        </p:attrNameLst>
-                                      </p:cBhvr>
-                                      <p:to>
-                                        <p:strVal val="visible"/>
-                                      </p:to>
-                                    </p:set>
-                                    <p:animEffect transition="in" filter="fade">
-                                      <p:cBhvr>
-                                        <p:cTn id="262" dur="500"/>
-                                        <p:tgtEl>
-                                          <p:spTgt spid="84"/>
+                                        <p:cTn id="276" dur="500"/>
+                                        <p:tgtEl>
+                                          <p:spTgt spid="69"/>
                                         </p:tgtEl>
                                       </p:cBhvr>
                                     </p:animEffect>
@@ -26200,44 +26395,35 @@
                             </p:childTnLst>
                           </p:cTn>
                         </p:par>
-                      </p:childTnLst>
-                    </p:cTn>
-                  </p:par>
-                  <p:par>
-                    <p:cTn id="263" fill="hold">
-                      <p:stCondLst>
-                        <p:cond delay="indefinite"/>
-                      </p:stCondLst>
-                      <p:childTnLst>
                         <p:par>
-                          <p:cTn id="264" fill="hold">
+                          <p:cTn id="277" fill="hold">
                             <p:stCondLst>
-                              <p:cond delay="0"/>
+                              <p:cond delay="6500"/>
                             </p:stCondLst>
                             <p:childTnLst>
                               <p:par>
-                                <p:cTn id="265" presetID="10" presetClass="exit" presetSubtype="0" fill="hold" grpId="1" nodeType="clickEffect">
+                                <p:cTn id="278" presetID="10" presetClass="exit" presetSubtype="0" fill="hold" grpId="1" nodeType="afterEffect">
                                   <p:stCondLst>
                                     <p:cond delay="0"/>
                                   </p:stCondLst>
                                   <p:childTnLst>
                                     <p:animEffect transition="out" filter="fade">
                                       <p:cBhvr>
-                                        <p:cTn id="266" dur="500"/>
-                                        <p:tgtEl>
-                                          <p:spTgt spid="67"/>
+                                        <p:cTn id="279" dur="500"/>
+                                        <p:tgtEl>
+                                          <p:spTgt spid="69"/>
                                         </p:tgtEl>
                                       </p:cBhvr>
                                     </p:animEffect>
                                     <p:set>
                                       <p:cBhvr>
-                                        <p:cTn id="267" dur="1" fill="hold">
+                                        <p:cTn id="280" dur="1" fill="hold">
                                           <p:stCondLst>
                                             <p:cond delay="499"/>
                                           </p:stCondLst>
                                         </p:cTn>
                                         <p:tgtEl>
-                                          <p:spTgt spid="67"/>
+                                          <p:spTgt spid="69"/>
                                         </p:tgtEl>
                                         <p:attrNameLst>
                                           <p:attrName>style.visibility</p:attrName>
@@ -26251,63 +26437,28 @@
                                 </p:cTn>
                               </p:par>
                               <p:par>
-                                <p:cTn id="268" presetID="10" presetClass="exit" presetSubtype="0" fill="hold" grpId="1" nodeType="withEffect">
+                                <p:cTn id="281" presetID="10" presetClass="exit" presetSubtype="0" fill="hold" grpId="0" nodeType="withEffect">
                                   <p:stCondLst>
                                     <p:cond delay="0"/>
                                   </p:stCondLst>
                                   <p:childTnLst>
                                     <p:animEffect transition="out" filter="fade">
                                       <p:cBhvr>
-                                        <p:cTn id="269" dur="500"/>
-                                        <p:tgtEl>
-                                          <p:spTgt spid="84"/>
+                                        <p:cTn id="282" dur="500"/>
+                                        <p:tgtEl>
+                                          <p:spTgt spid="24"/>
                                         </p:tgtEl>
                                       </p:cBhvr>
                                     </p:animEffect>
                                     <p:set>
                                       <p:cBhvr>
-                                        <p:cTn id="270" dur="1" fill="hold">
+                                        <p:cTn id="283" dur="1" fill="hold">
                                           <p:stCondLst>
                                             <p:cond delay="499"/>
                                           </p:stCondLst>
                                         </p:cTn>
                                         <p:tgtEl>
-                                          <p:spTgt spid="84"/>
-                                        </p:tgtEl>
-                                        <p:attrNameLst>
-                                          <p:attrName>style.visibility</p:attrName>
-                                        </p:attrNameLst>
-                                      </p:cBhvr>
-                                      <p:to>
-                                        <p:strVal val="hidden"/>
-                                      </p:to>
-                                    </p:set>
-                                  </p:childTnLst>
-                                </p:cTn>
-                              </p:par>
-                              <p:par>
-                                <p:cTn id="271" presetID="10" presetClass="exit" presetSubtype="0" fill="hold" grpId="0" nodeType="withEffect">
-                                  <p:stCondLst>
-                                    <p:cond delay="0"/>
-                                  </p:stCondLst>
-                                  <p:childTnLst>
-                                    <p:animEffect transition="out" filter="fade">
-                                      <p:cBhvr>
-                                        <p:cTn id="272" dur="500"/>
-                                        <p:tgtEl>
-                                          <p:spTgt spid="41"/>
-                                        </p:tgtEl>
-                                      </p:cBhvr>
-                                    </p:animEffect>
-                                    <p:set>
-                                      <p:cBhvr>
-                                        <p:cTn id="273" dur="1" fill="hold">
-                                          <p:stCondLst>
-                                            <p:cond delay="499"/>
-                                          </p:stCondLst>
-                                        </p:cTn>
-                                        <p:tgtEl>
-                                          <p:spTgt spid="41"/>
+                                          <p:spTgt spid="24"/>
                                         </p:tgtEl>
                                         <p:attrNameLst>
                                           <p:attrName>style.visibility</p:attrName>
@@ -26323,36 +26474,27 @@
                             </p:childTnLst>
                           </p:cTn>
                         </p:par>
-                      </p:childTnLst>
-                    </p:cTn>
-                  </p:par>
-                  <p:par>
-                    <p:cTn id="274" fill="hold">
-                      <p:stCondLst>
-                        <p:cond delay="indefinite"/>
-                      </p:stCondLst>
-                      <p:childTnLst>
                         <p:par>
-                          <p:cTn id="275" fill="hold">
+                          <p:cTn id="284" fill="hold">
                             <p:stCondLst>
-                              <p:cond delay="0"/>
+                              <p:cond delay="7000"/>
                             </p:stCondLst>
                             <p:childTnLst>
                               <p:par>
-                                <p:cTn id="276" presetID="10" presetClass="entr" presetSubtype="0" fill="hold" grpId="0" nodeType="clickEffect">
+                                <p:cTn id="285" presetID="10" presetClass="entr" presetSubtype="0" fill="hold" grpId="0" nodeType="afterEffect">
                                   <p:stCondLst>
                                     <p:cond delay="0"/>
                                   </p:stCondLst>
                                   <p:childTnLst>
                                     <p:set>
                                       <p:cBhvr>
-                                        <p:cTn id="277" dur="1" fill="hold">
+                                        <p:cTn id="286" dur="1" fill="hold">
                                           <p:stCondLst>
                                             <p:cond delay="0"/>
                                           </p:stCondLst>
                                         </p:cTn>
                                         <p:tgtEl>
-                                          <p:spTgt spid="68"/>
+                                          <p:spTgt spid="71"/>
                                         </p:tgtEl>
                                         <p:attrNameLst>
                                           <p:attrName>style.visibility</p:attrName>
@@ -26364,9 +26506,9 @@
                                     </p:set>
                                     <p:animEffect transition="in" filter="fade">
                                       <p:cBhvr>
-                                        <p:cTn id="278" dur="500"/>
-                                        <p:tgtEl>
-                                          <p:spTgt spid="68"/>
+                                        <p:cTn id="287" dur="500"/>
+                                        <p:tgtEl>
+                                          <p:spTgt spid="71"/>
                                         </p:tgtEl>
                                       </p:cBhvr>
                                     </p:animEffect>
@@ -26376,44 +26518,35 @@
                             </p:childTnLst>
                           </p:cTn>
                         </p:par>
-                      </p:childTnLst>
-                    </p:cTn>
-                  </p:par>
-                  <p:par>
-                    <p:cTn id="279" fill="hold">
-                      <p:stCondLst>
-                        <p:cond delay="indefinite"/>
-                      </p:stCondLst>
-                      <p:childTnLst>
                         <p:par>
-                          <p:cTn id="280" fill="hold">
+                          <p:cTn id="288" fill="hold">
                             <p:stCondLst>
-                              <p:cond delay="0"/>
+                              <p:cond delay="7500"/>
                             </p:stCondLst>
                             <p:childTnLst>
                               <p:par>
-                                <p:cTn id="281" presetID="10" presetClass="exit" presetSubtype="0" fill="hold" grpId="1" nodeType="clickEffect">
+                                <p:cTn id="289" presetID="10" presetClass="exit" presetSubtype="0" fill="hold" grpId="1" nodeType="afterEffect">
                                   <p:stCondLst>
                                     <p:cond delay="0"/>
                                   </p:stCondLst>
                                   <p:childTnLst>
                                     <p:animEffect transition="out" filter="fade">
                                       <p:cBhvr>
-                                        <p:cTn id="282" dur="500"/>
-                                        <p:tgtEl>
-                                          <p:spTgt spid="68"/>
+                                        <p:cTn id="290" dur="500"/>
+                                        <p:tgtEl>
+                                          <p:spTgt spid="71"/>
                                         </p:tgtEl>
                                       </p:cBhvr>
                                     </p:animEffect>
                                     <p:set>
                                       <p:cBhvr>
-                                        <p:cTn id="283" dur="1" fill="hold">
+                                        <p:cTn id="291" dur="1" fill="hold">
                                           <p:stCondLst>
                                             <p:cond delay="499"/>
                                           </p:stCondLst>
                                         </p:cTn>
                                         <p:tgtEl>
-                                          <p:spTgt spid="68"/>
+                                          <p:spTgt spid="71"/>
                                         </p:tgtEl>
                                         <p:attrNameLst>
                                           <p:attrName>style.visibility</p:attrName>
@@ -26427,28 +26560,28 @@
                                 </p:cTn>
                               </p:par>
                               <p:par>
-                                <p:cTn id="284" presetID="10" presetClass="exit" presetSubtype="0" fill="hold" grpId="0" nodeType="withEffect">
+                                <p:cTn id="292" presetID="10" presetClass="exit" presetSubtype="0" fill="hold" grpId="0" nodeType="withEffect">
                                   <p:stCondLst>
                                     <p:cond delay="0"/>
                                   </p:stCondLst>
                                   <p:childTnLst>
                                     <p:animEffect transition="out" filter="fade">
                                       <p:cBhvr>
-                                        <p:cTn id="285" dur="500"/>
-                                        <p:tgtEl>
-                                          <p:spTgt spid="11"/>
+                                        <p:cTn id="293" dur="500"/>
+                                        <p:tgtEl>
+                                          <p:spTgt spid="30"/>
                                         </p:tgtEl>
                                       </p:cBhvr>
                                     </p:animEffect>
                                     <p:set>
                                       <p:cBhvr>
-                                        <p:cTn id="286" dur="1" fill="hold">
+                                        <p:cTn id="294" dur="1" fill="hold">
                                           <p:stCondLst>
                                             <p:cond delay="499"/>
                                           </p:stCondLst>
                                         </p:cTn>
                                         <p:tgtEl>
-                                          <p:spTgt spid="11"/>
+                                          <p:spTgt spid="30"/>
                                         </p:tgtEl>
                                         <p:attrNameLst>
                                           <p:attrName>style.visibility</p:attrName>
@@ -26464,36 +26597,27 @@
                             </p:childTnLst>
                           </p:cTn>
                         </p:par>
-                      </p:childTnLst>
-                    </p:cTn>
-                  </p:par>
-                  <p:par>
-                    <p:cTn id="287" fill="hold">
-                      <p:stCondLst>
-                        <p:cond delay="indefinite"/>
-                      </p:stCondLst>
-                      <p:childTnLst>
                         <p:par>
-                          <p:cTn id="288" fill="hold">
+                          <p:cTn id="295" fill="hold">
                             <p:stCondLst>
-                              <p:cond delay="0"/>
+                              <p:cond delay="8000"/>
                             </p:stCondLst>
                             <p:childTnLst>
                               <p:par>
-                                <p:cTn id="289" presetID="10" presetClass="entr" presetSubtype="0" fill="hold" grpId="0" nodeType="clickEffect">
+                                <p:cTn id="296" presetID="10" presetClass="entr" presetSubtype="0" fill="hold" grpId="0" nodeType="afterEffect">
                                   <p:stCondLst>
                                     <p:cond delay="0"/>
                                   </p:stCondLst>
                                   <p:childTnLst>
                                     <p:set>
                                       <p:cBhvr>
-                                        <p:cTn id="290" dur="1" fill="hold">
+                                        <p:cTn id="297" dur="1" fill="hold">
                                           <p:stCondLst>
                                             <p:cond delay="0"/>
                                           </p:stCondLst>
                                         </p:cTn>
                                         <p:tgtEl>
-                                          <p:spTgt spid="69"/>
+                                          <p:spTgt spid="70"/>
                                         </p:tgtEl>
                                         <p:attrNameLst>
                                           <p:attrName>style.visibility</p:attrName>
@@ -26505,9 +26629,9 @@
                                     </p:set>
                                     <p:animEffect transition="in" filter="fade">
                                       <p:cBhvr>
-                                        <p:cTn id="291" dur="500"/>
-                                        <p:tgtEl>
-                                          <p:spTgt spid="69"/>
+                                        <p:cTn id="298" dur="500"/>
+                                        <p:tgtEl>
+                                          <p:spTgt spid="70"/>
                                         </p:tgtEl>
                                       </p:cBhvr>
                                     </p:animEffect>
@@ -26517,44 +26641,35 @@
                             </p:childTnLst>
                           </p:cTn>
                         </p:par>
-                      </p:childTnLst>
-                    </p:cTn>
-                  </p:par>
-                  <p:par>
-                    <p:cTn id="292" fill="hold">
-                      <p:stCondLst>
-                        <p:cond delay="indefinite"/>
-                      </p:stCondLst>
-                      <p:childTnLst>
                         <p:par>
-                          <p:cTn id="293" fill="hold">
+                          <p:cTn id="299" fill="hold">
                             <p:stCondLst>
-                              <p:cond delay="0"/>
+                              <p:cond delay="8500"/>
                             </p:stCondLst>
                             <p:childTnLst>
                               <p:par>
-                                <p:cTn id="294" presetID="10" presetClass="exit" presetSubtype="0" fill="hold" grpId="1" nodeType="clickEffect">
+                                <p:cTn id="300" presetID="10" presetClass="exit" presetSubtype="0" fill="hold" grpId="1" nodeType="afterEffect">
                                   <p:stCondLst>
                                     <p:cond delay="0"/>
                                   </p:stCondLst>
                                   <p:childTnLst>
                                     <p:animEffect transition="out" filter="fade">
                                       <p:cBhvr>
-                                        <p:cTn id="295" dur="500"/>
-                                        <p:tgtEl>
-                                          <p:spTgt spid="69"/>
+                                        <p:cTn id="301" dur="500"/>
+                                        <p:tgtEl>
+                                          <p:spTgt spid="70"/>
                                         </p:tgtEl>
                                       </p:cBhvr>
                                     </p:animEffect>
                                     <p:set>
                                       <p:cBhvr>
-                                        <p:cTn id="296" dur="1" fill="hold">
+                                        <p:cTn id="302" dur="1" fill="hold">
                                           <p:stCondLst>
                                             <p:cond delay="499"/>
                                           </p:stCondLst>
                                         </p:cTn>
                                         <p:tgtEl>
-                                          <p:spTgt spid="69"/>
+                                          <p:spTgt spid="70"/>
                                         </p:tgtEl>
                                         <p:attrNameLst>
                                           <p:attrName>style.visibility</p:attrName>
@@ -26568,28 +26683,28 @@
                                 </p:cTn>
                               </p:par>
                               <p:par>
-                                <p:cTn id="297" presetID="10" presetClass="exit" presetSubtype="0" fill="hold" grpId="0" nodeType="withEffect">
+                                <p:cTn id="303" presetID="10" presetClass="exit" presetSubtype="0" fill="hold" grpId="0" nodeType="withEffect">
                                   <p:stCondLst>
                                     <p:cond delay="0"/>
                                   </p:stCondLst>
                                   <p:childTnLst>
                                     <p:animEffect transition="out" filter="fade">
                                       <p:cBhvr>
-                                        <p:cTn id="298" dur="500"/>
-                                        <p:tgtEl>
-                                          <p:spTgt spid="24"/>
+                                        <p:cTn id="304" dur="500"/>
+                                        <p:tgtEl>
+                                          <p:spTgt spid="36"/>
                                         </p:tgtEl>
                                       </p:cBhvr>
                                     </p:animEffect>
                                     <p:set>
                                       <p:cBhvr>
-                                        <p:cTn id="299" dur="1" fill="hold">
+                                        <p:cTn id="305" dur="1" fill="hold">
                                           <p:stCondLst>
                                             <p:cond delay="499"/>
                                           </p:stCondLst>
                                         </p:cTn>
                                         <p:tgtEl>
-                                          <p:spTgt spid="24"/>
+                                          <p:spTgt spid="36"/>
                                         </p:tgtEl>
                                         <p:attrNameLst>
                                           <p:attrName>style.visibility</p:attrName>
@@ -26605,36 +26720,27 @@
                             </p:childTnLst>
                           </p:cTn>
                         </p:par>
-                      </p:childTnLst>
-                    </p:cTn>
-                  </p:par>
-                  <p:par>
-                    <p:cTn id="300" fill="hold">
-                      <p:stCondLst>
-                        <p:cond delay="indefinite"/>
-                      </p:stCondLst>
-                      <p:childTnLst>
                         <p:par>
-                          <p:cTn id="301" fill="hold">
+                          <p:cTn id="306" fill="hold">
                             <p:stCondLst>
-                              <p:cond delay="0"/>
+                              <p:cond delay="9000"/>
                             </p:stCondLst>
                             <p:childTnLst>
                               <p:par>
-                                <p:cTn id="302" presetID="10" presetClass="entr" presetSubtype="0" fill="hold" grpId="0" nodeType="clickEffect">
+                                <p:cTn id="307" presetID="10" presetClass="entr" presetSubtype="0" fill="hold" grpId="0" nodeType="afterEffect">
                                   <p:stCondLst>
                                     <p:cond delay="0"/>
                                   </p:stCondLst>
                                   <p:childTnLst>
                                     <p:set>
                                       <p:cBhvr>
-                                        <p:cTn id="303" dur="1" fill="hold">
+                                        <p:cTn id="308" dur="1" fill="hold">
                                           <p:stCondLst>
                                             <p:cond delay="0"/>
                                           </p:stCondLst>
                                         </p:cTn>
                                         <p:tgtEl>
-                                          <p:spTgt spid="71"/>
+                                          <p:spTgt spid="72"/>
                                         </p:tgtEl>
                                         <p:attrNameLst>
                                           <p:attrName>style.visibility</p:attrName>
@@ -26646,9 +26752,44 @@
                                     </p:set>
                                     <p:animEffect transition="in" filter="fade">
                                       <p:cBhvr>
-                                        <p:cTn id="304" dur="500"/>
-                                        <p:tgtEl>
-                                          <p:spTgt spid="71"/>
+                                        <p:cTn id="309" dur="500"/>
+                                        <p:tgtEl>
+                                          <p:spTgt spid="72"/>
+                                        </p:tgtEl>
+                                      </p:cBhvr>
+                                    </p:animEffect>
+                                  </p:childTnLst>
+                                </p:cTn>
+                              </p:par>
+                              <p:par>
+                                <p:cTn id="310" presetID="10" presetClass="entr" presetSubtype="0" fill="hold" grpId="0" nodeType="withEffect">
+                                  <p:stCondLst>
+                                    <p:cond delay="0"/>
+                                  </p:stCondLst>
+                                  <p:childTnLst>
+                                    <p:set>
+                                      <p:cBhvr>
+                                        <p:cTn id="311" dur="1" fill="hold">
+                                          <p:stCondLst>
+                                            <p:cond delay="0"/>
+                                          </p:stCondLst>
+                                        </p:cTn>
+                                        <p:tgtEl>
+                                          <p:spTgt spid="85"/>
+                                        </p:tgtEl>
+                                        <p:attrNameLst>
+                                          <p:attrName>style.visibility</p:attrName>
+                                        </p:attrNameLst>
+                                      </p:cBhvr>
+                                      <p:to>
+                                        <p:strVal val="visible"/>
+                                      </p:to>
+                                    </p:set>
+                                    <p:animEffect transition="in" filter="fade">
+                                      <p:cBhvr>
+                                        <p:cTn id="312" dur="500"/>
+                                        <p:tgtEl>
+                                          <p:spTgt spid="85"/>
                                         </p:tgtEl>
                                       </p:cBhvr>
                                     </p:animEffect>
@@ -26658,44 +26799,35 @@
                             </p:childTnLst>
                           </p:cTn>
                         </p:par>
-                      </p:childTnLst>
-                    </p:cTn>
-                  </p:par>
-                  <p:par>
-                    <p:cTn id="305" fill="hold">
-                      <p:stCondLst>
-                        <p:cond delay="indefinite"/>
-                      </p:stCondLst>
-                      <p:childTnLst>
                         <p:par>
-                          <p:cTn id="306" fill="hold">
+                          <p:cTn id="313" fill="hold">
                             <p:stCondLst>
-                              <p:cond delay="0"/>
+                              <p:cond delay="9500"/>
                             </p:stCondLst>
                             <p:childTnLst>
                               <p:par>
-                                <p:cTn id="307" presetID="10" presetClass="exit" presetSubtype="0" fill="hold" grpId="1" nodeType="clickEffect">
+                                <p:cTn id="314" presetID="10" presetClass="exit" presetSubtype="0" fill="hold" grpId="1" nodeType="afterEffect">
                                   <p:stCondLst>
                                     <p:cond delay="0"/>
                                   </p:stCondLst>
                                   <p:childTnLst>
                                     <p:animEffect transition="out" filter="fade">
                                       <p:cBhvr>
-                                        <p:cTn id="308" dur="500"/>
-                                        <p:tgtEl>
-                                          <p:spTgt spid="71"/>
+                                        <p:cTn id="315" dur="500"/>
+                                        <p:tgtEl>
+                                          <p:spTgt spid="72"/>
                                         </p:tgtEl>
                                       </p:cBhvr>
                                     </p:animEffect>
                                     <p:set>
                                       <p:cBhvr>
-                                        <p:cTn id="309" dur="1" fill="hold">
+                                        <p:cTn id="316" dur="1" fill="hold">
                                           <p:stCondLst>
                                             <p:cond delay="499"/>
                                           </p:stCondLst>
                                         </p:cTn>
                                         <p:tgtEl>
-                                          <p:spTgt spid="71"/>
+                                          <p:spTgt spid="72"/>
                                         </p:tgtEl>
                                         <p:attrNameLst>
                                           <p:attrName>style.visibility</p:attrName>
@@ -26709,28 +26841,63 @@
                                 </p:cTn>
                               </p:par>
                               <p:par>
-                                <p:cTn id="310" presetID="10" presetClass="exit" presetSubtype="0" fill="hold" grpId="0" nodeType="withEffect">
+                                <p:cTn id="317" presetID="10" presetClass="exit" presetSubtype="0" fill="hold" grpId="1" nodeType="withEffect">
                                   <p:stCondLst>
                                     <p:cond delay="0"/>
                                   </p:stCondLst>
                                   <p:childTnLst>
                                     <p:animEffect transition="out" filter="fade">
                                       <p:cBhvr>
-                                        <p:cTn id="311" dur="500"/>
-                                        <p:tgtEl>
-                                          <p:spTgt spid="30"/>
+                                        <p:cTn id="318" dur="500"/>
+                                        <p:tgtEl>
+                                          <p:spTgt spid="85"/>
                                         </p:tgtEl>
                                       </p:cBhvr>
                                     </p:animEffect>
                                     <p:set>
                                       <p:cBhvr>
-                                        <p:cTn id="312" dur="1" fill="hold">
+                                        <p:cTn id="319" dur="1" fill="hold">
                                           <p:stCondLst>
                                             <p:cond delay="499"/>
                                           </p:stCondLst>
                                         </p:cTn>
                                         <p:tgtEl>
-                                          <p:spTgt spid="30"/>
+                                          <p:spTgt spid="85"/>
+                                        </p:tgtEl>
+                                        <p:attrNameLst>
+                                          <p:attrName>style.visibility</p:attrName>
+                                        </p:attrNameLst>
+                                      </p:cBhvr>
+                                      <p:to>
+                                        <p:strVal val="hidden"/>
+                                      </p:to>
+                                    </p:set>
+                                  </p:childTnLst>
+                                </p:cTn>
+                              </p:par>
+                              <p:par>
+                                <p:cTn id="320" presetID="10" presetClass="exit" presetSubtype="0" fill="hold" grpId="0" nodeType="withEffect">
+                                  <p:stCondLst>
+                                    <p:cond delay="0"/>
+                                  </p:stCondLst>
+                                  <p:childTnLst>
+                                    <p:animEffect transition="out" filter="fade">
+                                      <p:cBhvr>
+                                        <p:cTn id="321" dur="500"/>
+                                        <p:tgtEl>
+                                          <p:spTgt spid="42"/>
+                                        </p:tgtEl>
+                                      </p:cBhvr>
+                                    </p:animEffect>
+                                    <p:set>
+                                      <p:cBhvr>
+                                        <p:cTn id="322" dur="1" fill="hold">
+                                          <p:stCondLst>
+                                            <p:cond delay="499"/>
+                                          </p:stCondLst>
+                                        </p:cTn>
+                                        <p:tgtEl>
+                                          <p:spTgt spid="42"/>
                                         </p:tgtEl>
                                         <p:attrNameLst>
                                           <p:attrName>style.visibility</p:attrName>
@@ -26746,36 +26913,27 @@
                             </p:childTnLst>
                           </p:cTn>
                         </p:par>
-                      </p:childTnLst>
-                    </p:cTn>
-                  </p:par>
-                  <p:par>
-                    <p:cTn id="313" fill="hold">
-                      <p:stCondLst>
-                        <p:cond delay="indefinite"/>
-                      </p:stCondLst>
-                      <p:childTnLst>
                         <p:par>
-                          <p:cTn id="314" fill="hold">
+                          <p:cTn id="323" fill="hold">
                             <p:stCondLst>
-                              <p:cond delay="0"/>
+                              <p:cond delay="10000"/>
                             </p:stCondLst>
                             <p:childTnLst>
                               <p:par>
-                                <p:cTn id="315" presetID="10" presetClass="entr" presetSubtype="0" fill="hold" grpId="0" nodeType="clickEffect">
+                                <p:cTn id="324" presetID="10" presetClass="entr" presetSubtype="0" fill="hold" grpId="0" nodeType="afterEffect">
                                   <p:stCondLst>
                                     <p:cond delay="0"/>
                                   </p:stCondLst>
                                   <p:childTnLst>
                                     <p:set>
                                       <p:cBhvr>
-                                        <p:cTn id="316" dur="1" fill="hold">
+                                        <p:cTn id="325" dur="1" fill="hold">
                                           <p:stCondLst>
                                             <p:cond delay="0"/>
                                           </p:stCondLst>
                                         </p:cTn>
                                         <p:tgtEl>
-                                          <p:spTgt spid="70"/>
+                                          <p:spTgt spid="73"/>
                                         </p:tgtEl>
                                         <p:attrNameLst>
                                           <p:attrName>style.visibility</p:attrName>
@@ -26787,9 +26945,9 @@
                                     </p:set>
                                     <p:animEffect transition="in" filter="fade">
                                       <p:cBhvr>
-                                        <p:cTn id="317" dur="500"/>
-                                        <p:tgtEl>
-                                          <p:spTgt spid="70"/>
+                                        <p:cTn id="326" dur="500"/>
+                                        <p:tgtEl>
+                                          <p:spTgt spid="73"/>
                                         </p:tgtEl>
                                       </p:cBhvr>
                                     </p:animEffect>
@@ -26799,44 +26957,35 @@
                             </p:childTnLst>
                           </p:cTn>
                         </p:par>
-                      </p:childTnLst>
-                    </p:cTn>
-                  </p:par>
-                  <p:par>
-                    <p:cTn id="318" fill="hold">
-                      <p:stCondLst>
-                        <p:cond delay="indefinite"/>
-                      </p:stCondLst>
-                      <p:childTnLst>
                         <p:par>
-                          <p:cTn id="319" fill="hold">
+                          <p:cTn id="327" fill="hold">
                             <p:stCondLst>
-                              <p:cond delay="0"/>
+                              <p:cond delay="10500"/>
                             </p:stCondLst>
                             <p:childTnLst>
                               <p:par>
-                                <p:cTn id="320" presetID="10" presetClass="exit" presetSubtype="0" fill="hold" grpId="1" nodeType="clickEffect">
+                                <p:cTn id="328" presetID="10" presetClass="exit" presetSubtype="0" fill="hold" grpId="1" nodeType="afterEffect">
                                   <p:stCondLst>
                                     <p:cond delay="0"/>
                                   </p:stCondLst>
                                   <p:childTnLst>
                                     <p:animEffect transition="out" filter="fade">
                                       <p:cBhvr>
-                                        <p:cTn id="321" dur="500"/>
-                                        <p:tgtEl>
-                                          <p:spTgt spid="70"/>
+                                        <p:cTn id="329" dur="500"/>
+                                        <p:tgtEl>
+                                          <p:spTgt spid="73"/>
                                         </p:tgtEl>
                                       </p:cBhvr>
                                     </p:animEffect>
                                     <p:set>
                                       <p:cBhvr>
-                                        <p:cTn id="322" dur="1" fill="hold">
+                                        <p:cTn id="330" dur="1" fill="hold">
                                           <p:stCondLst>
                                             <p:cond delay="499"/>
                                           </p:stCondLst>
                                         </p:cTn>
                                         <p:tgtEl>
-                                          <p:spTgt spid="70"/>
+                                          <p:spTgt spid="73"/>
                                         </p:tgtEl>
                                         <p:attrNameLst>
                                           <p:attrName>style.visibility</p:attrName>
@@ -26850,28 +26999,28 @@
                                 </p:cTn>
                               </p:par>
                               <p:par>
-                                <p:cTn id="323" presetID="10" presetClass="exit" presetSubtype="0" fill="hold" grpId="0" nodeType="withEffect">
+                                <p:cTn id="331" presetID="10" presetClass="exit" presetSubtype="0" fill="hold" grpId="0" nodeType="withEffect">
                                   <p:stCondLst>
                                     <p:cond delay="0"/>
                                   </p:stCondLst>
                                   <p:childTnLst>
                                     <p:animEffect transition="out" filter="fade">
                                       <p:cBhvr>
-                                        <p:cTn id="324" dur="500"/>
-                                        <p:tgtEl>
-                                          <p:spTgt spid="36"/>
+                                        <p:cTn id="332" dur="500"/>
+                                        <p:tgtEl>
+                                          <p:spTgt spid="12"/>
                                         </p:tgtEl>
                                       </p:cBhvr>
                                     </p:animEffect>
                                     <p:set>
                                       <p:cBhvr>
-                                        <p:cTn id="325" dur="1" fill="hold">
+                                        <p:cTn id="333" dur="1" fill="hold">
                                           <p:stCondLst>
                                             <p:cond delay="499"/>
                                           </p:stCondLst>
                                         </p:cTn>
                                         <p:tgtEl>
-                                          <p:spTgt spid="36"/>
+                                          <p:spTgt spid="12"/>
                                         </p:tgtEl>
                                         <p:attrNameLst>
                                           <p:attrName>style.visibility</p:attrName>
@@ -26887,36 +27036,27 @@
                             </p:childTnLst>
                           </p:cTn>
                         </p:par>
-                      </p:childTnLst>
-                    </p:cTn>
-                  </p:par>
-                  <p:par>
-                    <p:cTn id="326" fill="hold">
-                      <p:stCondLst>
-                        <p:cond delay="indefinite"/>
-                      </p:stCondLst>
-                      <p:childTnLst>
                         <p:par>
-                          <p:cTn id="327" fill="hold">
+                          <p:cTn id="334" fill="hold">
                             <p:stCondLst>
-                              <p:cond delay="0"/>
+                              <p:cond delay="11000"/>
                             </p:stCondLst>
                             <p:childTnLst>
                               <p:par>
-                                <p:cTn id="328" presetID="10" presetClass="entr" presetSubtype="0" fill="hold" grpId="0" nodeType="clickEffect">
+                                <p:cTn id="335" presetID="10" presetClass="entr" presetSubtype="0" fill="hold" grpId="0" nodeType="afterEffect">
                                   <p:stCondLst>
                                     <p:cond delay="0"/>
                                   </p:stCondLst>
                                   <p:childTnLst>
                                     <p:set>
                                       <p:cBhvr>
-                                        <p:cTn id="329" dur="1" fill="hold">
+                                        <p:cTn id="336" dur="1" fill="hold">
                                           <p:stCondLst>
                                             <p:cond delay="0"/>
                                           </p:stCondLst>
                                         </p:cTn>
                                         <p:tgtEl>
-                                          <p:spTgt spid="72"/>
+                                          <p:spTgt spid="74"/>
                                         </p:tgtEl>
                                         <p:attrNameLst>
                                           <p:attrName>style.visibility</p:attrName>
@@ -26928,44 +27068,9 @@
                                     </p:set>
                                     <p:animEffect transition="in" filter="fade">
                                       <p:cBhvr>
-                                        <p:cTn id="330" dur="500"/>
-                                        <p:tgtEl>
-                                          <p:spTgt spid="72"/>
-                                        </p:tgtEl>
-                                      </p:cBhvr>
-                                    </p:animEffect>
-                                  </p:childTnLst>
-                                </p:cTn>
-                              </p:par>
-                              <p:par>
-                                <p:cTn id="331" presetID="10" presetClass="entr" presetSubtype="0" fill="hold" grpId="0" nodeType="withEffect">
-                                  <p:stCondLst>
-                                    <p:cond delay="0"/>
-                                  </p:stCondLst>
-                                  <p:childTnLst>
-                                    <p:set>
-                                      <p:cBhvr>
-                                        <p:cTn id="332" dur="1" fill="hold">
-                                          <p:stCondLst>
-                                            <p:cond delay="0"/>
-                                          </p:stCondLst>
-                                        </p:cTn>
-                                        <p:tgtEl>
-                                          <p:spTgt spid="85"/>
-                                        </p:tgtEl>
-                                        <p:attrNameLst>
-                                          <p:attrName>style.visibility</p:attrName>
-                                        </p:attrNameLst>
-                                      </p:cBhvr>
-                                      <p:to>
-                                        <p:strVal val="visible"/>
-                                      </p:to>
-                                    </p:set>
-                                    <p:animEffect transition="in" filter="fade">
-                                      <p:cBhvr>
-                                        <p:cTn id="333" dur="500"/>
-                                        <p:tgtEl>
-                                          <p:spTgt spid="85"/>
+                                        <p:cTn id="337" dur="500"/>
+                                        <p:tgtEl>
+                                          <p:spTgt spid="74"/>
                                         </p:tgtEl>
                                       </p:cBhvr>
                                     </p:animEffect>
@@ -26975,67 +27080,23 @@
                             </p:childTnLst>
                           </p:cTn>
                         </p:par>
-                      </p:childTnLst>
-                    </p:cTn>
-                  </p:par>
-                  <p:par>
-                    <p:cTn id="334" fill="hold">
-                      <p:stCondLst>
-                        <p:cond delay="indefinite"/>
-                      </p:stCondLst>
-                      <p:childTnLst>
                         <p:par>
-                          <p:cTn id="335" fill="hold">
+                          <p:cTn id="338" fill="hold">
                             <p:stCondLst>
-                              <p:cond delay="0"/>
+                              <p:cond delay="11500"/>
                             </p:stCondLst>
                             <p:childTnLst>
                               <p:par>
-                                <p:cTn id="336" presetID="10" presetClass="exit" presetSubtype="0" fill="hold" grpId="1" nodeType="clickEffect">
+                                <p:cTn id="339" presetID="10" presetClass="exit" presetSubtype="0" fill="hold" grpId="1" nodeType="afterEffect">
                                   <p:stCondLst>
                                     <p:cond delay="0"/>
                                   </p:stCondLst>
                                   <p:childTnLst>
                                     <p:animEffect transition="out" filter="fade">
                                       <p:cBhvr>
-                                        <p:cTn id="337" dur="500"/>
-                                        <p:tgtEl>
-                                          <p:spTgt spid="72"/>
-                                        </p:tgtEl>
-                                      </p:cBhvr>
-                                    </p:animEffect>
-                                    <p:set>
-                                      <p:cBhvr>
-                                        <p:cTn id="338" dur="1" fill="hold">
-                                          <p:stCondLst>
-                                            <p:cond delay="499"/>
-                                          </p:stCondLst>
-                                        </p:cTn>
-                                        <p:tgtEl>
-                                          <p:spTgt spid="72"/>
-                                        </p:tgtEl>
-                                        <p:attrNameLst>
-                                          <p:attrName>style.visibility</p:attrName>
-                                        </p:attrNameLst>
-                                      </p:cBhvr>
-                                      <p:to>
-                                        <p:strVal val="hidden"/>
-                                      </p:to>
-                                    </p:set>
-                                  </p:childTnLst>
-                                </p:cTn>
-                              </p:par>
-                              <p:par>
-                                <p:cTn id="339" presetID="10" presetClass="exit" presetSubtype="0" fill="hold" grpId="1" nodeType="withEffect">
-                                  <p:stCondLst>
-                                    <p:cond delay="0"/>
-                                  </p:stCondLst>
-                                  <p:childTnLst>
-                                    <p:animEffect transition="out" filter="fade">
-                                      <p:cBhvr>
                                         <p:cTn id="340" dur="500"/>
                                         <p:tgtEl>
-                                          <p:spTgt spid="85"/>
+                                          <p:spTgt spid="74"/>
                                         </p:tgtEl>
                                       </p:cBhvr>
                                     </p:animEffect>
@@ -27047,7 +27108,7 @@
                                           </p:stCondLst>
                                         </p:cTn>
                                         <p:tgtEl>
-                                          <p:spTgt spid="85"/>
+                                          <p:spTgt spid="74"/>
                                         </p:tgtEl>
                                         <p:attrNameLst>
                                           <p:attrName>style.visibility</p:attrName>
@@ -27070,7 +27131,7 @@
                                       <p:cBhvr>
                                         <p:cTn id="343" dur="500"/>
                                         <p:tgtEl>
-                                          <p:spTgt spid="42"/>
+                                          <p:spTgt spid="25"/>
                                         </p:tgtEl>
                                       </p:cBhvr>
                                     </p:animEffect>
@@ -27082,7 +27143,7 @@
                                           </p:stCondLst>
                                         </p:cTn>
                                         <p:tgtEl>
-                                          <p:spTgt spid="42"/>
+                                          <p:spTgt spid="25"/>
                                         </p:tgtEl>
                                         <p:attrNameLst>
                                           <p:attrName>style.visibility</p:attrName>
@@ -27098,36 +27159,27 @@
                             </p:childTnLst>
                           </p:cTn>
                         </p:par>
-                      </p:childTnLst>
-                    </p:cTn>
-                  </p:par>
-                  <p:par>
-                    <p:cTn id="345" fill="hold">
-                      <p:stCondLst>
-                        <p:cond delay="indefinite"/>
-                      </p:stCondLst>
-                      <p:childTnLst>
                         <p:par>
-                          <p:cTn id="346" fill="hold">
+                          <p:cTn id="345" fill="hold">
                             <p:stCondLst>
-                              <p:cond delay="0"/>
+                              <p:cond delay="12000"/>
                             </p:stCondLst>
                             <p:childTnLst>
                               <p:par>
-                                <p:cTn id="347" presetID="10" presetClass="entr" presetSubtype="0" fill="hold" grpId="0" nodeType="clickEffect">
+                                <p:cTn id="346" presetID="10" presetClass="entr" presetSubtype="0" fill="hold" grpId="0" nodeType="afterEffect">
                                   <p:stCondLst>
                                     <p:cond delay="0"/>
                                   </p:stCondLst>
                                   <p:childTnLst>
                                     <p:set>
                                       <p:cBhvr>
-                                        <p:cTn id="348" dur="1" fill="hold">
+                                        <p:cTn id="347" dur="1" fill="hold">
                                           <p:stCondLst>
                                             <p:cond delay="0"/>
                                           </p:stCondLst>
                                         </p:cTn>
                                         <p:tgtEl>
-                                          <p:spTgt spid="73"/>
+                                          <p:spTgt spid="86"/>
                                         </p:tgtEl>
                                         <p:attrNameLst>
                                           <p:attrName>style.visibility</p:attrName>
@@ -27139,9 +27191,44 @@
                                     </p:set>
                                     <p:animEffect transition="in" filter="fade">
                                       <p:cBhvr>
-                                        <p:cTn id="349" dur="500"/>
-                                        <p:tgtEl>
-                                          <p:spTgt spid="73"/>
+                                        <p:cTn id="348" dur="500"/>
+                                        <p:tgtEl>
+                                          <p:spTgt spid="86"/>
+                                        </p:tgtEl>
+                                      </p:cBhvr>
+                                    </p:animEffect>
+                                  </p:childTnLst>
+                                </p:cTn>
+                              </p:par>
+                              <p:par>
+                                <p:cTn id="349" presetID="10" presetClass="entr" presetSubtype="0" fill="hold" grpId="0" nodeType="withEffect">
+                                  <p:stCondLst>
+                                    <p:cond delay="0"/>
+                                  </p:stCondLst>
+                                  <p:childTnLst>
+                                    <p:set>
+                                      <p:cBhvr>
+                                        <p:cTn id="350" dur="1" fill="hold">
+                                          <p:stCondLst>
+                                            <p:cond delay="0"/>
+                                          </p:stCondLst>
+                                        </p:cTn>
+                                        <p:tgtEl>
+                                          <p:spTgt spid="76"/>
+                                        </p:tgtEl>
+                                        <p:attrNameLst>
+                                          <p:attrName>style.visibility</p:attrName>
+                                        </p:attrNameLst>
+                                      </p:cBhvr>
+                                      <p:to>
+                                        <p:strVal val="visible"/>
+                                      </p:to>
+                                    </p:set>
+                                    <p:animEffect transition="in" filter="fade">
+                                      <p:cBhvr>
+                                        <p:cTn id="351" dur="500"/>
+                                        <p:tgtEl>
+                                          <p:spTgt spid="76"/>
                                         </p:tgtEl>
                                       </p:cBhvr>
                                     </p:animEffect>
@@ -27151,44 +27238,35 @@
                             </p:childTnLst>
                           </p:cTn>
                         </p:par>
-                      </p:childTnLst>
-                    </p:cTn>
-                  </p:par>
-                  <p:par>
-                    <p:cTn id="350" fill="hold">
-                      <p:stCondLst>
-                        <p:cond delay="indefinite"/>
-                      </p:stCondLst>
-                      <p:childTnLst>
                         <p:par>
-                          <p:cTn id="351" fill="hold">
+                          <p:cTn id="352" fill="hold">
                             <p:stCondLst>
-                              <p:cond delay="0"/>
+                              <p:cond delay="12500"/>
                             </p:stCondLst>
                             <p:childTnLst>
                               <p:par>
-                                <p:cTn id="352" presetID="10" presetClass="exit" presetSubtype="0" fill="hold" grpId="1" nodeType="clickEffect">
+                                <p:cTn id="353" presetID="10" presetClass="exit" presetSubtype="0" fill="hold" grpId="1" nodeType="afterEffect">
                                   <p:stCondLst>
                                     <p:cond delay="0"/>
                                   </p:stCondLst>
                                   <p:childTnLst>
                                     <p:animEffect transition="out" filter="fade">
                                       <p:cBhvr>
-                                        <p:cTn id="353" dur="500"/>
-                                        <p:tgtEl>
-                                          <p:spTgt spid="73"/>
+                                        <p:cTn id="354" dur="500"/>
+                                        <p:tgtEl>
+                                          <p:spTgt spid="86"/>
                                         </p:tgtEl>
                                       </p:cBhvr>
                                     </p:animEffect>
                                     <p:set>
                                       <p:cBhvr>
-                                        <p:cTn id="354" dur="1" fill="hold">
+                                        <p:cTn id="355" dur="1" fill="hold">
                                           <p:stCondLst>
                                             <p:cond delay="499"/>
                                           </p:stCondLst>
                                         </p:cTn>
                                         <p:tgtEl>
-                                          <p:spTgt spid="73"/>
+                                          <p:spTgt spid="86"/>
                                         </p:tgtEl>
                                         <p:attrNameLst>
                                           <p:attrName>style.visibility</p:attrName>
@@ -27202,28 +27280,63 @@
                                 </p:cTn>
                               </p:par>
                               <p:par>
-                                <p:cTn id="355" presetID="10" presetClass="exit" presetSubtype="0" fill="hold" grpId="0" nodeType="withEffect">
+                                <p:cTn id="356" presetID="10" presetClass="exit" presetSubtype="0" fill="hold" grpId="1" nodeType="withEffect">
                                   <p:stCondLst>
                                     <p:cond delay="0"/>
                                   </p:stCondLst>
                                   <p:childTnLst>
                                     <p:animEffect transition="out" filter="fade">
                                       <p:cBhvr>
-                                        <p:cTn id="356" dur="500"/>
-                                        <p:tgtEl>
-                                          <p:spTgt spid="12"/>
+                                        <p:cTn id="357" dur="500"/>
+                                        <p:tgtEl>
+                                          <p:spTgt spid="76"/>
                                         </p:tgtEl>
                                       </p:cBhvr>
                                     </p:animEffect>
                                     <p:set>
                                       <p:cBhvr>
-                                        <p:cTn id="357" dur="1" fill="hold">
+                                        <p:cTn id="358" dur="1" fill="hold">
                                           <p:stCondLst>
                                             <p:cond delay="499"/>
                                           </p:stCondLst>
                                         </p:cTn>
                                         <p:tgtEl>
-                                          <p:spTgt spid="12"/>
+                                          <p:spTgt spid="76"/>
+                                        </p:tgtEl>
+                                        <p:attrNameLst>
+                                          <p:attrName>style.visibility</p:attrName>
+                                        </p:attrNameLst>
+                                      </p:cBhvr>
+                                      <p:to>
+                                        <p:strVal val="hidden"/>
+                                      </p:to>
+                                    </p:set>
+                                  </p:childTnLst>
+                                </p:cTn>
+                              </p:par>
+                              <p:par>
+                                <p:cTn id="359" presetID="10" presetClass="exit" presetSubtype="0" fill="hold" grpId="0" nodeType="withEffect">
+                                  <p:stCondLst>
+                                    <p:cond delay="0"/>
+                                  </p:stCondLst>
+                                  <p:childTnLst>
+                                    <p:animEffect transition="out" filter="fade">
+                                      <p:cBhvr>
+                                        <p:cTn id="360" dur="500"/>
+                                        <p:tgtEl>
+                                          <p:spTgt spid="31"/>
+                                        </p:tgtEl>
+                                      </p:cBhvr>
+                                    </p:animEffect>
+                                    <p:set>
+                                      <p:cBhvr>
+                                        <p:cTn id="361" dur="1" fill="hold">
+                                          <p:stCondLst>
+                                            <p:cond delay="499"/>
+                                          </p:stCondLst>
+                                        </p:cTn>
+                                        <p:tgtEl>
+                                          <p:spTgt spid="31"/>
                                         </p:tgtEl>
                                         <p:attrNameLst>
                                           <p:attrName>style.visibility</p:attrName>
@@ -27239,36 +27352,27 @@
                             </p:childTnLst>
                           </p:cTn>
                         </p:par>
-                      </p:childTnLst>
-                    </p:cTn>
-                  </p:par>
-                  <p:par>
-                    <p:cTn id="358" fill="hold">
-                      <p:stCondLst>
-                        <p:cond delay="indefinite"/>
-                      </p:stCondLst>
-                      <p:childTnLst>
                         <p:par>
-                          <p:cTn id="359" fill="hold">
+                          <p:cTn id="362" fill="hold">
                             <p:stCondLst>
-                              <p:cond delay="0"/>
+                              <p:cond delay="13000"/>
                             </p:stCondLst>
                             <p:childTnLst>
                               <p:par>
-                                <p:cTn id="360" presetID="10" presetClass="entr" presetSubtype="0" fill="hold" grpId="0" nodeType="clickEffect">
+                                <p:cTn id="363" presetID="10" presetClass="entr" presetSubtype="0" fill="hold" grpId="0" nodeType="afterEffect">
                                   <p:stCondLst>
                                     <p:cond delay="0"/>
                                   </p:stCondLst>
                                   <p:childTnLst>
                                     <p:set>
                                       <p:cBhvr>
-                                        <p:cTn id="361" dur="1" fill="hold">
+                                        <p:cTn id="364" dur="1" fill="hold">
                                           <p:stCondLst>
                                             <p:cond delay="0"/>
                                           </p:stCondLst>
                                         </p:cTn>
                                         <p:tgtEl>
-                                          <p:spTgt spid="74"/>
+                                          <p:spTgt spid="75"/>
                                         </p:tgtEl>
                                         <p:attrNameLst>
                                           <p:attrName>style.visibility</p:attrName>
@@ -27280,9 +27384,44 @@
                                     </p:set>
                                     <p:animEffect transition="in" filter="fade">
                                       <p:cBhvr>
-                                        <p:cTn id="362" dur="500"/>
-                                        <p:tgtEl>
-                                          <p:spTgt spid="74"/>
+                                        <p:cTn id="365" dur="500"/>
+                                        <p:tgtEl>
+                                          <p:spTgt spid="75"/>
+                                        </p:tgtEl>
+                                      </p:cBhvr>
+                                    </p:animEffect>
+                                  </p:childTnLst>
+                                </p:cTn>
+                              </p:par>
+                              <p:par>
+                                <p:cTn id="366" presetID="10" presetClass="entr" presetSubtype="0" fill="hold" grpId="0" nodeType="withEffect">
+                                  <p:stCondLst>
+                                    <p:cond delay="0"/>
+                                  </p:stCondLst>
+                                  <p:childTnLst>
+                                    <p:set>
+                                      <p:cBhvr>
+                                        <p:cTn id="367" dur="1" fill="hold">
+                                          <p:stCondLst>
+                                            <p:cond delay="0"/>
+                                          </p:stCondLst>
+                                        </p:cTn>
+                                        <p:tgtEl>
+                                          <p:spTgt spid="87"/>
+                                        </p:tgtEl>
+                                        <p:attrNameLst>
+                                          <p:attrName>style.visibility</p:attrName>
+                                        </p:attrNameLst>
+                                      </p:cBhvr>
+                                      <p:to>
+                                        <p:strVal val="visible"/>
+                                      </p:to>
+                                    </p:set>
+                                    <p:animEffect transition="in" filter="fade">
+                                      <p:cBhvr>
+                                        <p:cTn id="368" dur="500"/>
+                                        <p:tgtEl>
+                                          <p:spTgt spid="87"/>
                                         </p:tgtEl>
                                       </p:cBhvr>
                                     </p:animEffect>
@@ -27292,44 +27431,35 @@
                             </p:childTnLst>
                           </p:cTn>
                         </p:par>
-                      </p:childTnLst>
-                    </p:cTn>
-                  </p:par>
-                  <p:par>
-                    <p:cTn id="363" fill="hold">
-                      <p:stCondLst>
-                        <p:cond delay="indefinite"/>
-                      </p:stCondLst>
-                      <p:childTnLst>
                         <p:par>
-                          <p:cTn id="364" fill="hold">
+                          <p:cTn id="369" fill="hold">
                             <p:stCondLst>
-                              <p:cond delay="0"/>
+                              <p:cond delay="13500"/>
                             </p:stCondLst>
                             <p:childTnLst>
                               <p:par>
-                                <p:cTn id="365" presetID="10" presetClass="exit" presetSubtype="0" fill="hold" grpId="1" nodeType="clickEffect">
+                                <p:cTn id="370" presetID="10" presetClass="exit" presetSubtype="0" fill="hold" grpId="1" nodeType="afterEffect">
                                   <p:stCondLst>
                                     <p:cond delay="0"/>
                                   </p:stCondLst>
                                   <p:childTnLst>
                                     <p:animEffect transition="out" filter="fade">
                                       <p:cBhvr>
-                                        <p:cTn id="366" dur="500"/>
-                                        <p:tgtEl>
-                                          <p:spTgt spid="74"/>
+                                        <p:cTn id="371" dur="500"/>
+                                        <p:tgtEl>
+                                          <p:spTgt spid="75"/>
                                         </p:tgtEl>
                                       </p:cBhvr>
                                     </p:animEffect>
                                     <p:set>
                                       <p:cBhvr>
-                                        <p:cTn id="367" dur="1" fill="hold">
+                                        <p:cTn id="372" dur="1" fill="hold">
                                           <p:stCondLst>
                                             <p:cond delay="499"/>
                                           </p:stCondLst>
                                         </p:cTn>
                                         <p:tgtEl>
-                                          <p:spTgt spid="74"/>
+                                          <p:spTgt spid="75"/>
                                         </p:tgtEl>
                                         <p:attrNameLst>
                                           <p:attrName>style.visibility</p:attrName>
@@ -27343,28 +27473,63 @@
                                 </p:cTn>
                               </p:par>
                               <p:par>
-                                <p:cTn id="368" presetID="10" presetClass="exit" presetSubtype="0" fill="hold" grpId="0" nodeType="withEffect">
+                                <p:cTn id="373" presetID="10" presetClass="exit" presetSubtype="0" fill="hold" grpId="1" nodeType="withEffect">
                                   <p:stCondLst>
                                     <p:cond delay="0"/>
                                   </p:stCondLst>
                                   <p:childTnLst>
                                     <p:animEffect transition="out" filter="fade">
                                       <p:cBhvr>
-                                        <p:cTn id="369" dur="500"/>
-                                        <p:tgtEl>
-                                          <p:spTgt spid="25"/>
+                                        <p:cTn id="374" dur="500"/>
+                                        <p:tgtEl>
+                                          <p:spTgt spid="87"/>
                                         </p:tgtEl>
                                       </p:cBhvr>
                                     </p:animEffect>
                                     <p:set>
                                       <p:cBhvr>
-                                        <p:cTn id="370" dur="1" fill="hold">
+                                        <p:cTn id="375" dur="1" fill="hold">
                                           <p:stCondLst>
                                             <p:cond delay="499"/>
                                           </p:stCondLst>
                                         </p:cTn>
                                         <p:tgtEl>
-                                          <p:spTgt spid="25"/>
+                                          <p:spTgt spid="87"/>
+                                        </p:tgtEl>
+                                        <p:attrNameLst>
+                                          <p:attrName>style.visibility</p:attrName>
+                                        </p:attrNameLst>
+                                      </p:cBhvr>
+                                      <p:to>
+                                        <p:strVal val="hidden"/>
+                                      </p:to>
+                                    </p:set>
+                                  </p:childTnLst>
+                                </p:cTn>
+                              </p:par>
+                              <p:par>
+                                <p:cTn id="376" presetID="10" presetClass="exit" presetSubtype="0" fill="hold" grpId="0" nodeType="withEffect">
+                                  <p:stCondLst>
+                                    <p:cond delay="0"/>
+                                  </p:stCondLst>
+                                  <p:childTnLst>
+                                    <p:animEffect transition="out" filter="fade">
+                                      <p:cBhvr>
+                                        <p:cTn id="377" dur="500"/>
+                                        <p:tgtEl>
+                                          <p:spTgt spid="37"/>
+                                        </p:tgtEl>
+                                      </p:cBhvr>
+                                    </p:animEffect>
+                                    <p:set>
+                                      <p:cBhvr>
+                                        <p:cTn id="378" dur="1" fill="hold">
+                                          <p:stCondLst>
+                                            <p:cond delay="499"/>
+                                          </p:stCondLst>
+                                        </p:cTn>
+                                        <p:tgtEl>
+                                          <p:spTgt spid="37"/>
                                         </p:tgtEl>
                                         <p:attrNameLst>
                                           <p:attrName>style.visibility</p:attrName>
@@ -27380,36 +27545,27 @@
                             </p:childTnLst>
                           </p:cTn>
                         </p:par>
-                      </p:childTnLst>
-                    </p:cTn>
-                  </p:par>
-                  <p:par>
-                    <p:cTn id="371" fill="hold">
-                      <p:stCondLst>
-                        <p:cond delay="indefinite"/>
-                      </p:stCondLst>
-                      <p:childTnLst>
                         <p:par>
-                          <p:cTn id="372" fill="hold">
+                          <p:cTn id="379" fill="hold">
                             <p:stCondLst>
-                              <p:cond delay="0"/>
+                              <p:cond delay="14000"/>
                             </p:stCondLst>
                             <p:childTnLst>
                               <p:par>
-                                <p:cTn id="373" presetID="10" presetClass="entr" presetSubtype="0" fill="hold" grpId="0" nodeType="clickEffect">
+                                <p:cTn id="380" presetID="10" presetClass="entr" presetSubtype="0" fill="hold" grpId="0" nodeType="afterEffect">
                                   <p:stCondLst>
                                     <p:cond delay="0"/>
                                   </p:stCondLst>
                                   <p:childTnLst>
                                     <p:set>
                                       <p:cBhvr>
-                                        <p:cTn id="374" dur="1" fill="hold">
+                                        <p:cTn id="381" dur="1" fill="hold">
                                           <p:stCondLst>
                                             <p:cond delay="0"/>
                                           </p:stCondLst>
                                         </p:cTn>
                                         <p:tgtEl>
-                                          <p:spTgt spid="86"/>
+                                          <p:spTgt spid="77"/>
                                         </p:tgtEl>
                                         <p:attrNameLst>
                                           <p:attrName>style.visibility</p:attrName>
@@ -27421,9 +27577,9 @@
                                     </p:set>
                                     <p:animEffect transition="in" filter="fade">
                                       <p:cBhvr>
-                                        <p:cTn id="375" dur="500"/>
-                                        <p:tgtEl>
-                                          <p:spTgt spid="86"/>
+                                        <p:cTn id="382" dur="500"/>
+                                        <p:tgtEl>
+                                          <p:spTgt spid="77"/>
                                         </p:tgtEl>
                                       </p:cBhvr>
                                     </p:animEffect>
@@ -27431,20 +27587,20 @@
                                 </p:cTn>
                               </p:par>
                               <p:par>
-                                <p:cTn id="376" presetID="10" presetClass="entr" presetSubtype="0" fill="hold" grpId="0" nodeType="withEffect">
+                                <p:cTn id="383" presetID="10" presetClass="entr" presetSubtype="0" fill="hold" grpId="0" nodeType="withEffect">
                                   <p:stCondLst>
                                     <p:cond delay="0"/>
                                   </p:stCondLst>
                                   <p:childTnLst>
                                     <p:set>
                                       <p:cBhvr>
-                                        <p:cTn id="377" dur="1" fill="hold">
+                                        <p:cTn id="384" dur="1" fill="hold">
                                           <p:stCondLst>
                                             <p:cond delay="0"/>
                                           </p:stCondLst>
                                         </p:cTn>
                                         <p:tgtEl>
-                                          <p:spTgt spid="76"/>
+                                          <p:spTgt spid="88"/>
                                         </p:tgtEl>
                                         <p:attrNameLst>
                                           <p:attrName>style.visibility</p:attrName>
@@ -27456,9 +27612,9 @@
                                     </p:set>
                                     <p:animEffect transition="in" filter="fade">
                                       <p:cBhvr>
-                                        <p:cTn id="378" dur="500"/>
-                                        <p:tgtEl>
-                                          <p:spTgt spid="76"/>
+                                        <p:cTn id="385" dur="500"/>
+                                        <p:tgtEl>
+                                          <p:spTgt spid="88"/>
                                         </p:tgtEl>
                                       </p:cBhvr>
                                     </p:animEffect>
@@ -27468,44 +27624,35 @@
                             </p:childTnLst>
                           </p:cTn>
                         </p:par>
-                      </p:childTnLst>
-                    </p:cTn>
-                  </p:par>
-                  <p:par>
-                    <p:cTn id="379" fill="hold">
-                      <p:stCondLst>
-                        <p:cond delay="indefinite"/>
-                      </p:stCondLst>
-                      <p:childTnLst>
                         <p:par>
-                          <p:cTn id="380" fill="hold">
+                          <p:cTn id="386" fill="hold">
                             <p:stCondLst>
-                              <p:cond delay="0"/>
+                              <p:cond delay="14500"/>
                             </p:stCondLst>
                             <p:childTnLst>
                               <p:par>
-                                <p:cTn id="381" presetID="10" presetClass="exit" presetSubtype="0" fill="hold" grpId="1" nodeType="clickEffect">
+                                <p:cTn id="387" presetID="10" presetClass="exit" presetSubtype="0" fill="hold" grpId="1" nodeType="afterEffect">
                                   <p:stCondLst>
                                     <p:cond delay="0"/>
                                   </p:stCondLst>
                                   <p:childTnLst>
                                     <p:animEffect transition="out" filter="fade">
                                       <p:cBhvr>
-                                        <p:cTn id="382" dur="500"/>
-                                        <p:tgtEl>
-                                          <p:spTgt spid="86"/>
+                                        <p:cTn id="388" dur="500"/>
+                                        <p:tgtEl>
+                                          <p:spTgt spid="77"/>
                                         </p:tgtEl>
                                       </p:cBhvr>
                                     </p:animEffect>
                                     <p:set>
                                       <p:cBhvr>
-                                        <p:cTn id="383" dur="1" fill="hold">
+                                        <p:cTn id="389" dur="1" fill="hold">
                                           <p:stCondLst>
                                             <p:cond delay="499"/>
                                           </p:stCondLst>
                                         </p:cTn>
                                         <p:tgtEl>
-                                          <p:spTgt spid="86"/>
+                                          <p:spTgt spid="77"/>
                                         </p:tgtEl>
                                         <p:attrNameLst>
                                           <p:attrName>style.visibility</p:attrName>
@@ -27519,28 +27666,28 @@
                                 </p:cTn>
                               </p:par>
                               <p:par>
-                                <p:cTn id="384" presetID="10" presetClass="exit" presetSubtype="0" fill="hold" grpId="1" nodeType="withEffect">
+                                <p:cTn id="390" presetID="10" presetClass="exit" presetSubtype="0" fill="hold" grpId="1" nodeType="withEffect">
                                   <p:stCondLst>
                                     <p:cond delay="0"/>
                                   </p:stCondLst>
                                   <p:childTnLst>
                                     <p:animEffect transition="out" filter="fade">
                                       <p:cBhvr>
-                                        <p:cTn id="385" dur="500"/>
-                                        <p:tgtEl>
-                                          <p:spTgt spid="76"/>
+                                        <p:cTn id="391" dur="500"/>
+                                        <p:tgtEl>
+                                          <p:spTgt spid="88"/>
                                         </p:tgtEl>
                                       </p:cBhvr>
                                     </p:animEffect>
                                     <p:set>
                                       <p:cBhvr>
-                                        <p:cTn id="386" dur="1" fill="hold">
+                                        <p:cTn id="392" dur="1" fill="hold">
                                           <p:stCondLst>
                                             <p:cond delay="499"/>
                                           </p:stCondLst>
                                         </p:cTn>
                                         <p:tgtEl>
-                                          <p:spTgt spid="76"/>
+                                          <p:spTgt spid="88"/>
                                         </p:tgtEl>
                                         <p:attrNameLst>
                                           <p:attrName>style.visibility</p:attrName>
@@ -27554,444 +27701,22 @@
                                 </p:cTn>
                               </p:par>
                               <p:par>
-                                <p:cTn id="387" presetID="10" presetClass="exit" presetSubtype="0" fill="hold" grpId="0" nodeType="withEffect">
+                                <p:cTn id="393" presetID="10" presetClass="exit" presetSubtype="0" fill="hold" grpId="0" nodeType="withEffect">
                                   <p:stCondLst>
                                     <p:cond delay="0"/>
                                   </p:stCondLst>
                                   <p:childTnLst>
                                     <p:animEffect transition="out" filter="fade">
                                       <p:cBhvr>
-                                        <p:cTn id="388" dur="500"/>
-                                        <p:tgtEl>
-                                          <p:spTgt spid="31"/>
+                                        <p:cTn id="394" dur="500"/>
+                                        <p:tgtEl>
+                                          <p:spTgt spid="43"/>
                                         </p:tgtEl>
                                       </p:cBhvr>
                                     </p:animEffect>
                                     <p:set>
                                       <p:cBhvr>
-                                        <p:cTn id="389" dur="1" fill="hold">
-                                          <p:stCondLst>
-                                            <p:cond delay="499"/>
-                                          </p:stCondLst>
-                                        </p:cTn>
-                                        <p:tgtEl>
-                                          <p:spTgt spid="31"/>
-                                        </p:tgtEl>
-                                        <p:attrNameLst>
-                                          <p:attrName>style.visibility</p:attrName>
-                                        </p:attrNameLst>
-                                      </p:cBhvr>
-                                      <p:to>
-                                        <p:strVal val="hidden"/>
-                                      </p:to>
-                                    </p:set>
-                                  </p:childTnLst>
-                                </p:cTn>
-                              </p:par>
-                            </p:childTnLst>
-                          </p:cTn>
-                        </p:par>
-                      </p:childTnLst>
-                    </p:cTn>
-                  </p:par>
-                  <p:par>
-                    <p:cTn id="390" fill="hold">
-                      <p:stCondLst>
-                        <p:cond delay="indefinite"/>
-                      </p:stCondLst>
-                      <p:childTnLst>
-                        <p:par>
-                          <p:cTn id="391" fill="hold">
-                            <p:stCondLst>
-                              <p:cond delay="0"/>
-                            </p:stCondLst>
-                            <p:childTnLst>
-                              <p:par>
-                                <p:cTn id="392" presetID="10" presetClass="entr" presetSubtype="0" fill="hold" grpId="0" nodeType="clickEffect">
-                                  <p:stCondLst>
-                                    <p:cond delay="0"/>
-                                  </p:stCondLst>
-                                  <p:childTnLst>
-                                    <p:set>
-                                      <p:cBhvr>
-                                        <p:cTn id="393" dur="1" fill="hold">
-                                          <p:stCondLst>
-                                            <p:cond delay="0"/>
-                                          </p:stCondLst>
-                                        </p:cTn>
-                                        <p:tgtEl>
-                                          <p:spTgt spid="75"/>
-                                        </p:tgtEl>
-                                        <p:attrNameLst>
-                                          <p:attrName>style.visibility</p:attrName>
-                                        </p:attrNameLst>
-                                      </p:cBhvr>
-                                      <p:to>
-                                        <p:strVal val="visible"/>
-                                      </p:to>
-                                    </p:set>
-                                    <p:animEffect transition="in" filter="fade">
-                                      <p:cBhvr>
-                                        <p:cTn id="394" dur="500"/>
-                                        <p:tgtEl>
-                                          <p:spTgt spid="75"/>
-                                        </p:tgtEl>
-                                      </p:cBhvr>
-                                    </p:animEffect>
-                                  </p:childTnLst>
-                                </p:cTn>
-                              </p:par>
-                              <p:par>
-                                <p:cTn id="395" presetID="10" presetClass="entr" presetSubtype="0" fill="hold" grpId="0" nodeType="withEffect">
-                                  <p:stCondLst>
-                                    <p:cond delay="0"/>
-                                  </p:stCondLst>
-                                  <p:childTnLst>
-                                    <p:set>
-                                      <p:cBhvr>
-                                        <p:cTn id="396" dur="1" fill="hold">
-                                          <p:stCondLst>
-                                            <p:cond delay="0"/>
-                                          </p:stCondLst>
-                                        </p:cTn>
-                                        <p:tgtEl>
-                                          <p:spTgt spid="87"/>
-                                        </p:tgtEl>
-                                        <p:attrNameLst>
-                                          <p:attrName>style.visibility</p:attrName>
-                                        </p:attrNameLst>
-                                      </p:cBhvr>
-                                      <p:to>
-                                        <p:strVal val="visible"/>
-                                      </p:to>
-                                    </p:set>
-                                    <p:animEffect transition="in" filter="fade">
-                                      <p:cBhvr>
-                                        <p:cTn id="397" dur="500"/>
-                                        <p:tgtEl>
-                                          <p:spTgt spid="87"/>
-                                        </p:tgtEl>
-                                      </p:cBhvr>
-                                    </p:animEffect>
-                                  </p:childTnLst>
-                                </p:cTn>
-                              </p:par>
-                            </p:childTnLst>
-                          </p:cTn>
-                        </p:par>
-                      </p:childTnLst>
-                    </p:cTn>
-                  </p:par>
-                  <p:par>
-                    <p:cTn id="398" fill="hold">
-                      <p:stCondLst>
-                        <p:cond delay="indefinite"/>
-                      </p:stCondLst>
-                      <p:childTnLst>
-                        <p:par>
-                          <p:cTn id="399" fill="hold">
-                            <p:stCondLst>
-                              <p:cond delay="0"/>
-                            </p:stCondLst>
-                            <p:childTnLst>
-                              <p:par>
-                                <p:cTn id="400" presetID="10" presetClass="exit" presetSubtype="0" fill="hold" grpId="1" nodeType="clickEffect">
-                                  <p:stCondLst>
-                                    <p:cond delay="0"/>
-                                  </p:stCondLst>
-                                  <p:childTnLst>
-                                    <p:animEffect transition="out" filter="fade">
-                                      <p:cBhvr>
-                                        <p:cTn id="401" dur="500"/>
-                                        <p:tgtEl>
-                                          <p:spTgt spid="75"/>
-                                        </p:tgtEl>
-                                      </p:cBhvr>
-                                    </p:animEffect>
-                                    <p:set>
-                                      <p:cBhvr>
-                                        <p:cTn id="402" dur="1" fill="hold">
-                                          <p:stCondLst>
-                                            <p:cond delay="499"/>
-                                          </p:stCondLst>
-                                        </p:cTn>
-                                        <p:tgtEl>
-                                          <p:spTgt spid="75"/>
-                                        </p:tgtEl>
-                                        <p:attrNameLst>
-                                          <p:attrName>style.visibility</p:attrName>
-                                        </p:attrNameLst>
-                                      </p:cBhvr>
-                                      <p:to>
-                                        <p:strVal val="hidden"/>
-                                      </p:to>
-                                    </p:set>
-                                  </p:childTnLst>
-                                </p:cTn>
-                              </p:par>
-                              <p:par>
-                                <p:cTn id="403" presetID="10" presetClass="exit" presetSubtype="0" fill="hold" grpId="1" nodeType="withEffect">
-                                  <p:stCondLst>
-                                    <p:cond delay="0"/>
-                                  </p:stCondLst>
-                                  <p:childTnLst>
-                                    <p:animEffect transition="out" filter="fade">
-                                      <p:cBhvr>
-                                        <p:cTn id="404" dur="500"/>
-                                        <p:tgtEl>
-                                          <p:spTgt spid="87"/>
-                                        </p:tgtEl>
-                                      </p:cBhvr>
-                                    </p:animEffect>
-                                    <p:set>
-                                      <p:cBhvr>
-                                        <p:cTn id="405" dur="1" fill="hold">
-                                          <p:stCondLst>
-                                            <p:cond delay="499"/>
-                                          </p:stCondLst>
-                                        </p:cTn>
-                                        <p:tgtEl>
-                                          <p:spTgt spid="87"/>
-                                        </p:tgtEl>
-                                        <p:attrNameLst>
-                                          <p:attrName>style.visibility</p:attrName>
-                                        </p:attrNameLst>
-                                      </p:cBhvr>
-                                      <p:to>
-                                        <p:strVal val="hidden"/>
-                                      </p:to>
-                                    </p:set>
-                                  </p:childTnLst>
-                                </p:cTn>
-                              </p:par>
-                              <p:par>
-                                <p:cTn id="406" presetID="10" presetClass="exit" presetSubtype="0" fill="hold" grpId="0" nodeType="withEffect">
-                                  <p:stCondLst>
-                                    <p:cond delay="0"/>
-                                  </p:stCondLst>
-                                  <p:childTnLst>
-                                    <p:animEffect transition="out" filter="fade">
-                                      <p:cBhvr>
-                                        <p:cTn id="407" dur="500"/>
-                                        <p:tgtEl>
-                                          <p:spTgt spid="37"/>
-                                        </p:tgtEl>
-                                      </p:cBhvr>
-                                    </p:animEffect>
-                                    <p:set>
-                                      <p:cBhvr>
-                                        <p:cTn id="408" dur="1" fill="hold">
-                                          <p:stCondLst>
-                                            <p:cond delay="499"/>
-                                          </p:stCondLst>
-                                        </p:cTn>
-                                        <p:tgtEl>
-                                          <p:spTgt spid="37"/>
-                                        </p:tgtEl>
-                                        <p:attrNameLst>
-                                          <p:attrName>style.visibility</p:attrName>
-                                        </p:attrNameLst>
-                                      </p:cBhvr>
-                                      <p:to>
-                                        <p:strVal val="hidden"/>
-                                      </p:to>
-                                    </p:set>
-                                  </p:childTnLst>
-                                </p:cTn>
-                              </p:par>
-                            </p:childTnLst>
-                          </p:cTn>
-                        </p:par>
-                      </p:childTnLst>
-                    </p:cTn>
-                  </p:par>
-                  <p:par>
-                    <p:cTn id="409" fill="hold">
-                      <p:stCondLst>
-                        <p:cond delay="indefinite"/>
-                      </p:stCondLst>
-                      <p:childTnLst>
-                        <p:par>
-                          <p:cTn id="410" fill="hold">
-                            <p:stCondLst>
-                              <p:cond delay="0"/>
-                            </p:stCondLst>
-                            <p:childTnLst>
-                              <p:par>
-                                <p:cTn id="411" presetID="10" presetClass="entr" presetSubtype="0" fill="hold" grpId="0" nodeType="clickEffect">
-                                  <p:stCondLst>
-                                    <p:cond delay="0"/>
-                                  </p:stCondLst>
-                                  <p:childTnLst>
-                                    <p:set>
-                                      <p:cBhvr>
-                                        <p:cTn id="412" dur="1" fill="hold">
-                                          <p:stCondLst>
-                                            <p:cond delay="0"/>
-                                          </p:stCondLst>
-                                        </p:cTn>
-                                        <p:tgtEl>
-                                          <p:spTgt spid="77"/>
-                                        </p:tgtEl>
-                                        <p:attrNameLst>
-                                          <p:attrName>style.visibility</p:attrName>
-                                        </p:attrNameLst>
-                                      </p:cBhvr>
-                                      <p:to>
-                                        <p:strVal val="visible"/>
-                                      </p:to>
-                                    </p:set>
-                                    <p:animEffect transition="in" filter="fade">
-                                      <p:cBhvr>
-                                        <p:cTn id="413" dur="500"/>
-                                        <p:tgtEl>
-                                          <p:spTgt spid="77"/>
-                                        </p:tgtEl>
-                                      </p:cBhvr>
-                                    </p:animEffect>
-                                  </p:childTnLst>
-                                </p:cTn>
-                              </p:par>
-                              <p:par>
-                                <p:cTn id="414" presetID="10" presetClass="entr" presetSubtype="0" fill="hold" grpId="0" nodeType="withEffect">
-                                  <p:stCondLst>
-                                    <p:cond delay="0"/>
-                                  </p:stCondLst>
-                                  <p:childTnLst>
-                                    <p:set>
-                                      <p:cBhvr>
-                                        <p:cTn id="415" dur="1" fill="hold">
-                                          <p:stCondLst>
-                                            <p:cond delay="0"/>
-                                          </p:stCondLst>
-                                        </p:cTn>
-                                        <p:tgtEl>
-                                          <p:spTgt spid="88"/>
-                                        </p:tgtEl>
-                                        <p:attrNameLst>
-                                          <p:attrName>style.visibility</p:attrName>
-                                        </p:attrNameLst>
-                                      </p:cBhvr>
-                                      <p:to>
-                                        <p:strVal val="visible"/>
-                                      </p:to>
-                                    </p:set>
-                                    <p:animEffect transition="in" filter="fade">
-                                      <p:cBhvr>
-                                        <p:cTn id="416" dur="500"/>
-                                        <p:tgtEl>
-                                          <p:spTgt spid="88"/>
-                                        </p:tgtEl>
-                                      </p:cBhvr>
-                                    </p:animEffect>
-                                  </p:childTnLst>
-                                </p:cTn>
-                              </p:par>
-                            </p:childTnLst>
-                          </p:cTn>
-                        </p:par>
-                      </p:childTnLst>
-                    </p:cTn>
-                  </p:par>
-                  <p:par>
-                    <p:cTn id="417" fill="hold">
-                      <p:stCondLst>
-                        <p:cond delay="indefinite"/>
-                      </p:stCondLst>
-                      <p:childTnLst>
-                        <p:par>
-                          <p:cTn id="418" fill="hold">
-                            <p:stCondLst>
-                              <p:cond delay="0"/>
-                            </p:stCondLst>
-                            <p:childTnLst>
-                              <p:par>
-                                <p:cTn id="419" presetID="10" presetClass="exit" presetSubtype="0" fill="hold" grpId="1" nodeType="clickEffect">
-                                  <p:stCondLst>
-                                    <p:cond delay="0"/>
-                                  </p:stCondLst>
-                                  <p:childTnLst>
-                                    <p:animEffect transition="out" filter="fade">
-                                      <p:cBhvr>
-                                        <p:cTn id="420" dur="500"/>
-                                        <p:tgtEl>
-                                          <p:spTgt spid="77"/>
-                                        </p:tgtEl>
-                                      </p:cBhvr>
-                                    </p:animEffect>
-                                    <p:set>
-                                      <p:cBhvr>
-                                        <p:cTn id="421" dur="1" fill="hold">
-                                          <p:stCondLst>
-                                            <p:cond delay="499"/>
-                                          </p:stCondLst>
-                                        </p:cTn>
-                                        <p:tgtEl>
-                                          <p:spTgt spid="77"/>
-                                        </p:tgtEl>
-                                        <p:attrNameLst>
-                                          <p:attrName>style.visibility</p:attrName>
-                                        </p:attrNameLst>
-                                      </p:cBhvr>
-                                      <p:to>
-                                        <p:strVal val="hidden"/>
-                                      </p:to>
-                                    </p:set>
-                                  </p:childTnLst>
-                                </p:cTn>
-                              </p:par>
-                              <p:par>
-                                <p:cTn id="422" presetID="10" presetClass="exit" presetSubtype="0" fill="hold" grpId="1" nodeType="withEffect">
-                                  <p:stCondLst>
-                                    <p:cond delay="0"/>
-                                  </p:stCondLst>
-                                  <p:childTnLst>
-                                    <p:animEffect transition="out" filter="fade">
-                                      <p:cBhvr>
-                                        <p:cTn id="423" dur="500"/>
-                                        <p:tgtEl>
-                                          <p:spTgt spid="88"/>
-                                        </p:tgtEl>
-                                      </p:cBhvr>
-                                    </p:animEffect>
-                                    <p:set>
-                                      <p:cBhvr>
-                                        <p:cTn id="424" dur="1" fill="hold">
-                                          <p:stCondLst>
-                                            <p:cond delay="499"/>
-                                          </p:stCondLst>
-                                        </p:cTn>
-                                        <p:tgtEl>
-                                          <p:spTgt spid="88"/>
-                                        </p:tgtEl>
-                                        <p:attrNameLst>
-                                          <p:attrName>style.visibility</p:attrName>
-                                        </p:attrNameLst>
-                                      </p:cBhvr>
-                                      <p:to>
-                                        <p:strVal val="hidden"/>
-                                      </p:to>
-                                    </p:set>
-                                  </p:childTnLst>
-                                </p:cTn>
-                              </p:par>
-                              <p:par>
-                                <p:cTn id="425" presetID="10" presetClass="exit" presetSubtype="0" fill="hold" grpId="0" nodeType="withEffect">
-                                  <p:stCondLst>
-                                    <p:cond delay="0"/>
-                                  </p:stCondLst>
-                                  <p:childTnLst>
-                                    <p:animEffect transition="out" filter="fade">
-                                      <p:cBhvr>
-                                        <p:cTn id="426" dur="500"/>
-                                        <p:tgtEl>
-                                          <p:spTgt spid="43"/>
-                                        </p:tgtEl>
-                                      </p:cBhvr>
-                                    </p:animEffect>
-                                    <p:set>
-                                      <p:cBhvr>
-                                        <p:cTn id="427" dur="1" fill="hold">
+                                        <p:cTn id="395" dur="1" fill="hold">
                                           <p:stCondLst>
                                             <p:cond delay="499"/>
                                           </p:stCondLst>
